--- a/presentaciones/02.pptx
+++ b/presentaciones/02.pptx
@@ -5,33 +5,34 @@
     <p:sldMasterId id="2147483669" r:id="rId1"/>
   </p:sldMasterIdLst>
   <p:notesMasterIdLst>
-    <p:notesMasterId r:id="rId26"/>
+    <p:notesMasterId r:id="rId27"/>
   </p:notesMasterIdLst>
   <p:sldIdLst>
     <p:sldId id="256" r:id="rId2"/>
     <p:sldId id="258" r:id="rId3"/>
-    <p:sldId id="335" r:id="rId4"/>
-    <p:sldId id="337" r:id="rId5"/>
-    <p:sldId id="338" r:id="rId6"/>
-    <p:sldId id="339" r:id="rId7"/>
-    <p:sldId id="340" r:id="rId8"/>
-    <p:sldId id="341" r:id="rId9"/>
-    <p:sldId id="342" r:id="rId10"/>
-    <p:sldId id="343" r:id="rId11"/>
-    <p:sldId id="346" r:id="rId12"/>
-    <p:sldId id="347" r:id="rId13"/>
-    <p:sldId id="348" r:id="rId14"/>
-    <p:sldId id="349" r:id="rId15"/>
-    <p:sldId id="351" r:id="rId16"/>
-    <p:sldId id="352" r:id="rId17"/>
-    <p:sldId id="353" r:id="rId18"/>
-    <p:sldId id="354" r:id="rId19"/>
-    <p:sldId id="355" r:id="rId20"/>
-    <p:sldId id="357" r:id="rId21"/>
-    <p:sldId id="356" r:id="rId22"/>
-    <p:sldId id="344" r:id="rId23"/>
-    <p:sldId id="336" r:id="rId24"/>
-    <p:sldId id="306" r:id="rId25"/>
+    <p:sldId id="358" r:id="rId4"/>
+    <p:sldId id="335" r:id="rId5"/>
+    <p:sldId id="337" r:id="rId6"/>
+    <p:sldId id="338" r:id="rId7"/>
+    <p:sldId id="339" r:id="rId8"/>
+    <p:sldId id="340" r:id="rId9"/>
+    <p:sldId id="341" r:id="rId10"/>
+    <p:sldId id="342" r:id="rId11"/>
+    <p:sldId id="343" r:id="rId12"/>
+    <p:sldId id="346" r:id="rId13"/>
+    <p:sldId id="347" r:id="rId14"/>
+    <p:sldId id="348" r:id="rId15"/>
+    <p:sldId id="349" r:id="rId16"/>
+    <p:sldId id="351" r:id="rId17"/>
+    <p:sldId id="352" r:id="rId18"/>
+    <p:sldId id="353" r:id="rId19"/>
+    <p:sldId id="354" r:id="rId20"/>
+    <p:sldId id="355" r:id="rId21"/>
+    <p:sldId id="357" r:id="rId22"/>
+    <p:sldId id="356" r:id="rId23"/>
+    <p:sldId id="344" r:id="rId24"/>
+    <p:sldId id="336" r:id="rId25"/>
+    <p:sldId id="306" r:id="rId26"/>
   </p:sldIdLst>
   <p:sldSz cx="12192000" cy="6858000"/>
   <p:notesSz cx="6858000" cy="9144000"/>
@@ -530,7 +531,7 @@
           <a:p>
             <a:pPr lvl="0"/>
             <a:fld id="{E8A888CB-5DE1-403C-8D22-B0231651E57E}" type="slidenum">
-              <a:t>11</a:t>
+              <a:t>12</a:t>
             </a:fld>
             <a:endParaRPr lang="es-CL"/>
           </a:p>
@@ -639,7 +640,7 @@
           <a:p>
             <a:pPr lvl="0"/>
             <a:fld id="{A66E12A9-A0CE-4C4F-AD2E-2CD4BA1D4199}" type="slidenum">
-              <a:t>12</a:t>
+              <a:t>13</a:t>
             </a:fld>
             <a:endParaRPr lang="es-CL"/>
           </a:p>
@@ -748,7 +749,7 @@
           <a:p>
             <a:pPr lvl="0"/>
             <a:fld id="{1FAD9E7D-35D6-4A39-BB18-606C8F863448}" type="slidenum">
-              <a:t>13</a:t>
+              <a:t>14</a:t>
             </a:fld>
             <a:endParaRPr lang="es-CL"/>
           </a:p>
@@ -857,7 +858,7 @@
           <a:p>
             <a:pPr lvl="0"/>
             <a:fld id="{68FAF673-C83C-44E9-913A-928BD4DDDD9A}" type="slidenum">
-              <a:t>14</a:t>
+              <a:t>15</a:t>
             </a:fld>
             <a:endParaRPr lang="es-CL"/>
           </a:p>
@@ -966,7 +967,7 @@
           <a:p>
             <a:pPr lvl="0"/>
             <a:fld id="{026EF8A2-5B0E-45EF-A75E-E1CD3E2F69A6}" type="slidenum">
-              <a:t>15</a:t>
+              <a:t>16</a:t>
             </a:fld>
             <a:endParaRPr lang="es-CL"/>
           </a:p>
@@ -8801,580 +8802,6 @@
 <file path=ppt/slides/slide10.xml><?xml version="1.0" encoding="utf-8"?>
 <p:sld xmlns:a="http://schemas.openxmlformats.org/drawingml/2006/main" xmlns:r="http://schemas.openxmlformats.org/officeDocument/2006/relationships" xmlns:p="http://schemas.openxmlformats.org/presentationml/2006/main">
   <p:cSld>
-    <p:spTree>
-      <p:nvGrpSpPr>
-        <p:cNvPr id="1" name=""/>
-        <p:cNvGrpSpPr/>
-        <p:nvPr/>
-      </p:nvGrpSpPr>
-      <p:grpSpPr>
-        <a:xfrm>
-          <a:off x="0" y="0"/>
-          <a:ext cx="0" cy="0"/>
-          <a:chOff x="0" y="0"/>
-          <a:chExt cx="0" cy="0"/>
-        </a:xfrm>
-      </p:grpSpPr>
-      <p:sp>
-        <p:nvSpPr>
-          <p:cNvPr id="2" name="Title 1">
-            <a:extLst>
-              <a:ext uri="{FF2B5EF4-FFF2-40B4-BE49-F238E27FC236}">
-                <a16:creationId xmlns:a16="http://schemas.microsoft.com/office/drawing/2014/main" id="{0C3B33A6-CC3B-4198-9A87-A2F0217A724F}"/>
-              </a:ext>
-            </a:extLst>
-          </p:cNvPr>
-          <p:cNvSpPr>
-            <a:spLocks noGrp="1"/>
-          </p:cNvSpPr>
-          <p:nvPr>
-            <p:ph type="title"/>
-          </p:nvPr>
-        </p:nvSpPr>
-        <p:spPr/>
-        <p:txBody>
-          <a:bodyPr/>
-          <a:lstStyle/>
-          <a:p>
-            <a:r>
-              <a:rPr lang="es-CL" dirty="0"/>
-              <a:t>Vistas</a:t>
-            </a:r>
-          </a:p>
-        </p:txBody>
-      </p:sp>
-      <p:pic>
-        <p:nvPicPr>
-          <p:cNvPr id="5" name="Content Placeholder 4">
-            <a:extLst>
-              <a:ext uri="{FF2B5EF4-FFF2-40B4-BE49-F238E27FC236}">
-                <a16:creationId xmlns:a16="http://schemas.microsoft.com/office/drawing/2014/main" id="{7C7BE798-0958-4C20-81B2-34B40A98E6CD}"/>
-              </a:ext>
-            </a:extLst>
-          </p:cNvPr>
-          <p:cNvPicPr>
-            <a:picLocks noGrp="1" noChangeAspect="1"/>
-          </p:cNvPicPr>
-          <p:nvPr>
-            <p:ph type="pic" idx="1"/>
-          </p:nvPr>
-        </p:nvPicPr>
-        <p:blipFill>
-          <a:blip r:embed="rId2"/>
-          <a:srcRect t="7502" b="7502"/>
-          <a:stretch>
-            <a:fillRect/>
-          </a:stretch>
-        </p:blipFill>
-        <p:spPr>
-          <a:prstGeom prst="rect">
-            <a:avLst/>
-          </a:prstGeom>
-        </p:spPr>
-      </p:pic>
-      <p:sp>
-        <p:nvSpPr>
-          <p:cNvPr id="3" name="Content Placeholder 2">
-            <a:extLst>
-              <a:ext uri="{FF2B5EF4-FFF2-40B4-BE49-F238E27FC236}">
-                <a16:creationId xmlns:a16="http://schemas.microsoft.com/office/drawing/2014/main" id="{2749CB3A-9A91-49A9-B846-A76137EC8216}"/>
-              </a:ext>
-            </a:extLst>
-          </p:cNvPr>
-          <p:cNvSpPr>
-            <a:spLocks noGrp="1"/>
-          </p:cNvSpPr>
-          <p:nvPr>
-            <p:ph type="body" sz="half" idx="2"/>
-          </p:nvPr>
-        </p:nvSpPr>
-        <p:spPr/>
-        <p:txBody>
-          <a:bodyPr>
-            <a:normAutofit fontScale="92500" lnSpcReduction="20000"/>
-          </a:bodyPr>
-          <a:lstStyle/>
-          <a:p>
-            <a:r>
-              <a:rPr lang="es-CL" dirty="0"/>
-              <a:t>Una </a:t>
-            </a:r>
-            <a:r>
-              <a:rPr lang="es-ES" dirty="0"/>
-              <a:t>vista es una consulta que se presenta como una tabla (virtual) a partir de un conjunto de tablas en una base de datos relacional. Las vistas tienen la misma estructura que una tabla: filas y columnas. La única diferencia es que sólo se almacena de ellas la definición, no los datos.</a:t>
-            </a:r>
-            <a:endParaRPr lang="es-CL" dirty="0"/>
-          </a:p>
-        </p:txBody>
-      </p:sp>
-    </p:spTree>
-    <p:extLst>
-      <p:ext uri="{BB962C8B-B14F-4D97-AF65-F5344CB8AC3E}">
-        <p14:creationId xmlns:p14="http://schemas.microsoft.com/office/powerpoint/2010/main" val="945280631"/>
-      </p:ext>
-    </p:extLst>
-  </p:cSld>
-  <p:clrMapOvr>
-    <a:masterClrMapping/>
-  </p:clrMapOvr>
-</p:sld>
-</file>
-
-<file path=ppt/slides/slide11.xml><?xml version="1.0" encoding="utf-8"?>
-<p:sld xmlns:a="http://schemas.openxmlformats.org/drawingml/2006/main" xmlns:r="http://schemas.openxmlformats.org/officeDocument/2006/relationships" xmlns:p="http://schemas.openxmlformats.org/presentationml/2006/main">
-  <p:cSld>
-    <p:spTree>
-      <p:nvGrpSpPr>
-        <p:cNvPr id="1" name=""/>
-        <p:cNvGrpSpPr/>
-        <p:nvPr/>
-      </p:nvGrpSpPr>
-      <p:grpSpPr>
-        <a:xfrm>
-          <a:off x="0" y="0"/>
-          <a:ext cx="0" cy="0"/>
-          <a:chOff x="0" y="0"/>
-          <a:chExt cx="0" cy="0"/>
-        </a:xfrm>
-      </p:grpSpPr>
-      <p:sp>
-        <p:nvSpPr>
-          <p:cNvPr id="2" name="Shape 117"/>
-          <p:cNvSpPr txBox="1">
-            <a:spLocks noGrp="1"/>
-          </p:cNvSpPr>
-          <p:nvPr>
-            <p:ph type="title"/>
-          </p:nvPr>
-        </p:nvSpPr>
-        <p:spPr/>
-        <p:txBody>
-          <a:bodyPr>
-            <a:normAutofit fontScale="90000"/>
-          </a:bodyPr>
-          <a:lstStyle/>
-          <a:p>
-            <a:pPr lvl="0" algn="ctr"/>
-            <a:r>
-              <a:rPr lang="es-CL" sz="16000" cap="all" dirty="0">
-                <a:solidFill>
-                  <a:schemeClr val="tx2"/>
-                </a:solidFill>
-                <a:latin typeface="Tw Cen MT"/>
-              </a:rPr>
-              <a:t>MDX</a:t>
-            </a:r>
-          </a:p>
-        </p:txBody>
-      </p:sp>
-      <p:sp>
-        <p:nvSpPr>
-          <p:cNvPr id="3" name="Shape 118"/>
-          <p:cNvSpPr txBox="1">
-            <a:spLocks noGrp="1"/>
-          </p:cNvSpPr>
-          <p:nvPr>
-            <p:ph type="body" idx="1"/>
-          </p:nvPr>
-        </p:nvSpPr>
-        <p:spPr/>
-        <p:txBody>
-          <a:bodyPr vert="horz" wrap="square" lIns="121920" tIns="121920" rIns="121920" bIns="121920" rtlCol="0" anchor="t">
-            <a:normAutofit/>
-          </a:bodyPr>
-          <a:lstStyle/>
-          <a:p>
-            <a:pPr marL="228474" indent="-227994" algn="ctr">
-              <a:lnSpc>
-                <a:spcPct val="100000"/>
-              </a:lnSpc>
-              <a:spcBef>
-                <a:spcPts val="0"/>
-              </a:spcBef>
-              <a:tabLst>
-                <a:tab pos="228474" algn="l"/>
-              </a:tabLst>
-            </a:pPr>
-            <a:r>
-              <a:rPr lang="es-CL">
-                <a:solidFill>
-                  <a:srgbClr val="FFFFFF"/>
-                </a:solidFill>
-              </a:rPr>
-              <a:t>Multidimensional expressions</a:t>
-            </a:r>
-          </a:p>
-        </p:txBody>
-      </p:sp>
-    </p:spTree>
-    <p:extLst>
-      <p:ext uri="{BB962C8B-B14F-4D97-AF65-F5344CB8AC3E}">
-        <p14:creationId xmlns:p14="http://schemas.microsoft.com/office/powerpoint/2010/main" val="1732120907"/>
-      </p:ext>
-    </p:extLst>
-  </p:cSld>
-  <p:clrMapOvr>
-    <a:masterClrMapping/>
-  </p:clrMapOvr>
-</p:sld>
-</file>
-
-<file path=ppt/slides/slide12.xml><?xml version="1.0" encoding="utf-8"?>
-<p:sld xmlns:a="http://schemas.openxmlformats.org/drawingml/2006/main" xmlns:r="http://schemas.openxmlformats.org/officeDocument/2006/relationships" xmlns:p="http://schemas.openxmlformats.org/presentationml/2006/main">
-  <p:cSld>
-    <p:spTree>
-      <p:nvGrpSpPr>
-        <p:cNvPr id="1" name=""/>
-        <p:cNvGrpSpPr/>
-        <p:nvPr/>
-      </p:nvGrpSpPr>
-      <p:grpSpPr>
-        <a:xfrm>
-          <a:off x="0" y="0"/>
-          <a:ext cx="0" cy="0"/>
-          <a:chOff x="0" y="0"/>
-          <a:chExt cx="0" cy="0"/>
-        </a:xfrm>
-      </p:grpSpPr>
-      <p:sp>
-        <p:nvSpPr>
-          <p:cNvPr id="2" name="Shape 123"/>
-          <p:cNvSpPr txBox="1">
-            <a:spLocks noGrp="1"/>
-          </p:cNvSpPr>
-          <p:nvPr>
-            <p:ph type="title"/>
-          </p:nvPr>
-        </p:nvSpPr>
-        <p:spPr/>
-        <p:txBody>
-          <a:bodyPr vert="horz" lIns="91440" tIns="45720" rIns="91440" bIns="45720" rtlCol="0" anchor="ctr">
-            <a:normAutofit/>
-          </a:bodyPr>
-          <a:lstStyle/>
-          <a:p>
-            <a:r>
-              <a:rPr lang="es-CL" dirty="0"/>
-              <a:t>MDX Consultas multidimensionales</a:t>
-            </a:r>
-          </a:p>
-        </p:txBody>
-      </p:sp>
-      <p:sp>
-        <p:nvSpPr>
-          <p:cNvPr id="3" name="Shape 124"/>
-          <p:cNvSpPr txBox="1">
-            <a:spLocks noGrp="1"/>
-          </p:cNvSpPr>
-          <p:nvPr>
-            <p:ph idx="1"/>
-          </p:nvPr>
-        </p:nvSpPr>
-        <p:spPr/>
-        <p:txBody>
-          <a:bodyPr vert="horz" wrap="square" lIns="121920" tIns="121920" rIns="121920" bIns="121920" rtlCol="0" anchor="t">
-            <a:normAutofit fontScale="85000" lnSpcReduction="20000"/>
-          </a:bodyPr>
-          <a:lstStyle/>
-          <a:p>
-            <a:pPr marL="228474" indent="-227994">
-              <a:lnSpc>
-                <a:spcPct val="115000"/>
-              </a:lnSpc>
-              <a:spcBef>
-                <a:spcPts val="0"/>
-              </a:spcBef>
-              <a:spcAft>
-                <a:spcPts val="2132"/>
-              </a:spcAft>
-              <a:tabLst>
-                <a:tab pos="228474" algn="l"/>
-              </a:tabLst>
-            </a:pPr>
-            <a:r>
-              <a:rPr lang="es-CL"/>
-              <a:t>MDX (Multidimensional Expressions) Es el lenguaje de consulta que se usa para trabajar con datos multidimensionales y para recuperarlos en Microsoft Analysis Services.</a:t>
-            </a:r>
-          </a:p>
-          <a:p>
-            <a:pPr marL="228474" indent="-227994">
-              <a:lnSpc>
-                <a:spcPct val="115000"/>
-              </a:lnSpc>
-              <a:spcBef>
-                <a:spcPts val="0"/>
-              </a:spcBef>
-              <a:spcAft>
-                <a:spcPts val="2132"/>
-              </a:spcAft>
-              <a:tabLst>
-                <a:tab pos="228474" algn="l"/>
-              </a:tabLst>
-            </a:pPr>
-            <a:r>
-              <a:rPr lang="es-CL"/>
-              <a:t>MDX está basado en la especificación XML for Analysis (XMLA), con extensiones específicas para SQL Server Analysis Services.</a:t>
-            </a:r>
-          </a:p>
-          <a:p>
-            <a:pPr marL="228474" indent="-227994">
-              <a:lnSpc>
-                <a:spcPct val="115000"/>
-              </a:lnSpc>
-              <a:spcBef>
-                <a:spcPts val="0"/>
-              </a:spcBef>
-              <a:spcAft>
-                <a:spcPts val="2132"/>
-              </a:spcAft>
-              <a:tabLst>
-                <a:tab pos="228474" algn="l"/>
-              </a:tabLst>
-            </a:pPr>
-            <a:r>
-              <a:rPr lang="es-CL"/>
-              <a:t>MDX usa expresiones compuestas de identificadores, valores, instrucciones, funciones y operadores que Analysis Services puede evaluar para recuperar un objeto (por ejemplo, un conjunto o un miembro) o un valor escalar (por ejemplo, una cadena o un número).</a:t>
-            </a:r>
-          </a:p>
-        </p:txBody>
-      </p:sp>
-    </p:spTree>
-    <p:extLst>
-      <p:ext uri="{BB962C8B-B14F-4D97-AF65-F5344CB8AC3E}">
-        <p14:creationId xmlns:p14="http://schemas.microsoft.com/office/powerpoint/2010/main" val="3811164299"/>
-      </p:ext>
-    </p:extLst>
-  </p:cSld>
-  <p:clrMapOvr>
-    <a:masterClrMapping/>
-  </p:clrMapOvr>
-</p:sld>
-</file>
-
-<file path=ppt/slides/slide13.xml><?xml version="1.0" encoding="utf-8"?>
-<p:sld xmlns:a="http://schemas.openxmlformats.org/drawingml/2006/main" xmlns:r="http://schemas.openxmlformats.org/officeDocument/2006/relationships" xmlns:p="http://schemas.openxmlformats.org/presentationml/2006/main">
-  <p:cSld>
-    <p:spTree>
-      <p:nvGrpSpPr>
-        <p:cNvPr id="1" name=""/>
-        <p:cNvGrpSpPr/>
-        <p:nvPr/>
-      </p:nvGrpSpPr>
-      <p:grpSpPr>
-        <a:xfrm>
-          <a:off x="0" y="0"/>
-          <a:ext cx="0" cy="0"/>
-          <a:chOff x="0" y="0"/>
-          <a:chExt cx="0" cy="0"/>
-        </a:xfrm>
-      </p:grpSpPr>
-      <p:sp>
-        <p:nvSpPr>
-          <p:cNvPr id="2" name="Shape 129"/>
-          <p:cNvSpPr txBox="1">
-            <a:spLocks noGrp="1"/>
-          </p:cNvSpPr>
-          <p:nvPr>
-            <p:ph type="title"/>
-          </p:nvPr>
-        </p:nvSpPr>
-        <p:spPr/>
-        <p:txBody>
-          <a:bodyPr vert="horz" lIns="91440" tIns="45720" rIns="91440" bIns="45720" rtlCol="0" anchor="ctr">
-            <a:normAutofit/>
-          </a:bodyPr>
-          <a:lstStyle/>
-          <a:p>
-            <a:r>
-              <a:rPr lang="es-CL" dirty="0"/>
-              <a:t>MDX Consultas multidimensionales</a:t>
-            </a:r>
-          </a:p>
-        </p:txBody>
-      </p:sp>
-      <p:sp>
-        <p:nvSpPr>
-          <p:cNvPr id="3" name="Shape 130"/>
-          <p:cNvSpPr txBox="1">
-            <a:spLocks noGrp="1"/>
-          </p:cNvSpPr>
-          <p:nvPr>
-            <p:ph idx="1"/>
-          </p:nvPr>
-        </p:nvSpPr>
-        <p:spPr/>
-        <p:txBody>
-          <a:bodyPr vert="horz" wrap="square" lIns="121920" tIns="121920" rIns="121920" bIns="121920" rtlCol="0" anchor="t">
-            <a:normAutofit fontScale="77500" lnSpcReduction="20000"/>
-          </a:bodyPr>
-          <a:lstStyle/>
-          <a:p>
-            <a:pPr marL="228474" indent="-227994">
-              <a:lnSpc>
-                <a:spcPct val="115000"/>
-              </a:lnSpc>
-              <a:spcBef>
-                <a:spcPts val="0"/>
-              </a:spcBef>
-              <a:spcAft>
-                <a:spcPts val="2132"/>
-              </a:spcAft>
-              <a:tabLst>
-                <a:tab pos="228474" algn="l"/>
-              </a:tabLst>
-            </a:pPr>
-            <a:r>
-              <a:rPr lang="es-CL" dirty="0"/>
-              <a:t>Las consultas y expresiones MDX de SQL Server </a:t>
-            </a:r>
-            <a:r>
-              <a:rPr lang="es-CL" dirty="0" err="1"/>
-              <a:t>Analysis</a:t>
-            </a:r>
-            <a:r>
-              <a:rPr lang="es-CL" dirty="0"/>
-              <a:t> </a:t>
-            </a:r>
-            <a:r>
-              <a:rPr lang="es-CL" dirty="0" err="1"/>
-              <a:t>Services</a:t>
-            </a:r>
-            <a:r>
-              <a:rPr lang="es-CL" dirty="0"/>
-              <a:t> se utilizan para lo siguiente:</a:t>
-            </a:r>
-          </a:p>
-          <a:p>
-            <a:pPr marL="685674" lvl="1" indent="-227994">
-              <a:lnSpc>
-                <a:spcPct val="115000"/>
-              </a:lnSpc>
-              <a:spcBef>
-                <a:spcPts val="0"/>
-              </a:spcBef>
-              <a:spcAft>
-                <a:spcPts val="2132"/>
-              </a:spcAft>
-              <a:tabLst>
-                <a:tab pos="228474" algn="l"/>
-              </a:tabLst>
-            </a:pPr>
-            <a:r>
-              <a:rPr lang="es-CL" dirty="0"/>
-              <a:t>Devolver datos a una aplicación cliente desde un cubo de SQL Server </a:t>
-            </a:r>
-            <a:r>
-              <a:rPr lang="es-CL" dirty="0" err="1"/>
-              <a:t>Analysis</a:t>
-            </a:r>
-            <a:r>
-              <a:rPr lang="es-CL" dirty="0"/>
-              <a:t> </a:t>
-            </a:r>
-            <a:r>
-              <a:rPr lang="es-CL" dirty="0" err="1"/>
-              <a:t>Services</a:t>
-            </a:r>
-            <a:r>
-              <a:rPr lang="es-CL" dirty="0"/>
-              <a:t> .</a:t>
-            </a:r>
-          </a:p>
-          <a:p>
-            <a:pPr marL="685674" lvl="1" indent="-227994">
-              <a:lnSpc>
-                <a:spcPct val="115000"/>
-              </a:lnSpc>
-              <a:spcBef>
-                <a:spcPts val="0"/>
-              </a:spcBef>
-              <a:spcAft>
-                <a:spcPts val="2132"/>
-              </a:spcAft>
-              <a:tabLst>
-                <a:tab pos="228474" algn="l"/>
-              </a:tabLst>
-            </a:pPr>
-            <a:r>
-              <a:rPr lang="es-CL" dirty="0"/>
-              <a:t>Aplicar formato a los resultados de las consultas.</a:t>
-            </a:r>
-          </a:p>
-          <a:p>
-            <a:pPr marL="685674" lvl="1" indent="-227994">
-              <a:lnSpc>
-                <a:spcPct val="115000"/>
-              </a:lnSpc>
-              <a:spcBef>
-                <a:spcPts val="0"/>
-              </a:spcBef>
-              <a:spcAft>
-                <a:spcPts val="2132"/>
-              </a:spcAft>
-              <a:tabLst>
-                <a:tab pos="228474" algn="l"/>
-              </a:tabLst>
-            </a:pPr>
-            <a:r>
-              <a:rPr lang="es-CL" dirty="0"/>
-              <a:t>Realizar tareas de diseño de cubos, como la definición de miembros calculados, conjuntos con nombre, asignaciones con ámbito e indicadores clave de rendimiento (KPI).</a:t>
-            </a:r>
-          </a:p>
-          <a:p>
-            <a:pPr marL="685674" lvl="1" indent="-227994">
-              <a:lnSpc>
-                <a:spcPct val="115000"/>
-              </a:lnSpc>
-              <a:spcBef>
-                <a:spcPts val="0"/>
-              </a:spcBef>
-              <a:spcAft>
-                <a:spcPts val="2132"/>
-              </a:spcAft>
-              <a:tabLst>
-                <a:tab pos="228474" algn="l"/>
-              </a:tabLst>
-            </a:pPr>
-            <a:r>
-              <a:rPr lang="es-CL" dirty="0"/>
-              <a:t>Realizar tareas administrativas, incluida la seguridad de dimensión y de celda.</a:t>
-            </a:r>
-          </a:p>
-          <a:p>
-            <a:pPr marL="228474" indent="-227994">
-              <a:lnSpc>
-                <a:spcPct val="115000"/>
-              </a:lnSpc>
-              <a:spcBef>
-                <a:spcPts val="0"/>
-              </a:spcBef>
-              <a:spcAft>
-                <a:spcPts val="2132"/>
-              </a:spcAft>
-              <a:tabLst>
-                <a:tab pos="228474" algn="l"/>
-              </a:tabLst>
-            </a:pPr>
-            <a:endParaRPr lang="es-CL" dirty="0"/>
-          </a:p>
-        </p:txBody>
-      </p:sp>
-    </p:spTree>
-    <p:extLst>
-      <p:ext uri="{BB962C8B-B14F-4D97-AF65-F5344CB8AC3E}">
-        <p14:creationId xmlns:p14="http://schemas.microsoft.com/office/powerpoint/2010/main" val="329267080"/>
-      </p:ext>
-    </p:extLst>
-  </p:cSld>
-  <p:clrMapOvr>
-    <a:masterClrMapping/>
-  </p:clrMapOvr>
-</p:sld>
-</file>
-
-<file path=ppt/slides/slide14.xml><?xml version="1.0" encoding="utf-8"?>
-<p:sld xmlns:a="http://schemas.openxmlformats.org/drawingml/2006/main" xmlns:r="http://schemas.openxmlformats.org/officeDocument/2006/relationships" xmlns:p="http://schemas.openxmlformats.org/presentationml/2006/main">
-  <p:cSld>
     <p:bg>
       <p:bgPr>
         <a:gradFill rotWithShape="1">
@@ -9424,21 +8851,21 @@
           <a:chExt cx="0" cy="0"/>
         </a:xfrm>
       </p:grpSpPr>
-      <p:sp useBgFill="1">
-        <p:nvSpPr>
-          <p:cNvPr id="35" name="Rectangle 34">
+      <p:pic>
+        <p:nvPicPr>
+          <p:cNvPr id="10" name="Picture 9">
             <a:extLst>
               <a:ext uri="{FF2B5EF4-FFF2-40B4-BE49-F238E27FC236}">
-                <a16:creationId xmlns:a16="http://schemas.microsoft.com/office/drawing/2014/main" id="{5F85E7EB-64DD-4240-8583-6C243806705F}"/>
+                <a16:creationId xmlns:a16="http://schemas.microsoft.com/office/drawing/2014/main" id="{14CE8021-4E74-4794-A0E4-ECC2D2D40BB4}"/>
               </a:ext>
               <a:ext uri="{C183D7F6-B498-43B3-948B-1728B52AA6E4}">
-                <adec:decorative xmlns:adec="http://schemas.microsoft.com/office/drawing/2017/decorative" xmlns="" val="1"/>
+                <adec:decorative xmlns="" xmlns:adec="http://schemas.microsoft.com/office/drawing/2017/decorative" val="1"/>
               </a:ext>
             </a:extLst>
           </p:cNvPr>
-          <p:cNvSpPr>
-            <a:spLocks noGrp="1" noRot="1" noChangeAspect="1" noMove="1" noResize="1" noEditPoints="1" noAdjustHandles="1" noChangeArrowheads="1" noChangeShapeType="1" noTextEdit="1"/>
-          </p:cNvSpPr>
+          <p:cNvPicPr>
+            <a:picLocks noGrp="1" noRot="1" noChangeAspect="1" noMove="1" noResize="1" noEditPoints="1" noAdjustHandles="1" noChangeArrowheads="1" noChangeShapeType="1" noCrop="1"/>
+          </p:cNvPicPr>
           <p:nvPr>
             <p:extLst>
               <p:ext uri="{386F3935-93C4-4BCD-93E2-E3B085C9AB24}">
@@ -9446,15 +8873,160 @@
               </p:ext>
             </p:extLst>
           </p:nvPr>
-        </p:nvSpPr>
-        <p:spPr>
-          <a:xfrm>
-            <a:off x="0" y="-1"/>
-            <a:ext cx="12188824" cy="6858001"/>
+        </p:nvPicPr>
+        <p:blipFill>
+          <a:blip r:embed="rId2">
+            <a:alphaModFix amt="10000"/>
+            <a:extLst>
+              <a:ext uri="{28A0092B-C50C-407E-A947-70E740481C1C}">
+                <a14:useLocalDpi xmlns:a14="http://schemas.microsoft.com/office/drawing/2010/main" val="0"/>
+              </a:ext>
+            </a:extLst>
+          </a:blip>
+          <a:stretch>
+            <a:fillRect/>
+          </a:stretch>
+        </p:blipFill>
+        <p:spPr>
+          <a:xfrm>
+            <a:off x="0" y="0"/>
+            <a:ext cx="12192000" cy="6858000"/>
           </a:xfrm>
           <a:prstGeom prst="rect">
             <a:avLst/>
           </a:prstGeom>
+        </p:spPr>
+      </p:pic>
+      <p:pic>
+        <p:nvPicPr>
+          <p:cNvPr id="12" name="Picture 11">
+            <a:extLst>
+              <a:ext uri="{FF2B5EF4-FFF2-40B4-BE49-F238E27FC236}">
+                <a16:creationId xmlns:a16="http://schemas.microsoft.com/office/drawing/2014/main" id="{0B1B493A-0A00-4A78-9179-A51DFD228812}"/>
+              </a:ext>
+              <a:ext uri="{C183D7F6-B498-43B3-948B-1728B52AA6E4}">
+                <adec:decorative xmlns="" xmlns:adec="http://schemas.microsoft.com/office/drawing/2017/decorative" val="1"/>
+              </a:ext>
+            </a:extLst>
+          </p:cNvPr>
+          <p:cNvPicPr>
+            <a:picLocks noGrp="1" noRot="1" noChangeAspect="1" noMove="1" noResize="1" noEditPoints="1" noAdjustHandles="1" noChangeArrowheads="1" noChangeShapeType="1" noCrop="1"/>
+          </p:cNvPicPr>
+          <p:nvPr>
+            <p:extLst>
+              <p:ext uri="{386F3935-93C4-4BCD-93E2-E3B085C9AB24}">
+                <p16:designElem xmlns:p16="http://schemas.microsoft.com/office/powerpoint/2015/main" val="1"/>
+              </p:ext>
+            </p:extLst>
+          </p:nvPr>
+        </p:nvPicPr>
+        <p:blipFill>
+          <a:blip r:embed="rId3">
+            <a:extLst>
+              <a:ext uri="{28A0092B-C50C-407E-A947-70E740481C1C}">
+                <a14:useLocalDpi xmlns:a14="http://schemas.microsoft.com/office/drawing/2010/main" val="0"/>
+              </a:ext>
+            </a:extLst>
+          </a:blip>
+          <a:stretch>
+            <a:fillRect/>
+          </a:stretch>
+        </p:blipFill>
+        <p:spPr>
+          <a:xfrm>
+            <a:off x="1" y="1970240"/>
+            <a:ext cx="10437812" cy="321164"/>
+          </a:xfrm>
+          <a:prstGeom prst="rect">
+            <a:avLst/>
+          </a:prstGeom>
+        </p:spPr>
+      </p:pic>
+      <p:pic>
+        <p:nvPicPr>
+          <p:cNvPr id="14" name="Picture 13">
+            <a:extLst>
+              <a:ext uri="{FF2B5EF4-FFF2-40B4-BE49-F238E27FC236}">
+                <a16:creationId xmlns:a16="http://schemas.microsoft.com/office/drawing/2014/main" id="{05B327D4-1ABB-44EB-8BA9-1C136B1535ED}"/>
+              </a:ext>
+              <a:ext uri="{C183D7F6-B498-43B3-948B-1728B52AA6E4}">
+                <adec:decorative xmlns="" xmlns:adec="http://schemas.microsoft.com/office/drawing/2017/decorative" val="1"/>
+              </a:ext>
+            </a:extLst>
+          </p:cNvPr>
+          <p:cNvPicPr>
+            <a:picLocks noGrp="1" noRot="1" noChangeAspect="1" noMove="1" noResize="1" noEditPoints="1" noAdjustHandles="1" noChangeArrowheads="1" noChangeShapeType="1" noCrop="1"/>
+          </p:cNvPicPr>
+          <p:nvPr>
+            <p:extLst>
+              <p:ext uri="{386F3935-93C4-4BCD-93E2-E3B085C9AB24}">
+                <p16:designElem xmlns:p16="http://schemas.microsoft.com/office/powerpoint/2015/main" val="1"/>
+              </p:ext>
+            </p:extLst>
+          </p:nvPr>
+        </p:nvPicPr>
+        <p:blipFill>
+          <a:blip r:embed="rId4" cstate="print">
+            <a:extLst>
+              <a:ext uri="{28A0092B-C50C-407E-A947-70E740481C1C}">
+                <a14:useLocalDpi xmlns:a14="http://schemas.microsoft.com/office/drawing/2010/main" val="0"/>
+              </a:ext>
+            </a:extLst>
+          </a:blip>
+          <a:stretch>
+            <a:fillRect/>
+          </a:stretch>
+        </p:blipFill>
+        <p:spPr>
+          <a:xfrm>
+            <a:off x="10585826" y="1971234"/>
+            <a:ext cx="1602997" cy="144270"/>
+          </a:xfrm>
+          <a:prstGeom prst="rect">
+            <a:avLst/>
+          </a:prstGeom>
+        </p:spPr>
+      </p:pic>
+      <p:sp>
+        <p:nvSpPr>
+          <p:cNvPr id="16" name="Rectangle 15">
+            <a:extLst>
+              <a:ext uri="{FF2B5EF4-FFF2-40B4-BE49-F238E27FC236}">
+                <a16:creationId xmlns:a16="http://schemas.microsoft.com/office/drawing/2014/main" id="{68565C26-F31A-42A4-859E-1F38C81D194D}"/>
+              </a:ext>
+              <a:ext uri="{C183D7F6-B498-43B3-948B-1728B52AA6E4}">
+                <adec:decorative xmlns="" xmlns:adec="http://schemas.microsoft.com/office/drawing/2017/decorative" val="1"/>
+              </a:ext>
+            </a:extLst>
+          </p:cNvPr>
+          <p:cNvSpPr>
+            <a:spLocks noGrp="1" noRot="1" noChangeAspect="1" noMove="1" noResize="1" noEditPoints="1" noAdjustHandles="1" noChangeArrowheads="1" noChangeShapeType="1" noTextEdit="1"/>
+          </p:cNvSpPr>
+          <p:nvPr>
+            <p:extLst>
+              <p:ext uri="{386F3935-93C4-4BCD-93E2-E3B085C9AB24}">
+                <p16:designElem xmlns:p16="http://schemas.microsoft.com/office/powerpoint/2015/main" val="1"/>
+              </p:ext>
+            </p:extLst>
+          </p:nvPr>
+        </p:nvSpPr>
+        <p:spPr>
+          <a:xfrm>
+            <a:off x="0" y="609600"/>
+            <a:ext cx="10437812" cy="1368198"/>
+          </a:xfrm>
+          <a:prstGeom prst="rect">
+            <a:avLst/>
+          </a:prstGeom>
+          <a:solidFill>
+            <a:schemeClr val="bg1">
+              <a:lumMod val="85000"/>
+              <a:lumOff val="15000"/>
+            </a:schemeClr>
+          </a:solidFill>
+          <a:ln>
+            <a:noFill/>
+          </a:ln>
         </p:spPr>
         <p:style>
           <a:lnRef idx="2">
@@ -9472,30 +9044,22 @@
             <a:schemeClr val="lt1"/>
           </a:fontRef>
         </p:style>
-        <p:txBody>
-          <a:bodyPr rtlCol="0" anchor="ctr"/>
-          <a:lstStyle/>
-          <a:p>
-            <a:pPr algn="ctr"/>
-            <a:endParaRPr lang="en-US"/>
-          </a:p>
-        </p:txBody>
-      </p:sp>
-      <p:pic>
-        <p:nvPicPr>
-          <p:cNvPr id="37" name="Picture 36">
+      </p:sp>
+      <p:sp>
+        <p:nvSpPr>
+          <p:cNvPr id="18" name="Rectangle 17">
             <a:extLst>
               <a:ext uri="{FF2B5EF4-FFF2-40B4-BE49-F238E27FC236}">
-                <a16:creationId xmlns:a16="http://schemas.microsoft.com/office/drawing/2014/main" id="{A5AA9413-A886-4022-A477-7ACECA36585E}"/>
+                <a16:creationId xmlns:a16="http://schemas.microsoft.com/office/drawing/2014/main" id="{81A3EC2D-CF74-44DB-A8BD-A1698850D162}"/>
               </a:ext>
               <a:ext uri="{C183D7F6-B498-43B3-948B-1728B52AA6E4}">
-                <adec:decorative xmlns:adec="http://schemas.microsoft.com/office/drawing/2017/decorative" xmlns="" val="1"/>
+                <adec:decorative xmlns="" xmlns:adec="http://schemas.microsoft.com/office/drawing/2017/decorative" val="1"/>
               </a:ext>
             </a:extLst>
           </p:cNvPr>
-          <p:cNvPicPr>
-            <a:picLocks noGrp="1" noRot="1" noChangeAspect="1" noMove="1" noResize="1" noEditPoints="1" noAdjustHandles="1" noChangeArrowheads="1" noChangeShapeType="1" noCrop="1"/>
-          </p:cNvPicPr>
+          <p:cNvSpPr>
+            <a:spLocks noGrp="1" noRot="1" noChangeAspect="1" noMove="1" noResize="1" noEditPoints="1" noAdjustHandles="1" noChangeArrowheads="1" noChangeShapeType="1" noTextEdit="1"/>
+          </p:cNvSpPr>
           <p:nvPr>
             <p:extLst>
               <p:ext uri="{386F3935-93C4-4BCD-93E2-E3B085C9AB24}">
@@ -9503,61 +9067,18 @@
               </p:ext>
             </p:extLst>
           </p:nvPr>
-        </p:nvPicPr>
-        <p:blipFill>
-          <a:blip r:embed="rId3">
-            <a:alphaModFix amt="10000"/>
-            <a:extLst>
-              <a:ext uri="{28A0092B-C50C-407E-A947-70E740481C1C}">
-                <a14:useLocalDpi xmlns:a14="http://schemas.microsoft.com/office/drawing/2010/main" val="0"/>
-              </a:ext>
-            </a:extLst>
-          </a:blip>
-          <a:stretch>
-            <a:fillRect/>
-          </a:stretch>
-        </p:blipFill>
-        <p:spPr>
-          <a:xfrm>
-            <a:off x="-3176" y="0"/>
-            <a:ext cx="12192000" cy="6858000"/>
+        </p:nvSpPr>
+        <p:spPr>
+          <a:xfrm>
+            <a:off x="10585827" y="609600"/>
+            <a:ext cx="1602997" cy="1368198"/>
           </a:xfrm>
           <a:prstGeom prst="rect">
             <a:avLst/>
           </a:prstGeom>
-        </p:spPr>
-      </p:pic>
-      <p:sp>
-        <p:nvSpPr>
-          <p:cNvPr id="39" name="Rectangle 38">
-            <a:extLst>
-              <a:ext uri="{FF2B5EF4-FFF2-40B4-BE49-F238E27FC236}">
-                <a16:creationId xmlns:a16="http://schemas.microsoft.com/office/drawing/2014/main" id="{891C6E63-BD83-438C-8E5A-539006F798DD}"/>
-              </a:ext>
-              <a:ext uri="{C183D7F6-B498-43B3-948B-1728B52AA6E4}">
-                <adec:decorative xmlns:adec="http://schemas.microsoft.com/office/drawing/2017/decorative" xmlns="" val="1"/>
-              </a:ext>
-            </a:extLst>
-          </p:cNvPr>
-          <p:cNvSpPr>
-            <a:spLocks noGrp="1" noRot="1" noChangeAspect="1" noMove="1" noResize="1" noEditPoints="1" noAdjustHandles="1" noChangeArrowheads="1" noChangeShapeType="1" noTextEdit="1"/>
-          </p:cNvSpPr>
-          <p:nvPr>
-            <p:extLst>
-              <p:ext uri="{386F3935-93C4-4BCD-93E2-E3B085C9AB24}">
-                <p16:designElem xmlns:p16="http://schemas.microsoft.com/office/powerpoint/2015/main" val="1"/>
-              </p:ext>
-            </p:extLst>
-          </p:nvPr>
-        </p:nvSpPr>
-        <p:spPr>
-          <a:xfrm>
-            <a:off x="4639056" y="0"/>
-            <a:ext cx="7552944" cy="6858001"/>
-          </a:xfrm>
-          <a:prstGeom prst="rect">
-            <a:avLst/>
-          </a:prstGeom>
+          <a:solidFill>
+            <a:schemeClr val="accent1"/>
+          </a:solidFill>
           <a:ln>
             <a:noFill/>
           </a:ln>
@@ -9578,24 +9099,16 @@
             <a:schemeClr val="lt1"/>
           </a:fontRef>
         </p:style>
-        <p:txBody>
-          <a:bodyPr rtlCol="0" anchor="ctr"/>
-          <a:lstStyle/>
-          <a:p>
-            <a:pPr algn="ctr"/>
-            <a:endParaRPr lang="en-US"/>
-          </a:p>
-        </p:txBody>
-      </p:sp>
-      <p:sp>
-        <p:nvSpPr>
-          <p:cNvPr id="41" name="Rectangle 40">
+      </p:sp>
+      <p:sp useBgFill="1">
+        <p:nvSpPr>
+          <p:cNvPr id="20" name="Rectangle 19">
             <a:extLst>
               <a:ext uri="{FF2B5EF4-FFF2-40B4-BE49-F238E27FC236}">
-                <a16:creationId xmlns:a16="http://schemas.microsoft.com/office/drawing/2014/main" id="{CA1E0C71-AEB6-4ADF-A06B-0842850D6E81}"/>
+                <a16:creationId xmlns:a16="http://schemas.microsoft.com/office/drawing/2014/main" id="{7539E3D4-6962-40AB-8B73-E9DD5692F0E7}"/>
               </a:ext>
               <a:ext uri="{C183D7F6-B498-43B3-948B-1728B52AA6E4}">
-                <adec:decorative xmlns:adec="http://schemas.microsoft.com/office/drawing/2017/decorative" xmlns="" val="1"/>
+                <adec:decorative xmlns="" xmlns:adec="http://schemas.microsoft.com/office/drawing/2017/decorative" val="1"/>
               </a:ext>
             </a:extLst>
           </p:cNvPr>
@@ -9610,23 +9123,14 @@
             </p:extLst>
           </p:nvPr>
         </p:nvSpPr>
-        <p:spPr bwMode="grayWhite">
-          <a:xfrm>
-            <a:off x="2" y="609600"/>
-            <a:ext cx="4959094" cy="1368198"/>
+        <p:spPr>
+          <a:xfrm>
+            <a:off x="0" y="-1"/>
+            <a:ext cx="12188824" cy="6858001"/>
           </a:xfrm>
           <a:prstGeom prst="rect">
             <a:avLst/>
           </a:prstGeom>
-          <a:solidFill>
-            <a:schemeClr val="bg1">
-              <a:lumMod val="85000"/>
-              <a:lumOff val="15000"/>
-            </a:schemeClr>
-          </a:solidFill>
-          <a:ln>
-            <a:noFill/>
-          </a:ln>
         </p:spPr>
         <p:style>
           <a:lnRef idx="2">
@@ -9644,16 +9148,24 @@
             <a:schemeClr val="lt1"/>
           </a:fontRef>
         </p:style>
+        <p:txBody>
+          <a:bodyPr rtlCol="0" anchor="ctr"/>
+          <a:lstStyle/>
+          <a:p>
+            <a:pPr algn="ctr"/>
+            <a:endParaRPr lang="en-US"/>
+          </a:p>
+        </p:txBody>
       </p:sp>
       <p:pic>
         <p:nvPicPr>
-          <p:cNvPr id="43" name="Picture 42">
+          <p:cNvPr id="22" name="Picture 21">
             <a:extLst>
               <a:ext uri="{FF2B5EF4-FFF2-40B4-BE49-F238E27FC236}">
-                <a16:creationId xmlns:a16="http://schemas.microsoft.com/office/drawing/2014/main" id="{63AC3CC6-6498-44DC-8A2A-3BCA9A761D1D}"/>
+                <a16:creationId xmlns:a16="http://schemas.microsoft.com/office/drawing/2014/main" id="{9490E84B-32AB-4B93-B2A7-C660A2894F2C}"/>
               </a:ext>
               <a:ext uri="{C183D7F6-B498-43B3-948B-1728B52AA6E4}">
-                <adec:decorative xmlns:adec="http://schemas.microsoft.com/office/drawing/2017/decorative" xmlns="" val="1"/>
+                <adec:decorative xmlns="" xmlns:adec="http://schemas.microsoft.com/office/drawing/2017/decorative" val="1"/>
               </a:ext>
             </a:extLst>
           </p:cNvPr>
@@ -9669,7 +9181,8 @@
           </p:nvPr>
         </p:nvPicPr>
         <p:blipFill>
-          <a:blip r:embed="rId4">
+          <a:blip r:embed="rId2">
+            <a:alphaModFix amt="10000"/>
             <a:extLst>
               <a:ext uri="{28A0092B-C50C-407E-A947-70E740481C1C}">
                 <a14:useLocalDpi xmlns:a14="http://schemas.microsoft.com/office/drawing/2010/main" val="0"/>
@@ -9682,8 +9195,8 @@
         </p:blipFill>
         <p:spPr>
           <a:xfrm>
-            <a:off x="2" y="1970241"/>
-            <a:ext cx="4956048" cy="199787"/>
+            <a:off x="-3176" y="0"/>
+            <a:ext cx="12192000" cy="6858000"/>
           </a:xfrm>
           <a:prstGeom prst="rect">
             <a:avLst/>
@@ -9692,13 +9205,13 @@
       </p:pic>
       <p:sp>
         <p:nvSpPr>
-          <p:cNvPr id="45" name="Rectangle 44">
+          <p:cNvPr id="24" name="Rectangle 23">
             <a:extLst>
               <a:ext uri="{FF2B5EF4-FFF2-40B4-BE49-F238E27FC236}">
-                <a16:creationId xmlns:a16="http://schemas.microsoft.com/office/drawing/2014/main" id="{FA2C39F2-3E8E-489A-8907-3C251BE71AFD}"/>
+                <a16:creationId xmlns:a16="http://schemas.microsoft.com/office/drawing/2014/main" id="{AE7C53B3-E639-4BE7-9C53-AAF6DF686F9A}"/>
               </a:ext>
               <a:ext uri="{C183D7F6-B498-43B3-948B-1728B52AA6E4}">
-                <adec:decorative xmlns:adec="http://schemas.microsoft.com/office/drawing/2017/decorative" xmlns="" val="1"/>
+                <adec:decorative xmlns="" xmlns:adec="http://schemas.microsoft.com/office/drawing/2017/decorative" val="1"/>
               </a:ext>
             </a:extLst>
           </p:cNvPr>
@@ -9715,25 +9228,15 @@
         </p:nvSpPr>
         <p:spPr>
           <a:xfrm>
-            <a:off x="5276090" y="642795"/>
-            <a:ext cx="6272654" cy="5575126"/>
+            <a:off x="4639056" y="0"/>
+            <a:ext cx="7552944" cy="6858001"/>
           </a:xfrm>
           <a:prstGeom prst="rect">
             <a:avLst/>
           </a:prstGeom>
-          <a:solidFill>
-            <a:schemeClr val="tx1"/>
-          </a:solidFill>
           <a:ln>
             <a:noFill/>
           </a:ln>
-          <a:effectLst>
-            <a:outerShdw blurRad="76200" dist="63500" dir="5040000" algn="t" rotWithShape="0">
-              <a:prstClr val="black">
-                <a:alpha val="41000"/>
-              </a:prstClr>
-            </a:outerShdw>
-          </a:effectLst>
         </p:spPr>
         <p:style>
           <a:lnRef idx="2">
@@ -9760,19 +9263,124 @@
           </a:p>
         </p:txBody>
       </p:sp>
+      <p:sp>
+        <p:nvSpPr>
+          <p:cNvPr id="26" name="Rectangle 25">
+            <a:extLst>
+              <a:ext uri="{FF2B5EF4-FFF2-40B4-BE49-F238E27FC236}">
+                <a16:creationId xmlns:a16="http://schemas.microsoft.com/office/drawing/2014/main" id="{2CD7F1D5-2F5D-4F06-91C2-5616C9AD5597}"/>
+              </a:ext>
+              <a:ext uri="{C183D7F6-B498-43B3-948B-1728B52AA6E4}">
+                <adec:decorative xmlns="" xmlns:adec="http://schemas.microsoft.com/office/drawing/2017/decorative" val="1"/>
+              </a:ext>
+            </a:extLst>
+          </p:cNvPr>
+          <p:cNvSpPr>
+            <a:spLocks noGrp="1" noRot="1" noChangeAspect="1" noMove="1" noResize="1" noEditPoints="1" noAdjustHandles="1" noChangeArrowheads="1" noChangeShapeType="1" noTextEdit="1"/>
+          </p:cNvSpPr>
+          <p:nvPr>
+            <p:extLst>
+              <p:ext uri="{386F3935-93C4-4BCD-93E2-E3B085C9AB24}">
+                <p16:designElem xmlns:p16="http://schemas.microsoft.com/office/powerpoint/2015/main" val="1"/>
+              </p:ext>
+            </p:extLst>
+          </p:nvPr>
+        </p:nvSpPr>
+        <p:spPr bwMode="grayWhite">
+          <a:xfrm>
+            <a:off x="2" y="609600"/>
+            <a:ext cx="4959094" cy="1368198"/>
+          </a:xfrm>
+          <a:prstGeom prst="rect">
+            <a:avLst/>
+          </a:prstGeom>
+          <a:solidFill>
+            <a:schemeClr val="bg1">
+              <a:lumMod val="85000"/>
+              <a:lumOff val="15000"/>
+            </a:schemeClr>
+          </a:solidFill>
+          <a:ln>
+            <a:noFill/>
+          </a:ln>
+        </p:spPr>
+        <p:style>
+          <a:lnRef idx="2">
+            <a:schemeClr val="accent1">
+              <a:shade val="50000"/>
+            </a:schemeClr>
+          </a:lnRef>
+          <a:fillRef idx="1">
+            <a:schemeClr val="accent1"/>
+          </a:fillRef>
+          <a:effectRef idx="0">
+            <a:schemeClr val="accent1"/>
+          </a:effectRef>
+          <a:fontRef idx="minor">
+            <a:schemeClr val="lt1"/>
+          </a:fontRef>
+        </p:style>
+      </p:sp>
       <p:pic>
         <p:nvPicPr>
-          <p:cNvPr id="29" name="Content Placeholder 4">
+          <p:cNvPr id="28" name="Picture 27">
             <a:extLst>
               <a:ext uri="{FF2B5EF4-FFF2-40B4-BE49-F238E27FC236}">
-                <a16:creationId xmlns:a16="http://schemas.microsoft.com/office/drawing/2014/main" id="{C489A7D5-C880-4404-80DD-8F579E70F77B}"/>
+                <a16:creationId xmlns:a16="http://schemas.microsoft.com/office/drawing/2014/main" id="{CA0F9C00-759D-439B-962A-EA32D6076602}"/>
+              </a:ext>
+              <a:ext uri="{C183D7F6-B498-43B3-948B-1728B52AA6E4}">
+                <adec:decorative xmlns="" xmlns:adec="http://schemas.microsoft.com/office/drawing/2017/decorative" val="1"/>
               </a:ext>
             </a:extLst>
           </p:cNvPr>
           <p:cNvPicPr>
-            <a:picLocks noChangeAspect="1"/>
+            <a:picLocks noGrp="1" noRot="1" noChangeAspect="1" noMove="1" noResize="1" noEditPoints="1" noAdjustHandles="1" noChangeArrowheads="1" noChangeShapeType="1" noCrop="1"/>
           </p:cNvPicPr>
-          <p:nvPr/>
+          <p:nvPr>
+            <p:extLst>
+              <p:ext uri="{386F3935-93C4-4BCD-93E2-E3B085C9AB24}">
+                <p16:designElem xmlns:p16="http://schemas.microsoft.com/office/powerpoint/2015/main" val="1"/>
+              </p:ext>
+            </p:extLst>
+          </p:nvPr>
+        </p:nvPicPr>
+        <p:blipFill>
+          <a:blip r:embed="rId3">
+            <a:extLst>
+              <a:ext uri="{28A0092B-C50C-407E-A947-70E740481C1C}">
+                <a14:useLocalDpi xmlns:a14="http://schemas.microsoft.com/office/drawing/2010/main" val="0"/>
+              </a:ext>
+            </a:extLst>
+          </a:blip>
+          <a:stretch>
+            <a:fillRect/>
+          </a:stretch>
+        </p:blipFill>
+        <p:spPr>
+          <a:xfrm>
+            <a:off x="2" y="1970241"/>
+            <a:ext cx="4956048" cy="199787"/>
+          </a:xfrm>
+          <a:prstGeom prst="rect">
+            <a:avLst/>
+          </a:prstGeom>
+        </p:spPr>
+      </p:pic>
+      <p:pic>
+        <p:nvPicPr>
+          <p:cNvPr id="5" name="Content Placeholder 4">
+            <a:extLst>
+              <a:ext uri="{FF2B5EF4-FFF2-40B4-BE49-F238E27FC236}">
+                <a16:creationId xmlns:a16="http://schemas.microsoft.com/office/drawing/2014/main" id="{EFA93D54-1E30-4D59-8CC4-2343B45CA883}"/>
+              </a:ext>
+            </a:extLst>
+          </p:cNvPr>
+          <p:cNvPicPr>
+            <a:picLocks noGrp="1" noChangeAspect="1"/>
+          </p:cNvPicPr>
+          <p:nvPr>
+            <p:ph sz="half" idx="2"/>
+          </p:nvPr>
         </p:nvPicPr>
         <p:blipFill>
           <a:blip r:embed="rId5"/>
@@ -9782,8 +9390,8 @@
         </p:blipFill>
         <p:spPr>
           <a:xfrm>
-            <a:off x="5593085" y="2327896"/>
-            <a:ext cx="5629268" cy="2195413"/>
+            <a:off x="5276090" y="915130"/>
+            <a:ext cx="6269479" cy="5027740"/>
           </a:xfrm>
           <a:prstGeom prst="rect">
             <a:avLst/>
@@ -9791,13 +9399,25 @@
           <a:ln>
             <a:noFill/>
           </a:ln>
-          <a:effectLst/>
+          <a:effectLst>
+            <a:outerShdw blurRad="76200" dist="63500" dir="5040000" algn="tl" rotWithShape="0">
+              <a:srgbClr val="000000">
+                <a:alpha val="41000"/>
+              </a:srgbClr>
+            </a:outerShdw>
+          </a:effectLst>
         </p:spPr>
       </p:pic>
       <p:sp>
         <p:nvSpPr>
-          <p:cNvPr id="2" name="Shape 135"/>
-          <p:cNvSpPr txBox="1">
+          <p:cNvPr id="2" name="Title 1">
+            <a:extLst>
+              <a:ext uri="{FF2B5EF4-FFF2-40B4-BE49-F238E27FC236}">
+                <a16:creationId xmlns:a16="http://schemas.microsoft.com/office/drawing/2014/main" id="{BFEC9FE5-1902-4A19-B91B-04ACAEE52FF8}"/>
+              </a:ext>
+            </a:extLst>
+          </p:cNvPr>
+          <p:cNvSpPr>
             <a:spLocks noGrp="1"/>
           </p:cNvSpPr>
           <p:nvPr>
@@ -9808,6 +9428,41 @@
           <a:xfrm>
             <a:off x="680321" y="753228"/>
             <a:ext cx="4136123" cy="1080938"/>
+          </a:xfrm>
+        </p:spPr>
+        <p:txBody>
+          <a:bodyPr vert="horz" lIns="91440" tIns="45720" rIns="91440" bIns="45720" rtlCol="0" anchor="ctr">
+            <a:normAutofit/>
+          </a:bodyPr>
+          <a:lstStyle/>
+          <a:p>
+            <a:r>
+              <a:rPr lang="en-US" sz="2400"/>
+              <a:t>Trigger Logon Event</a:t>
+            </a:r>
+          </a:p>
+        </p:txBody>
+      </p:sp>
+      <p:sp>
+        <p:nvSpPr>
+          <p:cNvPr id="3" name="Content Placeholder 2">
+            <a:extLst>
+              <a:ext uri="{FF2B5EF4-FFF2-40B4-BE49-F238E27FC236}">
+                <a16:creationId xmlns:a16="http://schemas.microsoft.com/office/drawing/2014/main" id="{20BC9161-5F89-46C1-ADD8-855DC271A917}"/>
+              </a:ext>
+            </a:extLst>
+          </p:cNvPr>
+          <p:cNvSpPr>
+            <a:spLocks noGrp="1"/>
+          </p:cNvSpPr>
+          <p:nvPr>
+            <p:ph sz="half" idx="1"/>
+          </p:nvPr>
+        </p:nvSpPr>
+        <p:spPr>
+          <a:xfrm>
+            <a:off x="680321" y="2336873"/>
+            <a:ext cx="3656289" cy="3599316"/>
           </a:xfrm>
         </p:spPr>
         <p:txBody>
@@ -9817,18 +9472,54 @@
           <a:lstStyle/>
           <a:p>
             <a:r>
-              <a:rPr lang="es-CL" sz="2400"/>
-              <a:t>MDX Consultas multidimensionales</a:t>
-            </a:r>
-          </a:p>
-        </p:txBody>
-      </p:sp>
-      <p:sp>
-        <p:nvSpPr>
-          <p:cNvPr id="30" name="Content Placeholder 9">
+              <a:rPr lang="en-US" sz="1400"/>
+              <a:t>Este evento se produce cuando se establece una sesión de usuario con una instancia de SQL Server.</a:t>
+            </a:r>
+          </a:p>
+          <a:p>
+            <a:r>
+              <a:rPr lang="en-US" sz="1400"/>
+              <a:t>Logon event dispara el trigger después de la fase de autenticación de inicio de sesión, pero antes de que la sesión del usuario esté realmente establecida.</a:t>
+            </a:r>
+          </a:p>
+        </p:txBody>
+      </p:sp>
+    </p:spTree>
+    <p:extLst>
+      <p:ext uri="{BB962C8B-B14F-4D97-AF65-F5344CB8AC3E}">
+        <p14:creationId xmlns:p14="http://schemas.microsoft.com/office/powerpoint/2010/main" val="4195129843"/>
+      </p:ext>
+    </p:extLst>
+  </p:cSld>
+  <p:clrMapOvr>
+    <a:masterClrMapping/>
+  </p:clrMapOvr>
+</p:sld>
+</file>
+
+<file path=ppt/slides/slide11.xml><?xml version="1.0" encoding="utf-8"?>
+<p:sld xmlns:a="http://schemas.openxmlformats.org/drawingml/2006/main" xmlns:r="http://schemas.openxmlformats.org/officeDocument/2006/relationships" xmlns:p="http://schemas.openxmlformats.org/presentationml/2006/main">
+  <p:cSld>
+    <p:spTree>
+      <p:nvGrpSpPr>
+        <p:cNvPr id="1" name=""/>
+        <p:cNvGrpSpPr/>
+        <p:nvPr/>
+      </p:nvGrpSpPr>
+      <p:grpSpPr>
+        <a:xfrm>
+          <a:off x="0" y="0"/>
+          <a:ext cx="0" cy="0"/>
+          <a:chOff x="0" y="0"/>
+          <a:chExt cx="0" cy="0"/>
+        </a:xfrm>
+      </p:grpSpPr>
+      <p:sp>
+        <p:nvSpPr>
+          <p:cNvPr id="2" name="Title 1">
             <a:extLst>
               <a:ext uri="{FF2B5EF4-FFF2-40B4-BE49-F238E27FC236}">
-                <a16:creationId xmlns:a16="http://schemas.microsoft.com/office/drawing/2014/main" id="{BB1A0A27-2660-4957-A0DA-14B773C978D4}"/>
+                <a16:creationId xmlns:a16="http://schemas.microsoft.com/office/drawing/2014/main" id="{0C3B33A6-CC3B-4198-9A87-A2F0217A724F}"/>
               </a:ext>
             </a:extLst>
           </p:cNvPr>
@@ -9836,29 +9527,541 @@
             <a:spLocks noGrp="1"/>
           </p:cNvSpPr>
           <p:nvPr>
-            <p:ph idx="1"/>
-          </p:nvPr>
-        </p:nvSpPr>
-        <p:spPr>
-          <a:xfrm>
-            <a:off x="680321" y="2336873"/>
-            <a:ext cx="3656289" cy="3599316"/>
-          </a:xfrm>
-        </p:spPr>
+            <p:ph type="title"/>
+          </p:nvPr>
+        </p:nvSpPr>
+        <p:spPr/>
+        <p:txBody>
+          <a:bodyPr/>
+          <a:lstStyle/>
+          <a:p>
+            <a:r>
+              <a:rPr lang="es-CL" dirty="0"/>
+              <a:t>Vistas</a:t>
+            </a:r>
+          </a:p>
+        </p:txBody>
+      </p:sp>
+      <p:pic>
+        <p:nvPicPr>
+          <p:cNvPr id="5" name="Content Placeholder 4">
+            <a:extLst>
+              <a:ext uri="{FF2B5EF4-FFF2-40B4-BE49-F238E27FC236}">
+                <a16:creationId xmlns:a16="http://schemas.microsoft.com/office/drawing/2014/main" id="{7C7BE798-0958-4C20-81B2-34B40A98E6CD}"/>
+              </a:ext>
+            </a:extLst>
+          </p:cNvPr>
+          <p:cNvPicPr>
+            <a:picLocks noGrp="1" noChangeAspect="1"/>
+          </p:cNvPicPr>
+          <p:nvPr>
+            <p:ph type="pic" idx="1"/>
+          </p:nvPr>
+        </p:nvPicPr>
+        <p:blipFill>
+          <a:blip r:embed="rId2"/>
+          <a:srcRect t="7502" b="7502"/>
+          <a:stretch>
+            <a:fillRect/>
+          </a:stretch>
+        </p:blipFill>
+        <p:spPr>
+          <a:prstGeom prst="rect">
+            <a:avLst/>
+          </a:prstGeom>
+        </p:spPr>
+      </p:pic>
+      <p:sp>
+        <p:nvSpPr>
+          <p:cNvPr id="3" name="Content Placeholder 2">
+            <a:extLst>
+              <a:ext uri="{FF2B5EF4-FFF2-40B4-BE49-F238E27FC236}">
+                <a16:creationId xmlns:a16="http://schemas.microsoft.com/office/drawing/2014/main" id="{2749CB3A-9A91-49A9-B846-A76137EC8216}"/>
+              </a:ext>
+            </a:extLst>
+          </p:cNvPr>
+          <p:cNvSpPr>
+            <a:spLocks noGrp="1"/>
+          </p:cNvSpPr>
+          <p:nvPr>
+            <p:ph type="body" sz="half" idx="2"/>
+          </p:nvPr>
+        </p:nvSpPr>
+        <p:spPr/>
         <p:txBody>
           <a:bodyPr>
+            <a:normAutofit fontScale="92500" lnSpcReduction="20000"/>
+          </a:bodyPr>
+          <a:lstStyle/>
+          <a:p>
+            <a:r>
+              <a:rPr lang="es-CL" dirty="0"/>
+              <a:t>Una </a:t>
+            </a:r>
+            <a:r>
+              <a:rPr lang="es-ES" dirty="0"/>
+              <a:t>vista es una consulta que se presenta como una tabla (virtual) a partir de un conjunto de tablas en una base de datos relacional. Las vistas tienen la misma estructura que una tabla: filas y columnas. La única diferencia es que sólo se almacena de ellas la definición, no los datos.</a:t>
+            </a:r>
+            <a:endParaRPr lang="es-CL" dirty="0"/>
+          </a:p>
+        </p:txBody>
+      </p:sp>
+    </p:spTree>
+    <p:extLst>
+      <p:ext uri="{BB962C8B-B14F-4D97-AF65-F5344CB8AC3E}">
+        <p14:creationId xmlns:p14="http://schemas.microsoft.com/office/powerpoint/2010/main" val="945280631"/>
+      </p:ext>
+    </p:extLst>
+  </p:cSld>
+  <p:clrMapOvr>
+    <a:masterClrMapping/>
+  </p:clrMapOvr>
+</p:sld>
+</file>
+
+<file path=ppt/slides/slide12.xml><?xml version="1.0" encoding="utf-8"?>
+<p:sld xmlns:a="http://schemas.openxmlformats.org/drawingml/2006/main" xmlns:r="http://schemas.openxmlformats.org/officeDocument/2006/relationships" xmlns:p="http://schemas.openxmlformats.org/presentationml/2006/main">
+  <p:cSld>
+    <p:spTree>
+      <p:nvGrpSpPr>
+        <p:cNvPr id="1" name=""/>
+        <p:cNvGrpSpPr/>
+        <p:nvPr/>
+      </p:nvGrpSpPr>
+      <p:grpSpPr>
+        <a:xfrm>
+          <a:off x="0" y="0"/>
+          <a:ext cx="0" cy="0"/>
+          <a:chOff x="0" y="0"/>
+          <a:chExt cx="0" cy="0"/>
+        </a:xfrm>
+      </p:grpSpPr>
+      <p:sp>
+        <p:nvSpPr>
+          <p:cNvPr id="2" name="Shape 117"/>
+          <p:cNvSpPr txBox="1">
+            <a:spLocks noGrp="1"/>
+          </p:cNvSpPr>
+          <p:nvPr>
+            <p:ph type="title"/>
+          </p:nvPr>
+        </p:nvSpPr>
+        <p:spPr/>
+        <p:txBody>
+          <a:bodyPr>
+            <a:normAutofit fontScale="90000"/>
+          </a:bodyPr>
+          <a:lstStyle/>
+          <a:p>
+            <a:pPr lvl="0" algn="ctr"/>
+            <a:r>
+              <a:rPr lang="es-CL" sz="16000" cap="all" dirty="0">
+                <a:solidFill>
+                  <a:schemeClr val="tx2"/>
+                </a:solidFill>
+                <a:latin typeface="Tw Cen MT"/>
+              </a:rPr>
+              <a:t>MDX</a:t>
+            </a:r>
+          </a:p>
+        </p:txBody>
+      </p:sp>
+      <p:sp>
+        <p:nvSpPr>
+          <p:cNvPr id="3" name="Shape 118"/>
+          <p:cNvSpPr txBox="1">
+            <a:spLocks noGrp="1"/>
+          </p:cNvSpPr>
+          <p:nvPr>
+            <p:ph type="body" idx="1"/>
+          </p:nvPr>
+        </p:nvSpPr>
+        <p:spPr/>
+        <p:txBody>
+          <a:bodyPr vert="horz" wrap="square" lIns="121920" tIns="121920" rIns="121920" bIns="121920" rtlCol="0" anchor="t">
             <a:normAutofit/>
           </a:bodyPr>
           <a:lstStyle/>
           <a:p>
-            <a:endParaRPr lang="en-US" sz="1400"/>
+            <a:pPr marL="228474" indent="-227994" algn="ctr">
+              <a:lnSpc>
+                <a:spcPct val="100000"/>
+              </a:lnSpc>
+              <a:spcBef>
+                <a:spcPts val="0"/>
+              </a:spcBef>
+              <a:tabLst>
+                <a:tab pos="228474" algn="l"/>
+              </a:tabLst>
+            </a:pPr>
+            <a:r>
+              <a:rPr lang="es-CL">
+                <a:solidFill>
+                  <a:srgbClr val="FFFFFF"/>
+                </a:solidFill>
+              </a:rPr>
+              <a:t>Multidimensional expressions</a:t>
+            </a:r>
           </a:p>
         </p:txBody>
       </p:sp>
     </p:spTree>
     <p:extLst>
       <p:ext uri="{BB962C8B-B14F-4D97-AF65-F5344CB8AC3E}">
-        <p14:creationId xmlns:p14="http://schemas.microsoft.com/office/powerpoint/2010/main" val="308798233"/>
+        <p14:creationId xmlns:p14="http://schemas.microsoft.com/office/powerpoint/2010/main" val="1732120907"/>
+      </p:ext>
+    </p:extLst>
+  </p:cSld>
+  <p:clrMapOvr>
+    <a:masterClrMapping/>
+  </p:clrMapOvr>
+</p:sld>
+</file>
+
+<file path=ppt/slides/slide13.xml><?xml version="1.0" encoding="utf-8"?>
+<p:sld xmlns:a="http://schemas.openxmlformats.org/drawingml/2006/main" xmlns:r="http://schemas.openxmlformats.org/officeDocument/2006/relationships" xmlns:p="http://schemas.openxmlformats.org/presentationml/2006/main">
+  <p:cSld>
+    <p:spTree>
+      <p:nvGrpSpPr>
+        <p:cNvPr id="1" name=""/>
+        <p:cNvGrpSpPr/>
+        <p:nvPr/>
+      </p:nvGrpSpPr>
+      <p:grpSpPr>
+        <a:xfrm>
+          <a:off x="0" y="0"/>
+          <a:ext cx="0" cy="0"/>
+          <a:chOff x="0" y="0"/>
+          <a:chExt cx="0" cy="0"/>
+        </a:xfrm>
+      </p:grpSpPr>
+      <p:sp>
+        <p:nvSpPr>
+          <p:cNvPr id="2" name="Shape 123"/>
+          <p:cNvSpPr txBox="1">
+            <a:spLocks noGrp="1"/>
+          </p:cNvSpPr>
+          <p:nvPr>
+            <p:ph type="title"/>
+          </p:nvPr>
+        </p:nvSpPr>
+        <p:spPr/>
+        <p:txBody>
+          <a:bodyPr vert="horz" lIns="91440" tIns="45720" rIns="91440" bIns="45720" rtlCol="0" anchor="ctr">
+            <a:normAutofit/>
+          </a:bodyPr>
+          <a:lstStyle/>
+          <a:p>
+            <a:r>
+              <a:rPr lang="es-CL" dirty="0"/>
+              <a:t>MDX Consultas multidimensionales</a:t>
+            </a:r>
+          </a:p>
+        </p:txBody>
+      </p:sp>
+      <p:sp>
+        <p:nvSpPr>
+          <p:cNvPr id="3" name="Shape 124"/>
+          <p:cNvSpPr txBox="1">
+            <a:spLocks noGrp="1"/>
+          </p:cNvSpPr>
+          <p:nvPr>
+            <p:ph idx="1"/>
+          </p:nvPr>
+        </p:nvSpPr>
+        <p:spPr/>
+        <p:txBody>
+          <a:bodyPr vert="horz" wrap="square" lIns="121920" tIns="121920" rIns="121920" bIns="121920" rtlCol="0" anchor="t">
+            <a:normAutofit fontScale="85000" lnSpcReduction="20000"/>
+          </a:bodyPr>
+          <a:lstStyle/>
+          <a:p>
+            <a:pPr marL="228474" indent="-227994">
+              <a:lnSpc>
+                <a:spcPct val="115000"/>
+              </a:lnSpc>
+              <a:spcBef>
+                <a:spcPts val="0"/>
+              </a:spcBef>
+              <a:spcAft>
+                <a:spcPts val="2132"/>
+              </a:spcAft>
+              <a:tabLst>
+                <a:tab pos="228474" algn="l"/>
+              </a:tabLst>
+            </a:pPr>
+            <a:r>
+              <a:rPr lang="es-CL"/>
+              <a:t>MDX (Multidimensional Expressions) Es el lenguaje de consulta que se usa para trabajar con datos multidimensionales y para recuperarlos en Microsoft Analysis Services.</a:t>
+            </a:r>
+          </a:p>
+          <a:p>
+            <a:pPr marL="228474" indent="-227994">
+              <a:lnSpc>
+                <a:spcPct val="115000"/>
+              </a:lnSpc>
+              <a:spcBef>
+                <a:spcPts val="0"/>
+              </a:spcBef>
+              <a:spcAft>
+                <a:spcPts val="2132"/>
+              </a:spcAft>
+              <a:tabLst>
+                <a:tab pos="228474" algn="l"/>
+              </a:tabLst>
+            </a:pPr>
+            <a:r>
+              <a:rPr lang="es-CL"/>
+              <a:t>MDX está basado en la especificación XML for Analysis (XMLA), con extensiones específicas para SQL Server Analysis Services.</a:t>
+            </a:r>
+          </a:p>
+          <a:p>
+            <a:pPr marL="228474" indent="-227994">
+              <a:lnSpc>
+                <a:spcPct val="115000"/>
+              </a:lnSpc>
+              <a:spcBef>
+                <a:spcPts val="0"/>
+              </a:spcBef>
+              <a:spcAft>
+                <a:spcPts val="2132"/>
+              </a:spcAft>
+              <a:tabLst>
+                <a:tab pos="228474" algn="l"/>
+              </a:tabLst>
+            </a:pPr>
+            <a:r>
+              <a:rPr lang="es-CL"/>
+              <a:t>MDX usa expresiones compuestas de identificadores, valores, instrucciones, funciones y operadores que Analysis Services puede evaluar para recuperar un objeto (por ejemplo, un conjunto o un miembro) o un valor escalar (por ejemplo, una cadena o un número).</a:t>
+            </a:r>
+          </a:p>
+        </p:txBody>
+      </p:sp>
+    </p:spTree>
+    <p:extLst>
+      <p:ext uri="{BB962C8B-B14F-4D97-AF65-F5344CB8AC3E}">
+        <p14:creationId xmlns:p14="http://schemas.microsoft.com/office/powerpoint/2010/main" val="3811164299"/>
+      </p:ext>
+    </p:extLst>
+  </p:cSld>
+  <p:clrMapOvr>
+    <a:masterClrMapping/>
+  </p:clrMapOvr>
+</p:sld>
+</file>
+
+<file path=ppt/slides/slide14.xml><?xml version="1.0" encoding="utf-8"?>
+<p:sld xmlns:a="http://schemas.openxmlformats.org/drawingml/2006/main" xmlns:r="http://schemas.openxmlformats.org/officeDocument/2006/relationships" xmlns:p="http://schemas.openxmlformats.org/presentationml/2006/main">
+  <p:cSld>
+    <p:spTree>
+      <p:nvGrpSpPr>
+        <p:cNvPr id="1" name=""/>
+        <p:cNvGrpSpPr/>
+        <p:nvPr/>
+      </p:nvGrpSpPr>
+      <p:grpSpPr>
+        <a:xfrm>
+          <a:off x="0" y="0"/>
+          <a:ext cx="0" cy="0"/>
+          <a:chOff x="0" y="0"/>
+          <a:chExt cx="0" cy="0"/>
+        </a:xfrm>
+      </p:grpSpPr>
+      <p:sp>
+        <p:nvSpPr>
+          <p:cNvPr id="2" name="Shape 129"/>
+          <p:cNvSpPr txBox="1">
+            <a:spLocks noGrp="1"/>
+          </p:cNvSpPr>
+          <p:nvPr>
+            <p:ph type="title"/>
+          </p:nvPr>
+        </p:nvSpPr>
+        <p:spPr/>
+        <p:txBody>
+          <a:bodyPr vert="horz" lIns="91440" tIns="45720" rIns="91440" bIns="45720" rtlCol="0" anchor="ctr">
+            <a:normAutofit/>
+          </a:bodyPr>
+          <a:lstStyle/>
+          <a:p>
+            <a:r>
+              <a:rPr lang="es-CL" dirty="0"/>
+              <a:t>MDX Consultas multidimensionales</a:t>
+            </a:r>
+          </a:p>
+        </p:txBody>
+      </p:sp>
+      <p:sp>
+        <p:nvSpPr>
+          <p:cNvPr id="3" name="Shape 130"/>
+          <p:cNvSpPr txBox="1">
+            <a:spLocks noGrp="1"/>
+          </p:cNvSpPr>
+          <p:nvPr>
+            <p:ph idx="1"/>
+          </p:nvPr>
+        </p:nvSpPr>
+        <p:spPr/>
+        <p:txBody>
+          <a:bodyPr vert="horz" wrap="square" lIns="121920" tIns="121920" rIns="121920" bIns="121920" rtlCol="0" anchor="t">
+            <a:normAutofit fontScale="77500" lnSpcReduction="20000"/>
+          </a:bodyPr>
+          <a:lstStyle/>
+          <a:p>
+            <a:pPr marL="228474" indent="-227994">
+              <a:lnSpc>
+                <a:spcPct val="115000"/>
+              </a:lnSpc>
+              <a:spcBef>
+                <a:spcPts val="0"/>
+              </a:spcBef>
+              <a:spcAft>
+                <a:spcPts val="2132"/>
+              </a:spcAft>
+              <a:tabLst>
+                <a:tab pos="228474" algn="l"/>
+              </a:tabLst>
+            </a:pPr>
+            <a:r>
+              <a:rPr lang="es-CL" dirty="0"/>
+              <a:t>Las consultas y expresiones MDX de SQL Server </a:t>
+            </a:r>
+            <a:r>
+              <a:rPr lang="es-CL" dirty="0" err="1"/>
+              <a:t>Analysis</a:t>
+            </a:r>
+            <a:r>
+              <a:rPr lang="es-CL" dirty="0"/>
+              <a:t> </a:t>
+            </a:r>
+            <a:r>
+              <a:rPr lang="es-CL" dirty="0" err="1"/>
+              <a:t>Services</a:t>
+            </a:r>
+            <a:r>
+              <a:rPr lang="es-CL" dirty="0"/>
+              <a:t> se utilizan para lo siguiente:</a:t>
+            </a:r>
+          </a:p>
+          <a:p>
+            <a:pPr marL="685674" lvl="1" indent="-227994">
+              <a:lnSpc>
+                <a:spcPct val="115000"/>
+              </a:lnSpc>
+              <a:spcBef>
+                <a:spcPts val="0"/>
+              </a:spcBef>
+              <a:spcAft>
+                <a:spcPts val="2132"/>
+              </a:spcAft>
+              <a:tabLst>
+                <a:tab pos="228474" algn="l"/>
+              </a:tabLst>
+            </a:pPr>
+            <a:r>
+              <a:rPr lang="es-CL" dirty="0"/>
+              <a:t>Devolver datos a una aplicación cliente desde un cubo de SQL Server </a:t>
+            </a:r>
+            <a:r>
+              <a:rPr lang="es-CL" dirty="0" err="1"/>
+              <a:t>Analysis</a:t>
+            </a:r>
+            <a:r>
+              <a:rPr lang="es-CL" dirty="0"/>
+              <a:t> </a:t>
+            </a:r>
+            <a:r>
+              <a:rPr lang="es-CL" dirty="0" err="1"/>
+              <a:t>Services</a:t>
+            </a:r>
+            <a:r>
+              <a:rPr lang="es-CL" dirty="0"/>
+              <a:t> .</a:t>
+            </a:r>
+          </a:p>
+          <a:p>
+            <a:pPr marL="685674" lvl="1" indent="-227994">
+              <a:lnSpc>
+                <a:spcPct val="115000"/>
+              </a:lnSpc>
+              <a:spcBef>
+                <a:spcPts val="0"/>
+              </a:spcBef>
+              <a:spcAft>
+                <a:spcPts val="2132"/>
+              </a:spcAft>
+              <a:tabLst>
+                <a:tab pos="228474" algn="l"/>
+              </a:tabLst>
+            </a:pPr>
+            <a:r>
+              <a:rPr lang="es-CL" dirty="0"/>
+              <a:t>Aplicar formato a los resultados de las consultas.</a:t>
+            </a:r>
+          </a:p>
+          <a:p>
+            <a:pPr marL="685674" lvl="1" indent="-227994">
+              <a:lnSpc>
+                <a:spcPct val="115000"/>
+              </a:lnSpc>
+              <a:spcBef>
+                <a:spcPts val="0"/>
+              </a:spcBef>
+              <a:spcAft>
+                <a:spcPts val="2132"/>
+              </a:spcAft>
+              <a:tabLst>
+                <a:tab pos="228474" algn="l"/>
+              </a:tabLst>
+            </a:pPr>
+            <a:r>
+              <a:rPr lang="es-CL" dirty="0"/>
+              <a:t>Realizar tareas de diseño de cubos, como la definición de miembros calculados, conjuntos con nombre, asignaciones con ámbito e indicadores clave de rendimiento (KPI).</a:t>
+            </a:r>
+          </a:p>
+          <a:p>
+            <a:pPr marL="685674" lvl="1" indent="-227994">
+              <a:lnSpc>
+                <a:spcPct val="115000"/>
+              </a:lnSpc>
+              <a:spcBef>
+                <a:spcPts val="0"/>
+              </a:spcBef>
+              <a:spcAft>
+                <a:spcPts val="2132"/>
+              </a:spcAft>
+              <a:tabLst>
+                <a:tab pos="228474" algn="l"/>
+              </a:tabLst>
+            </a:pPr>
+            <a:r>
+              <a:rPr lang="es-CL" dirty="0"/>
+              <a:t>Realizar tareas administrativas, incluida la seguridad de dimensión y de celda.</a:t>
+            </a:r>
+          </a:p>
+          <a:p>
+            <a:pPr marL="228474" indent="-227994">
+              <a:lnSpc>
+                <a:spcPct val="115000"/>
+              </a:lnSpc>
+              <a:spcBef>
+                <a:spcPts val="0"/>
+              </a:spcBef>
+              <a:spcAft>
+                <a:spcPts val="2132"/>
+              </a:spcAft>
+              <a:tabLst>
+                <a:tab pos="228474" algn="l"/>
+              </a:tabLst>
+            </a:pPr>
+            <a:endParaRPr lang="es-CL" dirty="0"/>
+          </a:p>
+        </p:txBody>
+      </p:sp>
+    </p:spTree>
+    <p:extLst>
+      <p:ext uri="{BB962C8B-B14F-4D97-AF65-F5344CB8AC3E}">
+        <p14:creationId xmlns:p14="http://schemas.microsoft.com/office/powerpoint/2010/main" val="329267080"/>
       </p:ext>
     </p:extLst>
   </p:cSld>
@@ -9922,13 +10125,13 @@
       </p:grpSpPr>
       <p:sp useBgFill="1">
         <p:nvSpPr>
-          <p:cNvPr id="13" name="Rectangle 12">
+          <p:cNvPr id="35" name="Rectangle 34">
             <a:extLst>
               <a:ext uri="{FF2B5EF4-FFF2-40B4-BE49-F238E27FC236}">
-                <a16:creationId xmlns:a16="http://schemas.microsoft.com/office/drawing/2014/main" id="{7539E3D4-6962-40AB-8B73-E9DD5692F0E7}"/>
+                <a16:creationId xmlns:a16="http://schemas.microsoft.com/office/drawing/2014/main" id="{5F85E7EB-64DD-4240-8583-6C243806705F}"/>
               </a:ext>
               <a:ext uri="{C183D7F6-B498-43B3-948B-1728B52AA6E4}">
-                <adec:decorative xmlns:adec="http://schemas.microsoft.com/office/drawing/2017/decorative" xmlns="" val="1"/>
+                <adec:decorative xmlns="" xmlns:adec="http://schemas.microsoft.com/office/drawing/2017/decorative" val="1"/>
               </a:ext>
             </a:extLst>
           </p:cNvPr>
@@ -9979,13 +10182,13 @@
       </p:sp>
       <p:pic>
         <p:nvPicPr>
-          <p:cNvPr id="15" name="Picture 14">
+          <p:cNvPr id="37" name="Picture 36">
             <a:extLst>
               <a:ext uri="{FF2B5EF4-FFF2-40B4-BE49-F238E27FC236}">
-                <a16:creationId xmlns:a16="http://schemas.microsoft.com/office/drawing/2014/main" id="{9490E84B-32AB-4B93-B2A7-C660A2894F2C}"/>
+                <a16:creationId xmlns:a16="http://schemas.microsoft.com/office/drawing/2014/main" id="{A5AA9413-A886-4022-A477-7ACECA36585E}"/>
               </a:ext>
               <a:ext uri="{C183D7F6-B498-43B3-948B-1728B52AA6E4}">
-                <adec:decorative xmlns:adec="http://schemas.microsoft.com/office/drawing/2017/decorative" xmlns="" val="1"/>
+                <adec:decorative xmlns="" xmlns:adec="http://schemas.microsoft.com/office/drawing/2017/decorative" val="1"/>
               </a:ext>
             </a:extLst>
           </p:cNvPr>
@@ -10025,13 +10228,13 @@
       </p:pic>
       <p:sp>
         <p:nvSpPr>
-          <p:cNvPr id="17" name="Rectangle 16">
+          <p:cNvPr id="39" name="Rectangle 38">
             <a:extLst>
               <a:ext uri="{FF2B5EF4-FFF2-40B4-BE49-F238E27FC236}">
-                <a16:creationId xmlns:a16="http://schemas.microsoft.com/office/drawing/2014/main" id="{AE7C53B3-E639-4BE7-9C53-AAF6DF686F9A}"/>
+                <a16:creationId xmlns:a16="http://schemas.microsoft.com/office/drawing/2014/main" id="{891C6E63-BD83-438C-8E5A-539006F798DD}"/>
               </a:ext>
               <a:ext uri="{C183D7F6-B498-43B3-948B-1728B52AA6E4}">
-                <adec:decorative xmlns:adec="http://schemas.microsoft.com/office/drawing/2017/decorative" xmlns="" val="1"/>
+                <adec:decorative xmlns="" xmlns:adec="http://schemas.microsoft.com/office/drawing/2017/decorative" val="1"/>
               </a:ext>
             </a:extLst>
           </p:cNvPr>
@@ -10085,13 +10288,13 @@
       </p:sp>
       <p:sp>
         <p:nvSpPr>
-          <p:cNvPr id="19" name="Rectangle 18">
+          <p:cNvPr id="41" name="Rectangle 40">
             <a:extLst>
               <a:ext uri="{FF2B5EF4-FFF2-40B4-BE49-F238E27FC236}">
-                <a16:creationId xmlns:a16="http://schemas.microsoft.com/office/drawing/2014/main" id="{2CD7F1D5-2F5D-4F06-91C2-5616C9AD5597}"/>
+                <a16:creationId xmlns:a16="http://schemas.microsoft.com/office/drawing/2014/main" id="{CA1E0C71-AEB6-4ADF-A06B-0842850D6E81}"/>
               </a:ext>
               <a:ext uri="{C183D7F6-B498-43B3-948B-1728B52AA6E4}">
-                <adec:decorative xmlns:adec="http://schemas.microsoft.com/office/drawing/2017/decorative" xmlns="" val="1"/>
+                <adec:decorative xmlns="" xmlns:adec="http://schemas.microsoft.com/office/drawing/2017/decorative" val="1"/>
               </a:ext>
             </a:extLst>
           </p:cNvPr>
@@ -10143,13 +10346,13 @@
       </p:sp>
       <p:pic>
         <p:nvPicPr>
-          <p:cNvPr id="21" name="Picture 20">
+          <p:cNvPr id="43" name="Picture 42">
             <a:extLst>
               <a:ext uri="{FF2B5EF4-FFF2-40B4-BE49-F238E27FC236}">
-                <a16:creationId xmlns:a16="http://schemas.microsoft.com/office/drawing/2014/main" id="{CA0F9C00-759D-439B-962A-EA32D6076602}"/>
+                <a16:creationId xmlns:a16="http://schemas.microsoft.com/office/drawing/2014/main" id="{63AC3CC6-6498-44DC-8A2A-3BCA9A761D1D}"/>
               </a:ext>
               <a:ext uri="{C183D7F6-B498-43B3-948B-1728B52AA6E4}">
-                <adec:decorative xmlns:adec="http://schemas.microsoft.com/office/drawing/2017/decorative" xmlns="" val="1"/>
+                <adec:decorative xmlns="" xmlns:adec="http://schemas.microsoft.com/office/drawing/2017/decorative" val="1"/>
               </a:ext>
             </a:extLst>
           </p:cNvPr>
@@ -10186,12 +10389,82 @@
           </a:prstGeom>
         </p:spPr>
       </p:pic>
+      <p:sp>
+        <p:nvSpPr>
+          <p:cNvPr id="45" name="Rectangle 44">
+            <a:extLst>
+              <a:ext uri="{FF2B5EF4-FFF2-40B4-BE49-F238E27FC236}">
+                <a16:creationId xmlns:a16="http://schemas.microsoft.com/office/drawing/2014/main" id="{FA2C39F2-3E8E-489A-8907-3C251BE71AFD}"/>
+              </a:ext>
+              <a:ext uri="{C183D7F6-B498-43B3-948B-1728B52AA6E4}">
+                <adec:decorative xmlns="" xmlns:adec="http://schemas.microsoft.com/office/drawing/2017/decorative" val="1"/>
+              </a:ext>
+            </a:extLst>
+          </p:cNvPr>
+          <p:cNvSpPr>
+            <a:spLocks noGrp="1" noRot="1" noChangeAspect="1" noMove="1" noResize="1" noEditPoints="1" noAdjustHandles="1" noChangeArrowheads="1" noChangeShapeType="1" noTextEdit="1"/>
+          </p:cNvSpPr>
+          <p:nvPr>
+            <p:extLst>
+              <p:ext uri="{386F3935-93C4-4BCD-93E2-E3B085C9AB24}">
+                <p16:designElem xmlns:p16="http://schemas.microsoft.com/office/powerpoint/2015/main" val="1"/>
+              </p:ext>
+            </p:extLst>
+          </p:nvPr>
+        </p:nvSpPr>
+        <p:spPr>
+          <a:xfrm>
+            <a:off x="5276090" y="642795"/>
+            <a:ext cx="6272654" cy="5575126"/>
+          </a:xfrm>
+          <a:prstGeom prst="rect">
+            <a:avLst/>
+          </a:prstGeom>
+          <a:solidFill>
+            <a:schemeClr val="tx1"/>
+          </a:solidFill>
+          <a:ln>
+            <a:noFill/>
+          </a:ln>
+          <a:effectLst>
+            <a:outerShdw blurRad="76200" dist="63500" dir="5040000" algn="t" rotWithShape="0">
+              <a:prstClr val="black">
+                <a:alpha val="41000"/>
+              </a:prstClr>
+            </a:outerShdw>
+          </a:effectLst>
+        </p:spPr>
+        <p:style>
+          <a:lnRef idx="2">
+            <a:schemeClr val="accent1">
+              <a:shade val="50000"/>
+            </a:schemeClr>
+          </a:lnRef>
+          <a:fillRef idx="1">
+            <a:schemeClr val="accent1"/>
+          </a:fillRef>
+          <a:effectRef idx="0">
+            <a:schemeClr val="accent1"/>
+          </a:effectRef>
+          <a:fontRef idx="minor">
+            <a:schemeClr val="lt1"/>
+          </a:fontRef>
+        </p:style>
+        <p:txBody>
+          <a:bodyPr rtlCol="0" anchor="ctr"/>
+          <a:lstStyle/>
+          <a:p>
+            <a:pPr algn="ctr"/>
+            <a:endParaRPr lang="en-US"/>
+          </a:p>
+        </p:txBody>
+      </p:sp>
       <p:pic>
         <p:nvPicPr>
-          <p:cNvPr id="8" name="Content Placeholder 4">
+          <p:cNvPr id="29" name="Content Placeholder 4">
             <a:extLst>
               <a:ext uri="{FF2B5EF4-FFF2-40B4-BE49-F238E27FC236}">
-                <a16:creationId xmlns:a16="http://schemas.microsoft.com/office/drawing/2014/main" id="{708883A7-D7B6-4A30-829C-21C26108C396}"/>
+                <a16:creationId xmlns:a16="http://schemas.microsoft.com/office/drawing/2014/main" id="{C489A7D5-C880-4404-80DD-8F579E70F77B}"/>
               </a:ext>
             </a:extLst>
           </p:cNvPr>
@@ -10208,8 +10481,8 @@
         </p:blipFill>
         <p:spPr>
           <a:xfrm>
-            <a:off x="5276090" y="1461950"/>
-            <a:ext cx="6269479" cy="3934099"/>
+            <a:off x="5593085" y="2327896"/>
+            <a:ext cx="5629268" cy="2195413"/>
           </a:xfrm>
           <a:prstGeom prst="rect">
             <a:avLst/>
@@ -10217,18 +10490,12 @@
           <a:ln>
             <a:noFill/>
           </a:ln>
-          <a:effectLst>
-            <a:outerShdw blurRad="76200" dist="63500" dir="5040000" algn="tl" rotWithShape="0">
-              <a:srgbClr val="000000">
-                <a:alpha val="41000"/>
-              </a:srgbClr>
-            </a:outerShdw>
-          </a:effectLst>
+          <a:effectLst/>
         </p:spPr>
       </p:pic>
       <p:sp>
         <p:nvSpPr>
-          <p:cNvPr id="2" name="Shape 147"/>
+          <p:cNvPr id="2" name="Shape 135"/>
           <p:cNvSpPr txBox="1">
             <a:spLocks noGrp="1"/>
           </p:cNvSpPr>
@@ -10257,10 +10524,10 @@
       </p:sp>
       <p:sp>
         <p:nvSpPr>
-          <p:cNvPr id="10" name="Content Placeholder 9">
+          <p:cNvPr id="30" name="Content Placeholder 9">
             <a:extLst>
               <a:ext uri="{FF2B5EF4-FFF2-40B4-BE49-F238E27FC236}">
-                <a16:creationId xmlns:a16="http://schemas.microsoft.com/office/drawing/2014/main" id="{4ED04B58-BEB6-46EC-BE02-149E65FD38A1}"/>
+                <a16:creationId xmlns:a16="http://schemas.microsoft.com/office/drawing/2014/main" id="{BB1A0A27-2660-4957-A0DA-14B773C978D4}"/>
               </a:ext>
             </a:extLst>
           </p:cNvPr>
@@ -10290,7 +10557,7 @@
     </p:spTree>
     <p:extLst>
       <p:ext uri="{BB962C8B-B14F-4D97-AF65-F5344CB8AC3E}">
-        <p14:creationId xmlns:p14="http://schemas.microsoft.com/office/powerpoint/2010/main" val="4209704911"/>
+        <p14:creationId xmlns:p14="http://schemas.microsoft.com/office/powerpoint/2010/main" val="308798233"/>
       </p:ext>
     </p:extLst>
   </p:cSld>
@@ -10303,6 +10570,41 @@
 <file path=ppt/slides/slide16.xml><?xml version="1.0" encoding="utf-8"?>
 <p:sld xmlns:a="http://schemas.openxmlformats.org/drawingml/2006/main" xmlns:r="http://schemas.openxmlformats.org/officeDocument/2006/relationships" xmlns:p="http://schemas.openxmlformats.org/presentationml/2006/main">
   <p:cSld>
+    <p:bg>
+      <p:bgPr>
+        <a:gradFill rotWithShape="1">
+          <a:gsLst>
+            <a:gs pos="0">
+              <a:schemeClr val="bg2">
+                <a:tint val="96000"/>
+                <a:shade val="100000"/>
+                <a:hueMod val="92000"/>
+                <a:satMod val="200000"/>
+                <a:lumMod val="138000"/>
+              </a:schemeClr>
+            </a:gs>
+            <a:gs pos="50000">
+              <a:schemeClr val="bg2">
+                <a:shade val="100000"/>
+                <a:hueMod val="100000"/>
+                <a:satMod val="110000"/>
+                <a:lumMod val="130000"/>
+              </a:schemeClr>
+            </a:gs>
+            <a:gs pos="100000">
+              <a:schemeClr val="bg2">
+                <a:shade val="78000"/>
+                <a:hueMod val="106000"/>
+                <a:satMod val="120000"/>
+                <a:lumMod val="79000"/>
+              </a:schemeClr>
+            </a:gs>
+          </a:gsLst>
+          <a:lin ang="2520000" scaled="0"/>
+        </a:gradFill>
+        <a:effectLst/>
+      </p:bgPr>
+    </p:bg>
     <p:spTree>
       <p:nvGrpSpPr>
         <p:cNvPr id="1" name=""/>
@@ -10317,43 +10619,350 @@
           <a:chExt cx="0" cy="0"/>
         </a:xfrm>
       </p:grpSpPr>
-      <p:sp>
-        <p:nvSpPr>
-          <p:cNvPr id="2" name="Title 1">
+      <p:sp useBgFill="1">
+        <p:nvSpPr>
+          <p:cNvPr id="13" name="Rectangle 12">
             <a:extLst>
               <a:ext uri="{FF2B5EF4-FFF2-40B4-BE49-F238E27FC236}">
-                <a16:creationId xmlns:a16="http://schemas.microsoft.com/office/drawing/2014/main" id="{10B47633-78FD-44FC-AE98-0F537AC5D9DD}"/>
+                <a16:creationId xmlns:a16="http://schemas.microsoft.com/office/drawing/2014/main" id="{7539E3D4-6962-40AB-8B73-E9DD5692F0E7}"/>
+              </a:ext>
+              <a:ext uri="{C183D7F6-B498-43B3-948B-1728B52AA6E4}">
+                <adec:decorative xmlns="" xmlns:adec="http://schemas.microsoft.com/office/drawing/2017/decorative" val="1"/>
               </a:ext>
             </a:extLst>
           </p:cNvPr>
           <p:cNvSpPr>
-            <a:spLocks noGrp="1"/>
-          </p:cNvSpPr>
-          <p:nvPr>
-            <p:ph type="title"/>
-          </p:nvPr>
-        </p:nvSpPr>
-        <p:spPr/>
-        <p:txBody>
-          <a:bodyPr/>
+            <a:spLocks noGrp="1" noRot="1" noChangeAspect="1" noMove="1" noResize="1" noEditPoints="1" noAdjustHandles="1" noChangeArrowheads="1" noChangeShapeType="1" noTextEdit="1"/>
+          </p:cNvSpPr>
+          <p:nvPr>
+            <p:extLst>
+              <p:ext uri="{386F3935-93C4-4BCD-93E2-E3B085C9AB24}">
+                <p16:designElem xmlns:p16="http://schemas.microsoft.com/office/powerpoint/2015/main" val="1"/>
+              </p:ext>
+            </p:extLst>
+          </p:nvPr>
+        </p:nvSpPr>
+        <p:spPr>
+          <a:xfrm>
+            <a:off x="0" y="-1"/>
+            <a:ext cx="12188824" cy="6858001"/>
+          </a:xfrm>
+          <a:prstGeom prst="rect">
+            <a:avLst/>
+          </a:prstGeom>
+        </p:spPr>
+        <p:style>
+          <a:lnRef idx="2">
+            <a:schemeClr val="accent1">
+              <a:shade val="50000"/>
+            </a:schemeClr>
+          </a:lnRef>
+          <a:fillRef idx="1">
+            <a:schemeClr val="accent1"/>
+          </a:fillRef>
+          <a:effectRef idx="0">
+            <a:schemeClr val="accent1"/>
+          </a:effectRef>
+          <a:fontRef idx="minor">
+            <a:schemeClr val="lt1"/>
+          </a:fontRef>
+        </p:style>
+        <p:txBody>
+          <a:bodyPr rtlCol="0" anchor="ctr"/>
           <a:lstStyle/>
           <a:p>
-            <a:r>
-              <a:rPr lang="es-CL" dirty="0"/>
-              <a:t>MDX Consultas multidimensionales</a:t>
-            </a:r>
-          </a:p>
-        </p:txBody>
-      </p:sp>
-      <p:sp>
-        <p:nvSpPr>
-          <p:cNvPr id="3" name="Content Placeholder 2">
+            <a:pPr algn="ctr"/>
+            <a:endParaRPr lang="en-US"/>
+          </a:p>
+        </p:txBody>
+      </p:sp>
+      <p:pic>
+        <p:nvPicPr>
+          <p:cNvPr id="15" name="Picture 14">
             <a:extLst>
               <a:ext uri="{FF2B5EF4-FFF2-40B4-BE49-F238E27FC236}">
-                <a16:creationId xmlns:a16="http://schemas.microsoft.com/office/drawing/2014/main" id="{18CA8669-3DAC-4950-BF75-C2089131E136}"/>
+                <a16:creationId xmlns:a16="http://schemas.microsoft.com/office/drawing/2014/main" id="{9490E84B-32AB-4B93-B2A7-C660A2894F2C}"/>
+              </a:ext>
+              <a:ext uri="{C183D7F6-B498-43B3-948B-1728B52AA6E4}">
+                <adec:decorative xmlns="" xmlns:adec="http://schemas.microsoft.com/office/drawing/2017/decorative" val="1"/>
               </a:ext>
             </a:extLst>
           </p:cNvPr>
+          <p:cNvPicPr>
+            <a:picLocks noGrp="1" noRot="1" noChangeAspect="1" noMove="1" noResize="1" noEditPoints="1" noAdjustHandles="1" noChangeArrowheads="1" noChangeShapeType="1" noCrop="1"/>
+          </p:cNvPicPr>
+          <p:nvPr>
+            <p:extLst>
+              <p:ext uri="{386F3935-93C4-4BCD-93E2-E3B085C9AB24}">
+                <p16:designElem xmlns:p16="http://schemas.microsoft.com/office/powerpoint/2015/main" val="1"/>
+              </p:ext>
+            </p:extLst>
+          </p:nvPr>
+        </p:nvPicPr>
+        <p:blipFill>
+          <a:blip r:embed="rId3">
+            <a:alphaModFix amt="10000"/>
+            <a:extLst>
+              <a:ext uri="{28A0092B-C50C-407E-A947-70E740481C1C}">
+                <a14:useLocalDpi xmlns:a14="http://schemas.microsoft.com/office/drawing/2010/main" val="0"/>
+              </a:ext>
+            </a:extLst>
+          </a:blip>
+          <a:stretch>
+            <a:fillRect/>
+          </a:stretch>
+        </p:blipFill>
+        <p:spPr>
+          <a:xfrm>
+            <a:off x="-3176" y="0"/>
+            <a:ext cx="12192000" cy="6858000"/>
+          </a:xfrm>
+          <a:prstGeom prst="rect">
+            <a:avLst/>
+          </a:prstGeom>
+        </p:spPr>
+      </p:pic>
+      <p:sp>
+        <p:nvSpPr>
+          <p:cNvPr id="17" name="Rectangle 16">
+            <a:extLst>
+              <a:ext uri="{FF2B5EF4-FFF2-40B4-BE49-F238E27FC236}">
+                <a16:creationId xmlns:a16="http://schemas.microsoft.com/office/drawing/2014/main" id="{AE7C53B3-E639-4BE7-9C53-AAF6DF686F9A}"/>
+              </a:ext>
+              <a:ext uri="{C183D7F6-B498-43B3-948B-1728B52AA6E4}">
+                <adec:decorative xmlns="" xmlns:adec="http://schemas.microsoft.com/office/drawing/2017/decorative" val="1"/>
+              </a:ext>
+            </a:extLst>
+          </p:cNvPr>
+          <p:cNvSpPr>
+            <a:spLocks noGrp="1" noRot="1" noChangeAspect="1" noMove="1" noResize="1" noEditPoints="1" noAdjustHandles="1" noChangeArrowheads="1" noChangeShapeType="1" noTextEdit="1"/>
+          </p:cNvSpPr>
+          <p:nvPr>
+            <p:extLst>
+              <p:ext uri="{386F3935-93C4-4BCD-93E2-E3B085C9AB24}">
+                <p16:designElem xmlns:p16="http://schemas.microsoft.com/office/powerpoint/2015/main" val="1"/>
+              </p:ext>
+            </p:extLst>
+          </p:nvPr>
+        </p:nvSpPr>
+        <p:spPr>
+          <a:xfrm>
+            <a:off x="4639056" y="0"/>
+            <a:ext cx="7552944" cy="6858001"/>
+          </a:xfrm>
+          <a:prstGeom prst="rect">
+            <a:avLst/>
+          </a:prstGeom>
+          <a:ln>
+            <a:noFill/>
+          </a:ln>
+        </p:spPr>
+        <p:style>
+          <a:lnRef idx="2">
+            <a:schemeClr val="accent1">
+              <a:shade val="50000"/>
+            </a:schemeClr>
+          </a:lnRef>
+          <a:fillRef idx="1">
+            <a:schemeClr val="accent1"/>
+          </a:fillRef>
+          <a:effectRef idx="0">
+            <a:schemeClr val="accent1"/>
+          </a:effectRef>
+          <a:fontRef idx="minor">
+            <a:schemeClr val="lt1"/>
+          </a:fontRef>
+        </p:style>
+        <p:txBody>
+          <a:bodyPr rtlCol="0" anchor="ctr"/>
+          <a:lstStyle/>
+          <a:p>
+            <a:pPr algn="ctr"/>
+            <a:endParaRPr lang="en-US"/>
+          </a:p>
+        </p:txBody>
+      </p:sp>
+      <p:sp>
+        <p:nvSpPr>
+          <p:cNvPr id="19" name="Rectangle 18">
+            <a:extLst>
+              <a:ext uri="{FF2B5EF4-FFF2-40B4-BE49-F238E27FC236}">
+                <a16:creationId xmlns:a16="http://schemas.microsoft.com/office/drawing/2014/main" id="{2CD7F1D5-2F5D-4F06-91C2-5616C9AD5597}"/>
+              </a:ext>
+              <a:ext uri="{C183D7F6-B498-43B3-948B-1728B52AA6E4}">
+                <adec:decorative xmlns="" xmlns:adec="http://schemas.microsoft.com/office/drawing/2017/decorative" val="1"/>
+              </a:ext>
+            </a:extLst>
+          </p:cNvPr>
+          <p:cNvSpPr>
+            <a:spLocks noGrp="1" noRot="1" noChangeAspect="1" noMove="1" noResize="1" noEditPoints="1" noAdjustHandles="1" noChangeArrowheads="1" noChangeShapeType="1" noTextEdit="1"/>
+          </p:cNvSpPr>
+          <p:nvPr>
+            <p:extLst>
+              <p:ext uri="{386F3935-93C4-4BCD-93E2-E3B085C9AB24}">
+                <p16:designElem xmlns:p16="http://schemas.microsoft.com/office/powerpoint/2015/main" val="1"/>
+              </p:ext>
+            </p:extLst>
+          </p:nvPr>
+        </p:nvSpPr>
+        <p:spPr bwMode="grayWhite">
+          <a:xfrm>
+            <a:off x="2" y="609600"/>
+            <a:ext cx="4959094" cy="1368198"/>
+          </a:xfrm>
+          <a:prstGeom prst="rect">
+            <a:avLst/>
+          </a:prstGeom>
+          <a:solidFill>
+            <a:schemeClr val="bg1">
+              <a:lumMod val="85000"/>
+              <a:lumOff val="15000"/>
+            </a:schemeClr>
+          </a:solidFill>
+          <a:ln>
+            <a:noFill/>
+          </a:ln>
+        </p:spPr>
+        <p:style>
+          <a:lnRef idx="2">
+            <a:schemeClr val="accent1">
+              <a:shade val="50000"/>
+            </a:schemeClr>
+          </a:lnRef>
+          <a:fillRef idx="1">
+            <a:schemeClr val="accent1"/>
+          </a:fillRef>
+          <a:effectRef idx="0">
+            <a:schemeClr val="accent1"/>
+          </a:effectRef>
+          <a:fontRef idx="minor">
+            <a:schemeClr val="lt1"/>
+          </a:fontRef>
+        </p:style>
+      </p:sp>
+      <p:pic>
+        <p:nvPicPr>
+          <p:cNvPr id="21" name="Picture 20">
+            <a:extLst>
+              <a:ext uri="{FF2B5EF4-FFF2-40B4-BE49-F238E27FC236}">
+                <a16:creationId xmlns:a16="http://schemas.microsoft.com/office/drawing/2014/main" id="{CA0F9C00-759D-439B-962A-EA32D6076602}"/>
+              </a:ext>
+              <a:ext uri="{C183D7F6-B498-43B3-948B-1728B52AA6E4}">
+                <adec:decorative xmlns="" xmlns:adec="http://schemas.microsoft.com/office/drawing/2017/decorative" val="1"/>
+              </a:ext>
+            </a:extLst>
+          </p:cNvPr>
+          <p:cNvPicPr>
+            <a:picLocks noGrp="1" noRot="1" noChangeAspect="1" noMove="1" noResize="1" noEditPoints="1" noAdjustHandles="1" noChangeArrowheads="1" noChangeShapeType="1" noCrop="1"/>
+          </p:cNvPicPr>
+          <p:nvPr>
+            <p:extLst>
+              <p:ext uri="{386F3935-93C4-4BCD-93E2-E3B085C9AB24}">
+                <p16:designElem xmlns:p16="http://schemas.microsoft.com/office/powerpoint/2015/main" val="1"/>
+              </p:ext>
+            </p:extLst>
+          </p:nvPr>
+        </p:nvPicPr>
+        <p:blipFill>
+          <a:blip r:embed="rId4">
+            <a:extLst>
+              <a:ext uri="{28A0092B-C50C-407E-A947-70E740481C1C}">
+                <a14:useLocalDpi xmlns:a14="http://schemas.microsoft.com/office/drawing/2010/main" val="0"/>
+              </a:ext>
+            </a:extLst>
+          </a:blip>
+          <a:stretch>
+            <a:fillRect/>
+          </a:stretch>
+        </p:blipFill>
+        <p:spPr>
+          <a:xfrm>
+            <a:off x="2" y="1970241"/>
+            <a:ext cx="4956048" cy="199787"/>
+          </a:xfrm>
+          <a:prstGeom prst="rect">
+            <a:avLst/>
+          </a:prstGeom>
+        </p:spPr>
+      </p:pic>
+      <p:pic>
+        <p:nvPicPr>
+          <p:cNvPr id="8" name="Content Placeholder 4">
+            <a:extLst>
+              <a:ext uri="{FF2B5EF4-FFF2-40B4-BE49-F238E27FC236}">
+                <a16:creationId xmlns:a16="http://schemas.microsoft.com/office/drawing/2014/main" id="{708883A7-D7B6-4A30-829C-21C26108C396}"/>
+              </a:ext>
+            </a:extLst>
+          </p:cNvPr>
+          <p:cNvPicPr>
+            <a:picLocks noChangeAspect="1"/>
+          </p:cNvPicPr>
+          <p:nvPr/>
+        </p:nvPicPr>
+        <p:blipFill>
+          <a:blip r:embed="rId5"/>
+          <a:stretch>
+            <a:fillRect/>
+          </a:stretch>
+        </p:blipFill>
+        <p:spPr>
+          <a:xfrm>
+            <a:off x="5276090" y="1461950"/>
+            <a:ext cx="6269479" cy="3934099"/>
+          </a:xfrm>
+          <a:prstGeom prst="rect">
+            <a:avLst/>
+          </a:prstGeom>
+          <a:ln>
+            <a:noFill/>
+          </a:ln>
+          <a:effectLst>
+            <a:outerShdw blurRad="76200" dist="63500" dir="5040000" algn="tl" rotWithShape="0">
+              <a:srgbClr val="000000">
+                <a:alpha val="41000"/>
+              </a:srgbClr>
+            </a:outerShdw>
+          </a:effectLst>
+        </p:spPr>
+      </p:pic>
+      <p:sp>
+        <p:nvSpPr>
+          <p:cNvPr id="2" name="Shape 147"/>
+          <p:cNvSpPr txBox="1">
+            <a:spLocks noGrp="1"/>
+          </p:cNvSpPr>
+          <p:nvPr>
+            <p:ph type="title"/>
+          </p:nvPr>
+        </p:nvSpPr>
+        <p:spPr>
+          <a:xfrm>
+            <a:off x="680321" y="753228"/>
+            <a:ext cx="4136123" cy="1080938"/>
+          </a:xfrm>
+        </p:spPr>
+        <p:txBody>
+          <a:bodyPr vert="horz" lIns="91440" tIns="45720" rIns="91440" bIns="45720" rtlCol="0">
+            <a:normAutofit/>
+          </a:bodyPr>
+          <a:lstStyle/>
+          <a:p>
+            <a:r>
+              <a:rPr lang="es-CL" sz="2400"/>
+              <a:t>MDX Consultas multidimensionales</a:t>
+            </a:r>
+          </a:p>
+        </p:txBody>
+      </p:sp>
+      <p:sp>
+        <p:nvSpPr>
+          <p:cNvPr id="10" name="Content Placeholder 9">
+            <a:extLst>
+              <a:ext uri="{FF2B5EF4-FFF2-40B4-BE49-F238E27FC236}">
+                <a16:creationId xmlns:a16="http://schemas.microsoft.com/office/drawing/2014/main" id="{4ED04B58-BEB6-46EC-BE02-149E65FD38A1}"/>
+              </a:ext>
+            </a:extLst>
+          </p:cNvPr>
           <p:cNvSpPr>
             <a:spLocks noGrp="1"/>
           </p:cNvSpPr>
@@ -10361,22 +10970,26 @@
             <p:ph idx="1"/>
           </p:nvPr>
         </p:nvSpPr>
-        <p:spPr/>
-        <p:txBody>
-          <a:bodyPr/>
+        <p:spPr>
+          <a:xfrm>
+            <a:off x="680321" y="2336873"/>
+            <a:ext cx="3656289" cy="3599316"/>
+          </a:xfrm>
+        </p:spPr>
+        <p:txBody>
+          <a:bodyPr>
+            <a:normAutofit/>
+          </a:bodyPr>
           <a:lstStyle/>
           <a:p>
-            <a:r>
-              <a:rPr lang="es-CL" dirty="0"/>
-              <a:t>Ver demostración</a:t>
-            </a:r>
+            <a:endParaRPr lang="en-US" sz="1400"/>
           </a:p>
         </p:txBody>
       </p:sp>
     </p:spTree>
     <p:extLst>
       <p:ext uri="{BB962C8B-B14F-4D97-AF65-F5344CB8AC3E}">
-        <p14:creationId xmlns:p14="http://schemas.microsoft.com/office/powerpoint/2010/main" val="3848692660"/>
+        <p14:creationId xmlns:p14="http://schemas.microsoft.com/office/powerpoint/2010/main" val="4209704911"/>
       </p:ext>
     </p:extLst>
   </p:cSld>
@@ -10405,10 +11018,10 @@
       </p:grpSpPr>
       <p:sp>
         <p:nvSpPr>
-          <p:cNvPr id="4" name="Title 3">
+          <p:cNvPr id="2" name="Title 1">
             <a:extLst>
               <a:ext uri="{FF2B5EF4-FFF2-40B4-BE49-F238E27FC236}">
-                <a16:creationId xmlns:a16="http://schemas.microsoft.com/office/drawing/2014/main" id="{F083D28F-0B42-4D5B-914A-6E6985E991BF}"/>
+                <a16:creationId xmlns:a16="http://schemas.microsoft.com/office/drawing/2014/main" id="{10B47633-78FD-44FC-AE98-0F537AC5D9DD}"/>
               </a:ext>
             </a:extLst>
           </p:cNvPr>
@@ -10425,27 +11038,18 @@
           <a:lstStyle/>
           <a:p>
             <a:r>
-              <a:rPr lang="es-CL" dirty="0" err="1"/>
-              <a:t>Reporting</a:t>
-            </a:r>
-            <a:r>
               <a:rPr lang="es-CL" dirty="0"/>
-              <a:t> </a:t>
-            </a:r>
-            <a:r>
-              <a:rPr lang="es-CL" dirty="0" err="1"/>
-              <a:t>services</a:t>
-            </a:r>
-            <a:endParaRPr lang="es-CL" dirty="0"/>
-          </a:p>
-        </p:txBody>
-      </p:sp>
-      <p:sp>
-        <p:nvSpPr>
-          <p:cNvPr id="5" name="Text Placeholder 4">
+              <a:t>MDX Consultas multidimensionales</a:t>
+            </a:r>
+          </a:p>
+        </p:txBody>
+      </p:sp>
+      <p:sp>
+        <p:nvSpPr>
+          <p:cNvPr id="3" name="Content Placeholder 2">
             <a:extLst>
               <a:ext uri="{FF2B5EF4-FFF2-40B4-BE49-F238E27FC236}">
-                <a16:creationId xmlns:a16="http://schemas.microsoft.com/office/drawing/2014/main" id="{472F4D91-4056-469D-B896-345FF03A703E}"/>
+                <a16:creationId xmlns:a16="http://schemas.microsoft.com/office/drawing/2014/main" id="{18CA8669-3DAC-4950-BF75-C2089131E136}"/>
               </a:ext>
             </a:extLst>
           </p:cNvPr>
@@ -10453,7 +11057,7 @@
             <a:spLocks noGrp="1"/>
           </p:cNvSpPr>
           <p:nvPr>
-            <p:ph type="body" idx="1"/>
+            <p:ph idx="1"/>
           </p:nvPr>
         </p:nvSpPr>
         <p:spPr/>
@@ -10461,14 +11065,17 @@
           <a:bodyPr/>
           <a:lstStyle/>
           <a:p>
-            <a:endParaRPr lang="es-CL"/>
+            <a:r>
+              <a:rPr lang="es-CL" dirty="0"/>
+              <a:t>Ver demostración</a:t>
+            </a:r>
           </a:p>
         </p:txBody>
       </p:sp>
     </p:spTree>
     <p:extLst>
       <p:ext uri="{BB962C8B-B14F-4D97-AF65-F5344CB8AC3E}">
-        <p14:creationId xmlns:p14="http://schemas.microsoft.com/office/powerpoint/2010/main" val="3619241277"/>
+        <p14:creationId xmlns:p14="http://schemas.microsoft.com/office/powerpoint/2010/main" val="3848692660"/>
       </p:ext>
     </p:extLst>
   </p:cSld>
@@ -10500,6 +11107,98 @@
           <p:cNvPr id="4" name="Title 3">
             <a:extLst>
               <a:ext uri="{FF2B5EF4-FFF2-40B4-BE49-F238E27FC236}">
+                <a16:creationId xmlns:a16="http://schemas.microsoft.com/office/drawing/2014/main" id="{F083D28F-0B42-4D5B-914A-6E6985E991BF}"/>
+              </a:ext>
+            </a:extLst>
+          </p:cNvPr>
+          <p:cNvSpPr>
+            <a:spLocks noGrp="1"/>
+          </p:cNvSpPr>
+          <p:nvPr>
+            <p:ph type="title"/>
+          </p:nvPr>
+        </p:nvSpPr>
+        <p:spPr/>
+        <p:txBody>
+          <a:bodyPr/>
+          <a:lstStyle/>
+          <a:p>
+            <a:r>
+              <a:rPr lang="es-CL" dirty="0" err="1"/>
+              <a:t>Reporting</a:t>
+            </a:r>
+            <a:r>
+              <a:rPr lang="es-CL" dirty="0"/>
+              <a:t> </a:t>
+            </a:r>
+            <a:r>
+              <a:rPr lang="es-CL" dirty="0" err="1"/>
+              <a:t>services</a:t>
+            </a:r>
+            <a:endParaRPr lang="es-CL" dirty="0"/>
+          </a:p>
+        </p:txBody>
+      </p:sp>
+      <p:sp>
+        <p:nvSpPr>
+          <p:cNvPr id="5" name="Text Placeholder 4">
+            <a:extLst>
+              <a:ext uri="{FF2B5EF4-FFF2-40B4-BE49-F238E27FC236}">
+                <a16:creationId xmlns:a16="http://schemas.microsoft.com/office/drawing/2014/main" id="{472F4D91-4056-469D-B896-345FF03A703E}"/>
+              </a:ext>
+            </a:extLst>
+          </p:cNvPr>
+          <p:cNvSpPr>
+            <a:spLocks noGrp="1"/>
+          </p:cNvSpPr>
+          <p:nvPr>
+            <p:ph type="body" idx="1"/>
+          </p:nvPr>
+        </p:nvSpPr>
+        <p:spPr/>
+        <p:txBody>
+          <a:bodyPr/>
+          <a:lstStyle/>
+          <a:p>
+            <a:endParaRPr lang="es-CL"/>
+          </a:p>
+        </p:txBody>
+      </p:sp>
+    </p:spTree>
+    <p:extLst>
+      <p:ext uri="{BB962C8B-B14F-4D97-AF65-F5344CB8AC3E}">
+        <p14:creationId xmlns:p14="http://schemas.microsoft.com/office/powerpoint/2010/main" val="3619241277"/>
+      </p:ext>
+    </p:extLst>
+  </p:cSld>
+  <p:clrMapOvr>
+    <a:masterClrMapping/>
+  </p:clrMapOvr>
+</p:sld>
+</file>
+
+<file path=ppt/slides/slide19.xml><?xml version="1.0" encoding="utf-8"?>
+<p:sld xmlns:a="http://schemas.openxmlformats.org/drawingml/2006/main" xmlns:r="http://schemas.openxmlformats.org/officeDocument/2006/relationships" xmlns:p="http://schemas.openxmlformats.org/presentationml/2006/main">
+  <p:cSld>
+    <p:spTree>
+      <p:nvGrpSpPr>
+        <p:cNvPr id="1" name=""/>
+        <p:cNvGrpSpPr/>
+        <p:nvPr/>
+      </p:nvGrpSpPr>
+      <p:grpSpPr>
+        <a:xfrm>
+          <a:off x="0" y="0"/>
+          <a:ext cx="0" cy="0"/>
+          <a:chOff x="0" y="0"/>
+          <a:chExt cx="0" cy="0"/>
+        </a:xfrm>
+      </p:grpSpPr>
+      <p:sp>
+        <p:nvSpPr>
+          <p:cNvPr id="4" name="Title 3">
+            <a:extLst>
+              <a:ext uri="{FF2B5EF4-FFF2-40B4-BE49-F238E27FC236}">
                 <a16:creationId xmlns:a16="http://schemas.microsoft.com/office/drawing/2014/main" id="{F4AAE3FA-1714-4A65-85CB-39F1CBE59B5D}"/>
               </a:ext>
             </a:extLst>
@@ -10713,7 +11412,144 @@
 </p:sld>
 </file>
 
-<file path=ppt/slides/slide19.xml><?xml version="1.0" encoding="utf-8"?>
+<file path=ppt/slides/slide2.xml><?xml version="1.0" encoding="utf-8"?>
+<p:sld xmlns:a="http://schemas.openxmlformats.org/drawingml/2006/main" xmlns:r="http://schemas.openxmlformats.org/officeDocument/2006/relationships" xmlns:p="http://schemas.openxmlformats.org/presentationml/2006/main">
+  <p:cSld>
+    <p:spTree>
+      <p:nvGrpSpPr>
+        <p:cNvPr id="1" name=""/>
+        <p:cNvGrpSpPr/>
+        <p:nvPr/>
+      </p:nvGrpSpPr>
+      <p:grpSpPr>
+        <a:xfrm>
+          <a:off x="0" y="0"/>
+          <a:ext cx="0" cy="0"/>
+          <a:chOff x="0" y="0"/>
+          <a:chExt cx="0" cy="0"/>
+        </a:xfrm>
+      </p:grpSpPr>
+      <p:sp>
+        <p:nvSpPr>
+          <p:cNvPr id="2" name="Title 1">
+            <a:extLst>
+              <a:ext uri="{FF2B5EF4-FFF2-40B4-BE49-F238E27FC236}">
+                <a16:creationId xmlns:a16="http://schemas.microsoft.com/office/drawing/2014/main" id="{0F79BCCD-609D-4243-BEF1-7BC861CCEE01}"/>
+              </a:ext>
+            </a:extLst>
+          </p:cNvPr>
+          <p:cNvSpPr>
+            <a:spLocks noGrp="1"/>
+          </p:cNvSpPr>
+          <p:nvPr>
+            <p:ph type="title"/>
+          </p:nvPr>
+        </p:nvSpPr>
+        <p:spPr/>
+        <p:txBody>
+          <a:bodyPr/>
+          <a:lstStyle/>
+          <a:p>
+            <a:r>
+              <a:rPr lang="es-CL" dirty="0"/>
+              <a:t>Agenda día 02</a:t>
+            </a:r>
+          </a:p>
+        </p:txBody>
+      </p:sp>
+      <p:sp>
+        <p:nvSpPr>
+          <p:cNvPr id="3" name="Content Placeholder 2">
+            <a:extLst>
+              <a:ext uri="{FF2B5EF4-FFF2-40B4-BE49-F238E27FC236}">
+                <a16:creationId xmlns:a16="http://schemas.microsoft.com/office/drawing/2014/main" id="{E9B42213-137A-4255-BB10-496E0C1262CC}"/>
+              </a:ext>
+            </a:extLst>
+          </p:cNvPr>
+          <p:cNvSpPr>
+            <a:spLocks noGrp="1"/>
+          </p:cNvSpPr>
+          <p:nvPr>
+            <p:ph idx="1"/>
+          </p:nvPr>
+        </p:nvSpPr>
+        <p:spPr/>
+        <p:txBody>
+          <a:bodyPr>
+            <a:normAutofit/>
+          </a:bodyPr>
+          <a:lstStyle/>
+          <a:p>
+            <a:r>
+              <a:rPr lang="es-CL" dirty="0"/>
+              <a:t>Ejercicios.</a:t>
+            </a:r>
+          </a:p>
+          <a:p>
+            <a:r>
+              <a:rPr lang="es-CL" dirty="0" err="1"/>
+              <a:t>Triggers</a:t>
+            </a:r>
+            <a:r>
+              <a:rPr lang="es-CL" dirty="0"/>
+              <a:t>.</a:t>
+            </a:r>
+          </a:p>
+          <a:p>
+            <a:r>
+              <a:rPr lang="es-CL" dirty="0"/>
+              <a:t>Vistas.</a:t>
+            </a:r>
+          </a:p>
+          <a:p>
+            <a:r>
+              <a:rPr lang="es-CL" dirty="0"/>
+              <a:t>MDX.</a:t>
+            </a:r>
+          </a:p>
+          <a:p>
+            <a:r>
+              <a:rPr lang="es-CL" dirty="0" err="1"/>
+              <a:t>Reporting</a:t>
+            </a:r>
+            <a:r>
+              <a:rPr lang="es-CL" dirty="0"/>
+              <a:t> </a:t>
+            </a:r>
+            <a:r>
+              <a:rPr lang="es-CL" dirty="0" err="1"/>
+              <a:t>services</a:t>
+            </a:r>
+            <a:r>
+              <a:rPr lang="es-CL" dirty="0"/>
+              <a:t>.</a:t>
+            </a:r>
+          </a:p>
+          <a:p>
+            <a:r>
+              <a:rPr lang="es-CL" dirty="0"/>
+              <a:t>Ejercicio final.</a:t>
+            </a:r>
+          </a:p>
+          <a:p>
+            <a:endParaRPr lang="es-CL" dirty="0"/>
+          </a:p>
+        </p:txBody>
+      </p:sp>
+    </p:spTree>
+    <p:extLst>
+      <p:ext uri="{BB962C8B-B14F-4D97-AF65-F5344CB8AC3E}">
+        <p14:creationId xmlns:p14="http://schemas.microsoft.com/office/powerpoint/2010/main" val="1929420222"/>
+      </p:ext>
+    </p:extLst>
+  </p:cSld>
+  <p:clrMapOvr>
+    <a:masterClrMapping/>
+  </p:clrMapOvr>
+</p:sld>
+</file>
+
+<file path=ppt/slides/slide20.xml><?xml version="1.0" encoding="utf-8"?>
 <p:sld xmlns:a="http://schemas.openxmlformats.org/drawingml/2006/main" xmlns:r="http://schemas.openxmlformats.org/officeDocument/2006/relationships" xmlns:p="http://schemas.openxmlformats.org/presentationml/2006/main">
   <p:cSld>
     <p:bg>
@@ -10773,7 +11609,7 @@
                 <a16:creationId xmlns:a16="http://schemas.microsoft.com/office/drawing/2014/main" id="{E0DAFD82-3F74-4E59-B32E-BD77462BFFD1}"/>
               </a:ext>
               <a:ext uri="{C183D7F6-B498-43B3-948B-1728B52AA6E4}">
-                <adec:decorative xmlns="" xmlns:adec="http://schemas.microsoft.com/office/drawing/2017/decorative" val="1"/>
+                <adec:decorative xmlns:adec="http://schemas.microsoft.com/office/drawing/2017/decorative" xmlns="" val="1"/>
               </a:ext>
             </a:extLst>
           </p:cNvPr>
@@ -10804,7 +11640,7 @@
                   <a16:creationId xmlns:a16="http://schemas.microsoft.com/office/drawing/2014/main" id="{4A91303C-F093-4328-A707-645FBC76F7EA}"/>
                 </a:ext>
                 <a:ext uri="{C183D7F6-B498-43B3-948B-1728B52AA6E4}">
-                  <adec:decorative xmlns="" xmlns:adec="http://schemas.microsoft.com/office/drawing/2017/decorative" val="1"/>
+                  <adec:decorative xmlns:adec="http://schemas.microsoft.com/office/drawing/2017/decorative" xmlns="" val="1"/>
                 </a:ext>
               </a:extLst>
             </p:cNvPr>
@@ -10862,7 +11698,7 @@
                   <a16:creationId xmlns:a16="http://schemas.microsoft.com/office/drawing/2014/main" id="{396DCE38-5576-4DB4-9E0B-8BA014EBCBA1}"/>
                 </a:ext>
                 <a:ext uri="{C183D7F6-B498-43B3-948B-1728B52AA6E4}">
-                  <adec:decorative xmlns="" xmlns:adec="http://schemas.microsoft.com/office/drawing/2017/decorative" val="1"/>
+                  <adec:decorative xmlns:adec="http://schemas.microsoft.com/office/drawing/2017/decorative" xmlns="" val="1"/>
                 </a:ext>
               </a:extLst>
             </p:cNvPr>
@@ -10942,7 +11778,7 @@
                 <a16:creationId xmlns:a16="http://schemas.microsoft.com/office/drawing/2014/main" id="{356B696F-2C62-45F3-A534-B39DDD903CE6}"/>
               </a:ext>
               <a:ext uri="{C183D7F6-B498-43B3-948B-1728B52AA6E4}">
-                <adec:decorative xmlns="" xmlns:adec="http://schemas.microsoft.com/office/drawing/2017/decorative" val="1"/>
+                <adec:decorative xmlns:adec="http://schemas.microsoft.com/office/drawing/2017/decorative" xmlns="" val="1"/>
               </a:ext>
             </a:extLst>
           </p:cNvPr>
@@ -11000,7 +11836,7 @@
                 <a16:creationId xmlns:a16="http://schemas.microsoft.com/office/drawing/2014/main" id="{655D1A39-500D-4C26-97A9-AB4AD60D0BBF}"/>
               </a:ext>
               <a:ext uri="{C183D7F6-B498-43B3-948B-1728B52AA6E4}">
-                <adec:decorative xmlns="" xmlns:adec="http://schemas.microsoft.com/office/drawing/2017/decorative" val="1"/>
+                <adec:decorative xmlns:adec="http://schemas.microsoft.com/office/drawing/2017/decorative" xmlns="" val="1"/>
               </a:ext>
             </a:extLst>
           </p:cNvPr>
@@ -11108,241 +11944,6 @@
     <p:extLst>
       <p:ext uri="{BB962C8B-B14F-4D97-AF65-F5344CB8AC3E}">
         <p14:creationId xmlns:p14="http://schemas.microsoft.com/office/powerpoint/2010/main" val="1508815330"/>
-      </p:ext>
-    </p:extLst>
-  </p:cSld>
-  <p:clrMapOvr>
-    <a:masterClrMapping/>
-  </p:clrMapOvr>
-</p:sld>
-</file>
-
-<file path=ppt/slides/slide2.xml><?xml version="1.0" encoding="utf-8"?>
-<p:sld xmlns:a="http://schemas.openxmlformats.org/drawingml/2006/main" xmlns:r="http://schemas.openxmlformats.org/officeDocument/2006/relationships" xmlns:p="http://schemas.openxmlformats.org/presentationml/2006/main">
-  <p:cSld>
-    <p:spTree>
-      <p:nvGrpSpPr>
-        <p:cNvPr id="1" name=""/>
-        <p:cNvGrpSpPr/>
-        <p:nvPr/>
-      </p:nvGrpSpPr>
-      <p:grpSpPr>
-        <a:xfrm>
-          <a:off x="0" y="0"/>
-          <a:ext cx="0" cy="0"/>
-          <a:chOff x="0" y="0"/>
-          <a:chExt cx="0" cy="0"/>
-        </a:xfrm>
-      </p:grpSpPr>
-      <p:sp>
-        <p:nvSpPr>
-          <p:cNvPr id="2" name="Title 1">
-            <a:extLst>
-              <a:ext uri="{FF2B5EF4-FFF2-40B4-BE49-F238E27FC236}">
-                <a16:creationId xmlns:a16="http://schemas.microsoft.com/office/drawing/2014/main" id="{0F79BCCD-609D-4243-BEF1-7BC861CCEE01}"/>
-              </a:ext>
-            </a:extLst>
-          </p:cNvPr>
-          <p:cNvSpPr>
-            <a:spLocks noGrp="1"/>
-          </p:cNvSpPr>
-          <p:nvPr>
-            <p:ph type="title"/>
-          </p:nvPr>
-        </p:nvSpPr>
-        <p:spPr/>
-        <p:txBody>
-          <a:bodyPr/>
-          <a:lstStyle/>
-          <a:p>
-            <a:r>
-              <a:rPr lang="es-CL" dirty="0"/>
-              <a:t>Agenda día 02</a:t>
-            </a:r>
-          </a:p>
-        </p:txBody>
-      </p:sp>
-      <p:sp>
-        <p:nvSpPr>
-          <p:cNvPr id="3" name="Content Placeholder 2">
-            <a:extLst>
-              <a:ext uri="{FF2B5EF4-FFF2-40B4-BE49-F238E27FC236}">
-                <a16:creationId xmlns:a16="http://schemas.microsoft.com/office/drawing/2014/main" id="{E9B42213-137A-4255-BB10-496E0C1262CC}"/>
-              </a:ext>
-            </a:extLst>
-          </p:cNvPr>
-          <p:cNvSpPr>
-            <a:spLocks noGrp="1"/>
-          </p:cNvSpPr>
-          <p:nvPr>
-            <p:ph idx="1"/>
-          </p:nvPr>
-        </p:nvSpPr>
-        <p:spPr/>
-        <p:txBody>
-          <a:bodyPr>
-            <a:normAutofit/>
-          </a:bodyPr>
-          <a:lstStyle/>
-          <a:p>
-            <a:r>
-              <a:rPr lang="es-CL" dirty="0"/>
-              <a:t>Ejercicios.</a:t>
-            </a:r>
-          </a:p>
-          <a:p>
-            <a:r>
-              <a:rPr lang="es-CL" dirty="0" err="1"/>
-              <a:t>Triggers</a:t>
-            </a:r>
-            <a:r>
-              <a:rPr lang="es-CL" dirty="0"/>
-              <a:t>.</a:t>
-            </a:r>
-          </a:p>
-          <a:p>
-            <a:r>
-              <a:rPr lang="es-CL" dirty="0"/>
-              <a:t>Vistas.</a:t>
-            </a:r>
-          </a:p>
-          <a:p>
-            <a:r>
-              <a:rPr lang="es-CL" dirty="0"/>
-              <a:t>MDX.</a:t>
-            </a:r>
-          </a:p>
-          <a:p>
-            <a:r>
-              <a:rPr lang="es-CL" dirty="0" err="1"/>
-              <a:t>Reporting</a:t>
-            </a:r>
-            <a:r>
-              <a:rPr lang="es-CL" dirty="0"/>
-              <a:t> </a:t>
-            </a:r>
-            <a:r>
-              <a:rPr lang="es-CL" dirty="0" err="1"/>
-              <a:t>services</a:t>
-            </a:r>
-            <a:r>
-              <a:rPr lang="es-CL" dirty="0"/>
-              <a:t>.</a:t>
-            </a:r>
-          </a:p>
-          <a:p>
-            <a:r>
-              <a:rPr lang="es-CL" dirty="0"/>
-              <a:t>Ejercicio final.</a:t>
-            </a:r>
-          </a:p>
-          <a:p>
-            <a:endParaRPr lang="es-CL" dirty="0"/>
-          </a:p>
-        </p:txBody>
-      </p:sp>
-    </p:spTree>
-    <p:extLst>
-      <p:ext uri="{BB962C8B-B14F-4D97-AF65-F5344CB8AC3E}">
-        <p14:creationId xmlns:p14="http://schemas.microsoft.com/office/powerpoint/2010/main" val="1929420222"/>
-      </p:ext>
-    </p:extLst>
-  </p:cSld>
-  <p:clrMapOvr>
-    <a:masterClrMapping/>
-  </p:clrMapOvr>
-</p:sld>
-</file>
-
-<file path=ppt/slides/slide20.xml><?xml version="1.0" encoding="utf-8"?>
-<p:sld xmlns:a="http://schemas.openxmlformats.org/drawingml/2006/main" xmlns:r="http://schemas.openxmlformats.org/officeDocument/2006/relationships" xmlns:p="http://schemas.openxmlformats.org/presentationml/2006/main">
-  <p:cSld>
-    <p:spTree>
-      <p:nvGrpSpPr>
-        <p:cNvPr id="1" name=""/>
-        <p:cNvGrpSpPr/>
-        <p:nvPr/>
-      </p:nvGrpSpPr>
-      <p:grpSpPr>
-        <a:xfrm>
-          <a:off x="0" y="0"/>
-          <a:ext cx="0" cy="0"/>
-          <a:chOff x="0" y="0"/>
-          <a:chExt cx="0" cy="0"/>
-        </a:xfrm>
-      </p:grpSpPr>
-      <p:sp>
-        <p:nvSpPr>
-          <p:cNvPr id="2" name="Title 1">
-            <a:extLst>
-              <a:ext uri="{FF2B5EF4-FFF2-40B4-BE49-F238E27FC236}">
-                <a16:creationId xmlns:a16="http://schemas.microsoft.com/office/drawing/2014/main" id="{7F1DC727-B6F5-46EF-B6DD-45AB58DC5A2C}"/>
-              </a:ext>
-            </a:extLst>
-          </p:cNvPr>
-          <p:cNvSpPr>
-            <a:spLocks noGrp="1"/>
-          </p:cNvSpPr>
-          <p:nvPr>
-            <p:ph type="title"/>
-          </p:nvPr>
-        </p:nvSpPr>
-        <p:spPr/>
-        <p:txBody>
-          <a:bodyPr/>
-          <a:lstStyle/>
-          <a:p>
-            <a:r>
-              <a:rPr lang="es-CL" dirty="0" err="1"/>
-              <a:t>Reporting</a:t>
-            </a:r>
-            <a:r>
-              <a:rPr lang="es-CL" dirty="0"/>
-              <a:t> </a:t>
-            </a:r>
-            <a:r>
-              <a:rPr lang="es-CL" dirty="0" err="1"/>
-              <a:t>Services</a:t>
-            </a:r>
-            <a:r>
-              <a:rPr lang="es-CL" dirty="0"/>
-              <a:t> 2014</a:t>
-            </a:r>
-          </a:p>
-        </p:txBody>
-      </p:sp>
-      <p:sp>
-        <p:nvSpPr>
-          <p:cNvPr id="3" name="Content Placeholder 2">
-            <a:extLst>
-              <a:ext uri="{FF2B5EF4-FFF2-40B4-BE49-F238E27FC236}">
-                <a16:creationId xmlns:a16="http://schemas.microsoft.com/office/drawing/2014/main" id="{F3FB6C85-05DA-43BF-BC67-D68D29AF2C36}"/>
-              </a:ext>
-            </a:extLst>
-          </p:cNvPr>
-          <p:cNvSpPr>
-            <a:spLocks noGrp="1"/>
-          </p:cNvSpPr>
-          <p:nvPr>
-            <p:ph idx="1"/>
-          </p:nvPr>
-        </p:nvSpPr>
-        <p:spPr/>
-        <p:txBody>
-          <a:bodyPr/>
-          <a:lstStyle/>
-          <a:p>
-            <a:r>
-              <a:rPr lang="es-CL" dirty="0"/>
-              <a:t>Demostración en pantalla</a:t>
-            </a:r>
-          </a:p>
-        </p:txBody>
-      </p:sp>
-    </p:spTree>
-    <p:extLst>
-      <p:ext uri="{BB962C8B-B14F-4D97-AF65-F5344CB8AC3E}">
-        <p14:creationId xmlns:p14="http://schemas.microsoft.com/office/powerpoint/2010/main" val="3313524172"/>
       </p:ext>
     </p:extLst>
   </p:cSld>
@@ -11374,7 +11975,7 @@
           <p:cNvPr id="2" name="Title 1">
             <a:extLst>
               <a:ext uri="{FF2B5EF4-FFF2-40B4-BE49-F238E27FC236}">
-                <a16:creationId xmlns:a16="http://schemas.microsoft.com/office/drawing/2014/main" id="{D901A813-040E-4C30-87F6-05DD6B071AB3}"/>
+                <a16:creationId xmlns:a16="http://schemas.microsoft.com/office/drawing/2014/main" id="{7F1DC727-B6F5-46EF-B6DD-45AB58DC5A2C}"/>
               </a:ext>
             </a:extLst>
           </p:cNvPr>
@@ -11404,7 +12005,7 @@
             </a:r>
             <a:r>
               <a:rPr lang="es-CL" dirty="0"/>
-              <a:t> 2016</a:t>
+              <a:t> 2014</a:t>
             </a:r>
           </a:p>
         </p:txBody>
@@ -11414,7 +12015,7 @@
           <p:cNvPr id="3" name="Content Placeholder 2">
             <a:extLst>
               <a:ext uri="{FF2B5EF4-FFF2-40B4-BE49-F238E27FC236}">
-                <a16:creationId xmlns:a16="http://schemas.microsoft.com/office/drawing/2014/main" id="{B3589B0A-D1C4-453B-AA9F-673EA1F25E71}"/>
+                <a16:creationId xmlns:a16="http://schemas.microsoft.com/office/drawing/2014/main" id="{F3FB6C85-05DA-43BF-BC67-D68D29AF2C36}"/>
               </a:ext>
             </a:extLst>
           </p:cNvPr>
@@ -11432,7 +12033,7 @@
           <a:p>
             <a:r>
               <a:rPr lang="es-CL" dirty="0"/>
-              <a:t>Ver video</a:t>
+              <a:t>Demostración en pantalla</a:t>
             </a:r>
           </a:p>
         </p:txBody>
@@ -11440,7 +12041,7 @@
     </p:spTree>
     <p:extLst>
       <p:ext uri="{BB962C8B-B14F-4D97-AF65-F5344CB8AC3E}">
-        <p14:creationId xmlns:p14="http://schemas.microsoft.com/office/powerpoint/2010/main" val="2868463350"/>
+        <p14:creationId xmlns:p14="http://schemas.microsoft.com/office/powerpoint/2010/main" val="3313524172"/>
       </p:ext>
     </p:extLst>
   </p:cSld>
@@ -11469,10 +12070,10 @@
       </p:grpSpPr>
       <p:sp>
         <p:nvSpPr>
-          <p:cNvPr id="5" name="Title 4">
+          <p:cNvPr id="2" name="Title 1">
             <a:extLst>
               <a:ext uri="{FF2B5EF4-FFF2-40B4-BE49-F238E27FC236}">
-                <a16:creationId xmlns:a16="http://schemas.microsoft.com/office/drawing/2014/main" id="{0383A1CC-FEAB-4967-96DC-FDC2D2F87971}"/>
+                <a16:creationId xmlns:a16="http://schemas.microsoft.com/office/drawing/2014/main" id="{D901A813-040E-4C30-87F6-05DD6B071AB3}"/>
               </a:ext>
             </a:extLst>
           </p:cNvPr>
@@ -11489,18 +12090,30 @@
           <a:lstStyle/>
           <a:p>
             <a:r>
+              <a:rPr lang="es-CL" dirty="0" err="1"/>
+              <a:t>Reporting</a:t>
+            </a:r>
+            <a:r>
               <a:rPr lang="es-CL" dirty="0"/>
-              <a:t>Ejercicio 05 Final</a:t>
-            </a:r>
-          </a:p>
-        </p:txBody>
-      </p:sp>
-      <p:sp>
-        <p:nvSpPr>
-          <p:cNvPr id="6" name="Content Placeholder 5">
+              <a:t> </a:t>
+            </a:r>
+            <a:r>
+              <a:rPr lang="es-CL" dirty="0" err="1"/>
+              <a:t>Services</a:t>
+            </a:r>
+            <a:r>
+              <a:rPr lang="es-CL" dirty="0"/>
+              <a:t> 2016</a:t>
+            </a:r>
+          </a:p>
+        </p:txBody>
+      </p:sp>
+      <p:sp>
+        <p:nvSpPr>
+          <p:cNvPr id="3" name="Content Placeholder 2">
             <a:extLst>
               <a:ext uri="{FF2B5EF4-FFF2-40B4-BE49-F238E27FC236}">
-                <a16:creationId xmlns:a16="http://schemas.microsoft.com/office/drawing/2014/main" id="{EFA1D3A1-C9E7-455C-BF30-B0FAE66C7C96}"/>
+                <a16:creationId xmlns:a16="http://schemas.microsoft.com/office/drawing/2014/main" id="{B3589B0A-D1C4-453B-AA9F-673EA1F25E71}"/>
               </a:ext>
             </a:extLst>
           </p:cNvPr>
@@ -11513,103 +12126,12 @@
         </p:nvSpPr>
         <p:spPr/>
         <p:txBody>
-          <a:bodyPr>
-            <a:normAutofit fontScale="85000" lnSpcReduction="20000"/>
-          </a:bodyPr>
+          <a:bodyPr/>
           <a:lstStyle/>
           <a:p>
             <a:r>
               <a:rPr lang="es-CL" dirty="0"/>
-              <a:t>Crear un modelo de datos para una biblioteca.</a:t>
-            </a:r>
-          </a:p>
-          <a:p>
-            <a:r>
-              <a:rPr lang="es-CL" dirty="0"/>
-              <a:t>Debe contemplar:</a:t>
-            </a:r>
-          </a:p>
-          <a:p>
-            <a:pPr lvl="1"/>
-            <a:r>
-              <a:rPr lang="es-CL" dirty="0"/>
-              <a:t>Prestamos.</a:t>
-            </a:r>
-          </a:p>
-          <a:p>
-            <a:pPr lvl="1"/>
-            <a:r>
-              <a:rPr lang="es-CL" dirty="0"/>
-              <a:t>Inventario.</a:t>
-            </a:r>
-          </a:p>
-          <a:p>
-            <a:pPr lvl="1"/>
-            <a:r>
-              <a:rPr lang="es-CL" dirty="0"/>
-              <a:t>Usuarios.</a:t>
-            </a:r>
-          </a:p>
-          <a:p>
-            <a:pPr lvl="1"/>
-            <a:r>
-              <a:rPr lang="es-CL" dirty="0"/>
-              <a:t>Categorías de libros.</a:t>
-            </a:r>
-          </a:p>
-          <a:p>
-            <a:pPr lvl="1"/>
-            <a:r>
-              <a:rPr lang="es-CL" dirty="0"/>
-              <a:t>Log de prestamos</a:t>
-            </a:r>
-          </a:p>
-          <a:p>
-            <a:r>
-              <a:rPr lang="es-CL" dirty="0"/>
-              <a:t>Crear </a:t>
-            </a:r>
-            <a:r>
-              <a:rPr lang="es-CL" dirty="0" err="1"/>
-              <a:t>trigger</a:t>
-            </a:r>
-            <a:r>
-              <a:rPr lang="es-CL" dirty="0"/>
-              <a:t> para los prestamos y devoluciones.</a:t>
-            </a:r>
-          </a:p>
-          <a:p>
-            <a:r>
-              <a:rPr lang="es-CL" dirty="0"/>
-              <a:t>Crear vistas para reportes de: usuarios con más prestamos, categorías más prestadas.</a:t>
-            </a:r>
-          </a:p>
-          <a:p>
-            <a:r>
-              <a:rPr lang="es-CL" dirty="0"/>
-              <a:t>Realizar </a:t>
-            </a:r>
-            <a:r>
-              <a:rPr lang="es-CL" dirty="0" err="1"/>
-              <a:t>insert</a:t>
-            </a:r>
-            <a:r>
-              <a:rPr lang="es-CL" dirty="0"/>
-              <a:t> necesarios para poder hacer </a:t>
-            </a:r>
-            <a:r>
-              <a:rPr lang="es-CL" dirty="0" err="1"/>
-              <a:t>querys</a:t>
-            </a:r>
-            <a:r>
-              <a:rPr lang="es-CL" dirty="0"/>
-              <a:t> de prueba.</a:t>
-            </a:r>
-          </a:p>
-          <a:p>
-            <a:r>
-              <a:rPr lang="es-CL" dirty="0"/>
-              <a:t>Duración: 90 minutos.</a:t>
+              <a:t>Ver video</a:t>
             </a:r>
           </a:p>
         </p:txBody>
@@ -11617,7 +12139,7 @@
     </p:spTree>
     <p:extLst>
       <p:ext uri="{BB962C8B-B14F-4D97-AF65-F5344CB8AC3E}">
-        <p14:creationId xmlns:p14="http://schemas.microsoft.com/office/powerpoint/2010/main" val="57949537"/>
+        <p14:creationId xmlns:p14="http://schemas.microsoft.com/office/powerpoint/2010/main" val="2868463350"/>
       </p:ext>
     </p:extLst>
   </p:cSld>
@@ -11646,6 +12168,183 @@
       </p:grpSpPr>
       <p:sp>
         <p:nvSpPr>
+          <p:cNvPr id="5" name="Title 4">
+            <a:extLst>
+              <a:ext uri="{FF2B5EF4-FFF2-40B4-BE49-F238E27FC236}">
+                <a16:creationId xmlns:a16="http://schemas.microsoft.com/office/drawing/2014/main" id="{0383A1CC-FEAB-4967-96DC-FDC2D2F87971}"/>
+              </a:ext>
+            </a:extLst>
+          </p:cNvPr>
+          <p:cNvSpPr>
+            <a:spLocks noGrp="1"/>
+          </p:cNvSpPr>
+          <p:nvPr>
+            <p:ph type="title"/>
+          </p:nvPr>
+        </p:nvSpPr>
+        <p:spPr/>
+        <p:txBody>
+          <a:bodyPr/>
+          <a:lstStyle/>
+          <a:p>
+            <a:r>
+              <a:rPr lang="es-CL" dirty="0"/>
+              <a:t>Ejercicio 05 Final</a:t>
+            </a:r>
+          </a:p>
+        </p:txBody>
+      </p:sp>
+      <p:sp>
+        <p:nvSpPr>
+          <p:cNvPr id="6" name="Content Placeholder 5">
+            <a:extLst>
+              <a:ext uri="{FF2B5EF4-FFF2-40B4-BE49-F238E27FC236}">
+                <a16:creationId xmlns:a16="http://schemas.microsoft.com/office/drawing/2014/main" id="{EFA1D3A1-C9E7-455C-BF30-B0FAE66C7C96}"/>
+              </a:ext>
+            </a:extLst>
+          </p:cNvPr>
+          <p:cNvSpPr>
+            <a:spLocks noGrp="1"/>
+          </p:cNvSpPr>
+          <p:nvPr>
+            <p:ph idx="1"/>
+          </p:nvPr>
+        </p:nvSpPr>
+        <p:spPr/>
+        <p:txBody>
+          <a:bodyPr>
+            <a:normAutofit fontScale="85000" lnSpcReduction="20000"/>
+          </a:bodyPr>
+          <a:lstStyle/>
+          <a:p>
+            <a:r>
+              <a:rPr lang="es-CL" dirty="0"/>
+              <a:t>Crear un modelo de datos para una biblioteca.</a:t>
+            </a:r>
+          </a:p>
+          <a:p>
+            <a:r>
+              <a:rPr lang="es-CL" dirty="0"/>
+              <a:t>Debe contemplar:</a:t>
+            </a:r>
+          </a:p>
+          <a:p>
+            <a:pPr lvl="1"/>
+            <a:r>
+              <a:rPr lang="es-CL" dirty="0"/>
+              <a:t>Prestamos.</a:t>
+            </a:r>
+          </a:p>
+          <a:p>
+            <a:pPr lvl="1"/>
+            <a:r>
+              <a:rPr lang="es-CL" dirty="0"/>
+              <a:t>Inventario.</a:t>
+            </a:r>
+          </a:p>
+          <a:p>
+            <a:pPr lvl="1"/>
+            <a:r>
+              <a:rPr lang="es-CL" dirty="0"/>
+              <a:t>Usuarios.</a:t>
+            </a:r>
+          </a:p>
+          <a:p>
+            <a:pPr lvl="1"/>
+            <a:r>
+              <a:rPr lang="es-CL" dirty="0"/>
+              <a:t>Categorías de libros.</a:t>
+            </a:r>
+          </a:p>
+          <a:p>
+            <a:pPr lvl="1"/>
+            <a:r>
+              <a:rPr lang="es-CL" dirty="0"/>
+              <a:t>Log de prestamos</a:t>
+            </a:r>
+          </a:p>
+          <a:p>
+            <a:r>
+              <a:rPr lang="es-CL" dirty="0"/>
+              <a:t>Crear </a:t>
+            </a:r>
+            <a:r>
+              <a:rPr lang="es-CL" dirty="0" err="1"/>
+              <a:t>trigger</a:t>
+            </a:r>
+            <a:r>
+              <a:rPr lang="es-CL" dirty="0"/>
+              <a:t> para los prestamos y devoluciones.</a:t>
+            </a:r>
+          </a:p>
+          <a:p>
+            <a:r>
+              <a:rPr lang="es-CL" dirty="0"/>
+              <a:t>Crear vistas para reportes de: usuarios con más prestamos, categorías más prestadas.</a:t>
+            </a:r>
+          </a:p>
+          <a:p>
+            <a:r>
+              <a:rPr lang="es-CL" dirty="0"/>
+              <a:t>Realizar </a:t>
+            </a:r>
+            <a:r>
+              <a:rPr lang="es-CL" dirty="0" err="1"/>
+              <a:t>insert</a:t>
+            </a:r>
+            <a:r>
+              <a:rPr lang="es-CL" dirty="0"/>
+              <a:t> necesarios para poder hacer </a:t>
+            </a:r>
+            <a:r>
+              <a:rPr lang="es-CL" dirty="0" err="1"/>
+              <a:t>querys</a:t>
+            </a:r>
+            <a:r>
+              <a:rPr lang="es-CL" dirty="0"/>
+              <a:t> de prueba.</a:t>
+            </a:r>
+          </a:p>
+          <a:p>
+            <a:r>
+              <a:rPr lang="es-CL" dirty="0"/>
+              <a:t>Duración: 90 minutos.</a:t>
+            </a:r>
+          </a:p>
+        </p:txBody>
+      </p:sp>
+    </p:spTree>
+    <p:extLst>
+      <p:ext uri="{BB962C8B-B14F-4D97-AF65-F5344CB8AC3E}">
+        <p14:creationId xmlns:p14="http://schemas.microsoft.com/office/powerpoint/2010/main" val="57949537"/>
+      </p:ext>
+    </p:extLst>
+  </p:cSld>
+  <p:clrMapOvr>
+    <a:masterClrMapping/>
+  </p:clrMapOvr>
+</p:sld>
+</file>
+
+<file path=ppt/slides/slide24.xml><?xml version="1.0" encoding="utf-8"?>
+<p:sld xmlns:a="http://schemas.openxmlformats.org/drawingml/2006/main" xmlns:r="http://schemas.openxmlformats.org/officeDocument/2006/relationships" xmlns:p="http://schemas.openxmlformats.org/presentationml/2006/main">
+  <p:cSld>
+    <p:spTree>
+      <p:nvGrpSpPr>
+        <p:cNvPr id="1" name=""/>
+        <p:cNvGrpSpPr/>
+        <p:nvPr/>
+      </p:nvGrpSpPr>
+      <p:grpSpPr>
+        <a:xfrm>
+          <a:off x="0" y="0"/>
+          <a:ext cx="0" cy="0"/>
+          <a:chOff x="0" y="0"/>
+          <a:chExt cx="0" cy="0"/>
+        </a:xfrm>
+      </p:grpSpPr>
+      <p:sp>
+        <p:nvSpPr>
           <p:cNvPr id="2" name="Title 1">
             <a:extLst>
               <a:ext uri="{FF2B5EF4-FFF2-40B4-BE49-F238E27FC236}">
@@ -11721,7 +12420,7 @@
 </p:sld>
 </file>
 
-<file path=ppt/slides/slide24.xml><?xml version="1.0" encoding="utf-8"?>
+<file path=ppt/slides/slide25.xml><?xml version="1.0" encoding="utf-8"?>
 <p:sld xmlns:a="http://schemas.openxmlformats.org/drawingml/2006/main" xmlns:r="http://schemas.openxmlformats.org/officeDocument/2006/relationships" xmlns:p="http://schemas.openxmlformats.org/presentationml/2006/main">
   <p:cSld>
     <p:spTree>
@@ -12058,7 +12757,7 @@
           <p:cNvPr id="2" name="Title 1">
             <a:extLst>
               <a:ext uri="{FF2B5EF4-FFF2-40B4-BE49-F238E27FC236}">
-                <a16:creationId xmlns:a16="http://schemas.microsoft.com/office/drawing/2014/main" id="{A895BCA7-3995-47D4-A26B-9A217D9FAF16}"/>
+                <a16:creationId xmlns:a16="http://schemas.microsoft.com/office/drawing/2014/main" id="{A85B1035-9ED8-4A11-A3D7-F54BA8AF53A5}"/>
               </a:ext>
             </a:extLst>
           </p:cNvPr>
@@ -12076,7 +12775,7 @@
           <a:p>
             <a:r>
               <a:rPr lang="es-CL" dirty="0"/>
-              <a:t>Ejercicio 03</a:t>
+              <a:t>Sintaxis SQL</a:t>
             </a:r>
           </a:p>
         </p:txBody>
@@ -12086,7 +12785,7 @@
           <p:cNvPr id="3" name="Content Placeholder 2">
             <a:extLst>
               <a:ext uri="{FF2B5EF4-FFF2-40B4-BE49-F238E27FC236}">
-                <a16:creationId xmlns:a16="http://schemas.microsoft.com/office/drawing/2014/main" id="{2B7765D1-048A-44FA-AFAB-2932DD5A94AC}"/>
+                <a16:creationId xmlns:a16="http://schemas.microsoft.com/office/drawing/2014/main" id="{D9854115-93C4-42B1-BEEC-76B47A4B9638}"/>
               </a:ext>
             </a:extLst>
           </p:cNvPr>
@@ -12105,51 +12804,16 @@
           <a:lstStyle/>
           <a:p>
             <a:r>
-              <a:rPr lang="es-ES" dirty="0"/>
-              <a:t>Utilizando la base de datos </a:t>
-            </a:r>
-            <a:r>
-              <a:rPr lang="es-ES" dirty="0" err="1"/>
-              <a:t>northwind</a:t>
-            </a:r>
-            <a:r>
-              <a:rPr lang="es-ES" dirty="0"/>
-              <a:t>:</a:t>
-            </a:r>
-          </a:p>
-          <a:p>
-            <a:r>
-              <a:rPr lang="es-ES" dirty="0"/>
-              <a:t>Listar los productos con categorías más vendidos.</a:t>
-            </a:r>
-          </a:p>
-          <a:p>
-            <a:pPr lvl="1"/>
-            <a:r>
-              <a:rPr lang="es-ES" dirty="0"/>
-              <a:t>Cliente con más compras.</a:t>
-            </a:r>
-          </a:p>
-          <a:p>
-            <a:pPr lvl="1"/>
-            <a:r>
-              <a:rPr lang="es-ES" dirty="0"/>
-              <a:t>Categoría más vendida.</a:t>
-            </a:r>
-          </a:p>
-          <a:p>
-            <a:r>
-              <a:rPr lang="es-ES" dirty="0"/>
-              <a:t>Duración: 75 minutos</a:t>
-            </a:r>
-            <a:endParaRPr lang="es-CL" dirty="0"/>
+              <a:rPr lang="es-CL" sz="6000" dirty="0"/>
+              <a:t>https://bit.ly/2sSNp70</a:t>
+            </a:r>
           </a:p>
         </p:txBody>
       </p:sp>
     </p:spTree>
     <p:extLst>
       <p:ext uri="{BB962C8B-B14F-4D97-AF65-F5344CB8AC3E}">
-        <p14:creationId xmlns:p14="http://schemas.microsoft.com/office/powerpoint/2010/main" val="1041088818"/>
+        <p14:creationId xmlns:p14="http://schemas.microsoft.com/office/powerpoint/2010/main" val="1446013471"/>
       </p:ext>
     </p:extLst>
   </p:cSld>
@@ -12181,7 +12845,7 @@
           <p:cNvPr id="2" name="Title 1">
             <a:extLst>
               <a:ext uri="{FF2B5EF4-FFF2-40B4-BE49-F238E27FC236}">
-                <a16:creationId xmlns:a16="http://schemas.microsoft.com/office/drawing/2014/main" id="{E3BD2525-3CA7-4BB5-AC69-D1AFD340BA01}"/>
+                <a16:creationId xmlns:a16="http://schemas.microsoft.com/office/drawing/2014/main" id="{A895BCA7-3995-47D4-A26B-9A217D9FAF16}"/>
               </a:ext>
             </a:extLst>
           </p:cNvPr>
@@ -12199,7 +12863,7 @@
           <a:p>
             <a:r>
               <a:rPr lang="es-CL" dirty="0"/>
-              <a:t>Ejercicio 04</a:t>
+              <a:t>Ejercicio 03</a:t>
             </a:r>
           </a:p>
         </p:txBody>
@@ -12209,7 +12873,7 @@
           <p:cNvPr id="3" name="Content Placeholder 2">
             <a:extLst>
               <a:ext uri="{FF2B5EF4-FFF2-40B4-BE49-F238E27FC236}">
-                <a16:creationId xmlns:a16="http://schemas.microsoft.com/office/drawing/2014/main" id="{BC2CBD30-3B58-4957-8F34-BD6AE42207B7}"/>
+                <a16:creationId xmlns:a16="http://schemas.microsoft.com/office/drawing/2014/main" id="{2B7765D1-048A-44FA-AFAB-2932DD5A94AC}"/>
               </a:ext>
             </a:extLst>
           </p:cNvPr>
@@ -12222,68 +12886,57 @@
         </p:nvSpPr>
         <p:spPr/>
         <p:txBody>
-          <a:bodyPr/>
+          <a:bodyPr>
+            <a:normAutofit/>
+          </a:bodyPr>
           <a:lstStyle/>
           <a:p>
             <a:r>
-              <a:rPr lang="es-CL" dirty="0"/>
+              <a:rPr lang="es-ES" dirty="0"/>
               <a:t>Utilizando la base de datos </a:t>
             </a:r>
             <a:r>
-              <a:rPr lang="es-CL" dirty="0" err="1"/>
+              <a:rPr lang="es-ES" dirty="0" err="1"/>
               <a:t>northwind</a:t>
             </a:r>
             <a:r>
-              <a:rPr lang="es-CL" dirty="0"/>
-              <a:t> responder lo siguiente:</a:t>
-            </a:r>
-          </a:p>
-          <a:p>
-            <a:r>
-              <a:rPr lang="es-CL" dirty="0"/>
-              <a:t>La compañía de despacho(</a:t>
-            </a:r>
-            <a:r>
-              <a:rPr lang="es-CL" dirty="0" err="1"/>
-              <a:t>shippers</a:t>
-            </a:r>
-            <a:r>
-              <a:rPr lang="es-CL" dirty="0"/>
-              <a:t>) que más ordenes tiene.</a:t>
-            </a:r>
-          </a:p>
-          <a:p>
-            <a:r>
-              <a:rPr lang="es-CL" dirty="0"/>
-              <a:t>Proveedores(</a:t>
-            </a:r>
-            <a:r>
-              <a:rPr lang="es-CL" dirty="0" err="1"/>
-              <a:t>suppliers</a:t>
-            </a:r>
-            <a:r>
-              <a:rPr lang="es-CL" dirty="0"/>
-              <a:t>) con más productos por ordenes de compra.</a:t>
-            </a:r>
-          </a:p>
-          <a:p>
-            <a:r>
-              <a:rPr lang="es-CL" dirty="0"/>
-              <a:t>Territorio y región por empleado con más ordenes de compra.</a:t>
-            </a:r>
-          </a:p>
-          <a:p>
-            <a:r>
-              <a:rPr lang="es-CL" dirty="0"/>
-              <a:t>Duración: 55 minutos.</a:t>
-            </a:r>
+              <a:rPr lang="es-ES" dirty="0"/>
+              <a:t>:</a:t>
+            </a:r>
+          </a:p>
+          <a:p>
+            <a:r>
+              <a:rPr lang="es-ES" dirty="0"/>
+              <a:t>Listar los productos con categorías más vendidos.</a:t>
+            </a:r>
+          </a:p>
+          <a:p>
+            <a:pPr lvl="1"/>
+            <a:r>
+              <a:rPr lang="es-ES" dirty="0"/>
+              <a:t>Cliente con más compras.</a:t>
+            </a:r>
+          </a:p>
+          <a:p>
+            <a:pPr lvl="1"/>
+            <a:r>
+              <a:rPr lang="es-ES" dirty="0"/>
+              <a:t>Categoría más vendida.</a:t>
+            </a:r>
+          </a:p>
+          <a:p>
+            <a:r>
+              <a:rPr lang="es-ES" dirty="0"/>
+              <a:t>Duración: 75 minutos</a:t>
+            </a:r>
+            <a:endParaRPr lang="es-CL" dirty="0"/>
           </a:p>
         </p:txBody>
       </p:sp>
     </p:spTree>
     <p:extLst>
       <p:ext uri="{BB962C8B-B14F-4D97-AF65-F5344CB8AC3E}">
-        <p14:creationId xmlns:p14="http://schemas.microsoft.com/office/powerpoint/2010/main" val="3568209047"/>
+        <p14:creationId xmlns:p14="http://schemas.microsoft.com/office/powerpoint/2010/main" val="1041088818"/>
       </p:ext>
     </p:extLst>
   </p:cSld>
@@ -12315,7 +12968,7 @@
           <p:cNvPr id="2" name="Title 1">
             <a:extLst>
               <a:ext uri="{FF2B5EF4-FFF2-40B4-BE49-F238E27FC236}">
-                <a16:creationId xmlns:a16="http://schemas.microsoft.com/office/drawing/2014/main" id="{CDC519B3-9424-455C-B9B3-1D41A19848AD}"/>
+                <a16:creationId xmlns:a16="http://schemas.microsoft.com/office/drawing/2014/main" id="{E3BD2525-3CA7-4BB5-AC69-D1AFD340BA01}"/>
               </a:ext>
             </a:extLst>
           </p:cNvPr>
@@ -12332,10 +12985,9 @@
           <a:lstStyle/>
           <a:p>
             <a:r>
-              <a:rPr lang="es-CL" dirty="0" err="1"/>
-              <a:t>Triggers</a:t>
-            </a:r>
-            <a:endParaRPr lang="es-CL" dirty="0"/>
+              <a:rPr lang="es-CL" dirty="0"/>
+              <a:t>Ejercicio 04</a:t>
+            </a:r>
           </a:p>
         </p:txBody>
       </p:sp>
@@ -12344,7 +12996,7 @@
           <p:cNvPr id="3" name="Content Placeholder 2">
             <a:extLst>
               <a:ext uri="{FF2B5EF4-FFF2-40B4-BE49-F238E27FC236}">
-                <a16:creationId xmlns:a16="http://schemas.microsoft.com/office/drawing/2014/main" id="{82E5D7D2-4598-4322-BE42-8BEE6527025F}"/>
+                <a16:creationId xmlns:a16="http://schemas.microsoft.com/office/drawing/2014/main" id="{BC2CBD30-3B58-4957-8F34-BD6AE42207B7}"/>
               </a:ext>
             </a:extLst>
           </p:cNvPr>
@@ -12362,47 +13014,63 @@
           <a:p>
             <a:r>
               <a:rPr lang="es-CL" dirty="0"/>
-              <a:t>SQL Server maneja 3 tipos de </a:t>
+              <a:t>Utilizando la base de datos </a:t>
             </a:r>
             <a:r>
               <a:rPr lang="es-CL" dirty="0" err="1"/>
-              <a:t>triggers</a:t>
-            </a:r>
-            <a:endParaRPr lang="es-CL" dirty="0"/>
-          </a:p>
-          <a:p>
+              <a:t>northwind</a:t>
+            </a:r>
             <a:r>
               <a:rPr lang="es-CL" dirty="0"/>
-              <a:t>DML</a:t>
+              <a:t> responder lo siguiente:</a:t>
             </a:r>
           </a:p>
           <a:p>
             <a:r>
               <a:rPr lang="es-CL" dirty="0"/>
-              <a:t>DDL</a:t>
-            </a:r>
-          </a:p>
-          <a:p>
+              <a:t>La compañía de despacho(</a:t>
+            </a:r>
             <a:r>
               <a:rPr lang="es-CL" dirty="0" err="1"/>
-              <a:t>Logon</a:t>
+              <a:t>shippers</a:t>
             </a:r>
             <a:r>
               <a:rPr lang="es-CL" dirty="0"/>
-              <a:t> </a:t>
+              <a:t>) que más ordenes tiene.</a:t>
+            </a:r>
+          </a:p>
+          <a:p>
+            <a:r>
+              <a:rPr lang="es-CL" dirty="0"/>
+              <a:t>Proveedores(</a:t>
             </a:r>
             <a:r>
               <a:rPr lang="es-CL" dirty="0" err="1"/>
-              <a:t>event</a:t>
-            </a:r>
-            <a:endParaRPr lang="es-CL" dirty="0"/>
+              <a:t>suppliers</a:t>
+            </a:r>
+            <a:r>
+              <a:rPr lang="es-CL" dirty="0"/>
+              <a:t>) con más productos por ordenes de compra.</a:t>
+            </a:r>
+          </a:p>
+          <a:p>
+            <a:r>
+              <a:rPr lang="es-CL" dirty="0"/>
+              <a:t>Territorio y región por empleado con más ordenes de compra.</a:t>
+            </a:r>
+          </a:p>
+          <a:p>
+            <a:r>
+              <a:rPr lang="es-CL" dirty="0"/>
+              <a:t>Duración: 55 minutos.</a:t>
+            </a:r>
           </a:p>
         </p:txBody>
       </p:sp>
     </p:spTree>
     <p:extLst>
       <p:ext uri="{BB962C8B-B14F-4D97-AF65-F5344CB8AC3E}">
-        <p14:creationId xmlns:p14="http://schemas.microsoft.com/office/powerpoint/2010/main" val="1963579883"/>
+        <p14:creationId xmlns:p14="http://schemas.microsoft.com/office/powerpoint/2010/main" val="3568209047"/>
       </p:ext>
     </p:extLst>
   </p:cSld>
@@ -12454,10 +13122,7 @@
               <a:rPr lang="es-CL" dirty="0" err="1"/>
               <a:t>Triggers</a:t>
             </a:r>
-            <a:r>
-              <a:rPr lang="es-CL" dirty="0"/>
-              <a:t>, DML</a:t>
-            </a:r>
+            <a:endParaRPr lang="es-CL" dirty="0"/>
           </a:p>
         </p:txBody>
       </p:sp>
@@ -12479,38 +13144,43 @@
         </p:nvSpPr>
         <p:spPr/>
         <p:txBody>
-          <a:bodyPr>
-            <a:normAutofit/>
-          </a:bodyPr>
+          <a:bodyPr/>
           <a:lstStyle/>
           <a:p>
             <a:r>
-              <a:rPr lang="es-ES" dirty="0"/>
-              <a:t>Son procedimientos almacenados  que se ejecutan automáticamente ante un evento DML  (</a:t>
-            </a:r>
-            <a:r>
-              <a:rPr lang="es-ES" dirty="0" err="1"/>
-              <a:t>Update</a:t>
-            </a:r>
-            <a:r>
-              <a:rPr lang="es-ES" dirty="0"/>
-              <a:t> – </a:t>
-            </a:r>
-            <a:r>
-              <a:rPr lang="es-ES" dirty="0" err="1"/>
-              <a:t>Delete</a:t>
-            </a:r>
-            <a:r>
-              <a:rPr lang="es-ES" dirty="0"/>
-              <a:t> – </a:t>
-            </a:r>
-            <a:r>
-              <a:rPr lang="es-ES" dirty="0" err="1"/>
-              <a:t>Insert</a:t>
-            </a:r>
-            <a:r>
-              <a:rPr lang="es-ES" dirty="0"/>
-              <a:t>) que afecta una tabla o vista.</a:t>
+              <a:rPr lang="es-CL" dirty="0"/>
+              <a:t>SQL Server maneja 3 tipos de </a:t>
+            </a:r>
+            <a:r>
+              <a:rPr lang="es-CL" dirty="0" err="1"/>
+              <a:t>triggers</a:t>
+            </a:r>
+            <a:endParaRPr lang="es-CL" dirty="0"/>
+          </a:p>
+          <a:p>
+            <a:r>
+              <a:rPr lang="es-CL" dirty="0"/>
+              <a:t>DML</a:t>
+            </a:r>
+          </a:p>
+          <a:p>
+            <a:r>
+              <a:rPr lang="es-CL" dirty="0"/>
+              <a:t>DDL</a:t>
+            </a:r>
+          </a:p>
+          <a:p>
+            <a:r>
+              <a:rPr lang="es-CL" dirty="0" err="1"/>
+              <a:t>Logon</a:t>
+            </a:r>
+            <a:r>
+              <a:rPr lang="es-CL" dirty="0"/>
+              <a:t> </a:t>
+            </a:r>
+            <a:r>
+              <a:rPr lang="es-CL" dirty="0" err="1"/>
+              <a:t>event</a:t>
             </a:r>
             <a:endParaRPr lang="es-CL" dirty="0"/>
           </a:p>
@@ -12519,7 +13189,7 @@
     </p:spTree>
     <p:extLst>
       <p:ext uri="{BB962C8B-B14F-4D97-AF65-F5344CB8AC3E}">
-        <p14:creationId xmlns:p14="http://schemas.microsoft.com/office/powerpoint/2010/main" val="1473890711"/>
+        <p14:creationId xmlns:p14="http://schemas.microsoft.com/office/powerpoint/2010/main" val="1963579883"/>
       </p:ext>
     </p:extLst>
   </p:cSld>
@@ -12532,41 +13202,6 @@
 <file path=ppt/slides/slide7.xml><?xml version="1.0" encoding="utf-8"?>
 <p:sld xmlns:a="http://schemas.openxmlformats.org/drawingml/2006/main" xmlns:r="http://schemas.openxmlformats.org/officeDocument/2006/relationships" xmlns:p="http://schemas.openxmlformats.org/presentationml/2006/main">
   <p:cSld>
-    <p:bg>
-      <p:bgPr>
-        <a:gradFill rotWithShape="1">
-          <a:gsLst>
-            <a:gs pos="0">
-              <a:schemeClr val="bg2">
-                <a:tint val="96000"/>
-                <a:shade val="100000"/>
-                <a:hueMod val="92000"/>
-                <a:satMod val="200000"/>
-                <a:lumMod val="138000"/>
-              </a:schemeClr>
-            </a:gs>
-            <a:gs pos="50000">
-              <a:schemeClr val="bg2">
-                <a:shade val="100000"/>
-                <a:hueMod val="100000"/>
-                <a:satMod val="110000"/>
-                <a:lumMod val="130000"/>
-              </a:schemeClr>
-            </a:gs>
-            <a:gs pos="100000">
-              <a:schemeClr val="bg2">
-                <a:shade val="78000"/>
-                <a:hueMod val="106000"/>
-                <a:satMod val="120000"/>
-                <a:lumMod val="79000"/>
-              </a:schemeClr>
-            </a:gs>
-          </a:gsLst>
-          <a:lin ang="2520000" scaled="0"/>
-        </a:gradFill>
-        <a:effectLst/>
-      </p:bgPr>
-    </p:bg>
     <p:spTree>
       <p:nvGrpSpPr>
         <p:cNvPr id="1" name=""/>
@@ -12581,627 +13216,6 @@
           <a:chExt cx="0" cy="0"/>
         </a:xfrm>
       </p:grpSpPr>
-      <p:pic>
-        <p:nvPicPr>
-          <p:cNvPr id="10" name="Picture 9">
-            <a:extLst>
-              <a:ext uri="{FF2B5EF4-FFF2-40B4-BE49-F238E27FC236}">
-                <a16:creationId xmlns:a16="http://schemas.microsoft.com/office/drawing/2014/main" id="{14CE8021-4E74-4794-A0E4-ECC2D2D40BB4}"/>
-              </a:ext>
-              <a:ext uri="{C183D7F6-B498-43B3-948B-1728B52AA6E4}">
-                <adec:decorative xmlns:adec="http://schemas.microsoft.com/office/drawing/2017/decorative" xmlns="" val="1"/>
-              </a:ext>
-            </a:extLst>
-          </p:cNvPr>
-          <p:cNvPicPr>
-            <a:picLocks noGrp="1" noRot="1" noChangeAspect="1" noMove="1" noResize="1" noEditPoints="1" noAdjustHandles="1" noChangeArrowheads="1" noChangeShapeType="1" noCrop="1"/>
-          </p:cNvPicPr>
-          <p:nvPr>
-            <p:extLst>
-              <p:ext uri="{386F3935-93C4-4BCD-93E2-E3B085C9AB24}">
-                <p16:designElem xmlns:p16="http://schemas.microsoft.com/office/powerpoint/2015/main" val="1"/>
-              </p:ext>
-            </p:extLst>
-          </p:nvPr>
-        </p:nvPicPr>
-        <p:blipFill>
-          <a:blip r:embed="rId2">
-            <a:alphaModFix amt="10000"/>
-            <a:extLst>
-              <a:ext uri="{28A0092B-C50C-407E-A947-70E740481C1C}">
-                <a14:useLocalDpi xmlns:a14="http://schemas.microsoft.com/office/drawing/2010/main" val="0"/>
-              </a:ext>
-            </a:extLst>
-          </a:blip>
-          <a:stretch>
-            <a:fillRect/>
-          </a:stretch>
-        </p:blipFill>
-        <p:spPr>
-          <a:xfrm>
-            <a:off x="0" y="0"/>
-            <a:ext cx="12192000" cy="6858000"/>
-          </a:xfrm>
-          <a:prstGeom prst="rect">
-            <a:avLst/>
-          </a:prstGeom>
-        </p:spPr>
-      </p:pic>
-      <p:pic>
-        <p:nvPicPr>
-          <p:cNvPr id="12" name="Picture 11">
-            <a:extLst>
-              <a:ext uri="{FF2B5EF4-FFF2-40B4-BE49-F238E27FC236}">
-                <a16:creationId xmlns:a16="http://schemas.microsoft.com/office/drawing/2014/main" id="{0B1B493A-0A00-4A78-9179-A51DFD228812}"/>
-              </a:ext>
-              <a:ext uri="{C183D7F6-B498-43B3-948B-1728B52AA6E4}">
-                <adec:decorative xmlns:adec="http://schemas.microsoft.com/office/drawing/2017/decorative" xmlns="" val="1"/>
-              </a:ext>
-            </a:extLst>
-          </p:cNvPr>
-          <p:cNvPicPr>
-            <a:picLocks noGrp="1" noRot="1" noChangeAspect="1" noMove="1" noResize="1" noEditPoints="1" noAdjustHandles="1" noChangeArrowheads="1" noChangeShapeType="1" noCrop="1"/>
-          </p:cNvPicPr>
-          <p:nvPr>
-            <p:extLst>
-              <p:ext uri="{386F3935-93C4-4BCD-93E2-E3B085C9AB24}">
-                <p16:designElem xmlns:p16="http://schemas.microsoft.com/office/powerpoint/2015/main" val="1"/>
-              </p:ext>
-            </p:extLst>
-          </p:nvPr>
-        </p:nvPicPr>
-        <p:blipFill>
-          <a:blip r:embed="rId3">
-            <a:extLst>
-              <a:ext uri="{28A0092B-C50C-407E-A947-70E740481C1C}">
-                <a14:useLocalDpi xmlns:a14="http://schemas.microsoft.com/office/drawing/2010/main" val="0"/>
-              </a:ext>
-            </a:extLst>
-          </a:blip>
-          <a:stretch>
-            <a:fillRect/>
-          </a:stretch>
-        </p:blipFill>
-        <p:spPr>
-          <a:xfrm>
-            <a:off x="1" y="1970240"/>
-            <a:ext cx="10437812" cy="321164"/>
-          </a:xfrm>
-          <a:prstGeom prst="rect">
-            <a:avLst/>
-          </a:prstGeom>
-        </p:spPr>
-      </p:pic>
-      <p:pic>
-        <p:nvPicPr>
-          <p:cNvPr id="14" name="Picture 13">
-            <a:extLst>
-              <a:ext uri="{FF2B5EF4-FFF2-40B4-BE49-F238E27FC236}">
-                <a16:creationId xmlns:a16="http://schemas.microsoft.com/office/drawing/2014/main" id="{05B327D4-1ABB-44EB-8BA9-1C136B1535ED}"/>
-              </a:ext>
-              <a:ext uri="{C183D7F6-B498-43B3-948B-1728B52AA6E4}">
-                <adec:decorative xmlns:adec="http://schemas.microsoft.com/office/drawing/2017/decorative" xmlns="" val="1"/>
-              </a:ext>
-            </a:extLst>
-          </p:cNvPr>
-          <p:cNvPicPr>
-            <a:picLocks noGrp="1" noRot="1" noChangeAspect="1" noMove="1" noResize="1" noEditPoints="1" noAdjustHandles="1" noChangeArrowheads="1" noChangeShapeType="1" noCrop="1"/>
-          </p:cNvPicPr>
-          <p:nvPr>
-            <p:extLst>
-              <p:ext uri="{386F3935-93C4-4BCD-93E2-E3B085C9AB24}">
-                <p16:designElem xmlns:p16="http://schemas.microsoft.com/office/powerpoint/2015/main" val="1"/>
-              </p:ext>
-            </p:extLst>
-          </p:nvPr>
-        </p:nvPicPr>
-        <p:blipFill>
-          <a:blip r:embed="rId4" cstate="print">
-            <a:extLst>
-              <a:ext uri="{28A0092B-C50C-407E-A947-70E740481C1C}">
-                <a14:useLocalDpi xmlns:a14="http://schemas.microsoft.com/office/drawing/2010/main" val="0"/>
-              </a:ext>
-            </a:extLst>
-          </a:blip>
-          <a:stretch>
-            <a:fillRect/>
-          </a:stretch>
-        </p:blipFill>
-        <p:spPr>
-          <a:xfrm>
-            <a:off x="10585826" y="1971234"/>
-            <a:ext cx="1602997" cy="144270"/>
-          </a:xfrm>
-          <a:prstGeom prst="rect">
-            <a:avLst/>
-          </a:prstGeom>
-        </p:spPr>
-      </p:pic>
-      <p:sp>
-        <p:nvSpPr>
-          <p:cNvPr id="16" name="Rectangle 15">
-            <a:extLst>
-              <a:ext uri="{FF2B5EF4-FFF2-40B4-BE49-F238E27FC236}">
-                <a16:creationId xmlns:a16="http://schemas.microsoft.com/office/drawing/2014/main" id="{68565C26-F31A-42A4-859E-1F38C81D194D}"/>
-              </a:ext>
-              <a:ext uri="{C183D7F6-B498-43B3-948B-1728B52AA6E4}">
-                <adec:decorative xmlns:adec="http://schemas.microsoft.com/office/drawing/2017/decorative" xmlns="" val="1"/>
-              </a:ext>
-            </a:extLst>
-          </p:cNvPr>
-          <p:cNvSpPr>
-            <a:spLocks noGrp="1" noRot="1" noChangeAspect="1" noMove="1" noResize="1" noEditPoints="1" noAdjustHandles="1" noChangeArrowheads="1" noChangeShapeType="1" noTextEdit="1"/>
-          </p:cNvSpPr>
-          <p:nvPr>
-            <p:extLst>
-              <p:ext uri="{386F3935-93C4-4BCD-93E2-E3B085C9AB24}">
-                <p16:designElem xmlns:p16="http://schemas.microsoft.com/office/powerpoint/2015/main" val="1"/>
-              </p:ext>
-            </p:extLst>
-          </p:nvPr>
-        </p:nvSpPr>
-        <p:spPr>
-          <a:xfrm>
-            <a:off x="0" y="609600"/>
-            <a:ext cx="10437812" cy="1368198"/>
-          </a:xfrm>
-          <a:prstGeom prst="rect">
-            <a:avLst/>
-          </a:prstGeom>
-          <a:solidFill>
-            <a:schemeClr val="bg1">
-              <a:lumMod val="85000"/>
-              <a:lumOff val="15000"/>
-            </a:schemeClr>
-          </a:solidFill>
-          <a:ln>
-            <a:noFill/>
-          </a:ln>
-        </p:spPr>
-        <p:style>
-          <a:lnRef idx="2">
-            <a:schemeClr val="accent1">
-              <a:shade val="50000"/>
-            </a:schemeClr>
-          </a:lnRef>
-          <a:fillRef idx="1">
-            <a:schemeClr val="accent1"/>
-          </a:fillRef>
-          <a:effectRef idx="0">
-            <a:schemeClr val="accent1"/>
-          </a:effectRef>
-          <a:fontRef idx="minor">
-            <a:schemeClr val="lt1"/>
-          </a:fontRef>
-        </p:style>
-      </p:sp>
-      <p:sp>
-        <p:nvSpPr>
-          <p:cNvPr id="18" name="Rectangle 17">
-            <a:extLst>
-              <a:ext uri="{FF2B5EF4-FFF2-40B4-BE49-F238E27FC236}">
-                <a16:creationId xmlns:a16="http://schemas.microsoft.com/office/drawing/2014/main" id="{81A3EC2D-CF74-44DB-A8BD-A1698850D162}"/>
-              </a:ext>
-              <a:ext uri="{C183D7F6-B498-43B3-948B-1728B52AA6E4}">
-                <adec:decorative xmlns:adec="http://schemas.microsoft.com/office/drawing/2017/decorative" xmlns="" val="1"/>
-              </a:ext>
-            </a:extLst>
-          </p:cNvPr>
-          <p:cNvSpPr>
-            <a:spLocks noGrp="1" noRot="1" noChangeAspect="1" noMove="1" noResize="1" noEditPoints="1" noAdjustHandles="1" noChangeArrowheads="1" noChangeShapeType="1" noTextEdit="1"/>
-          </p:cNvSpPr>
-          <p:nvPr>
-            <p:extLst>
-              <p:ext uri="{386F3935-93C4-4BCD-93E2-E3B085C9AB24}">
-                <p16:designElem xmlns:p16="http://schemas.microsoft.com/office/powerpoint/2015/main" val="1"/>
-              </p:ext>
-            </p:extLst>
-          </p:nvPr>
-        </p:nvSpPr>
-        <p:spPr>
-          <a:xfrm>
-            <a:off x="10585827" y="609600"/>
-            <a:ext cx="1602997" cy="1368198"/>
-          </a:xfrm>
-          <a:prstGeom prst="rect">
-            <a:avLst/>
-          </a:prstGeom>
-          <a:solidFill>
-            <a:schemeClr val="accent1"/>
-          </a:solidFill>
-          <a:ln>
-            <a:noFill/>
-          </a:ln>
-        </p:spPr>
-        <p:style>
-          <a:lnRef idx="2">
-            <a:schemeClr val="accent1">
-              <a:shade val="50000"/>
-            </a:schemeClr>
-          </a:lnRef>
-          <a:fillRef idx="1">
-            <a:schemeClr val="accent1"/>
-          </a:fillRef>
-          <a:effectRef idx="0">
-            <a:schemeClr val="accent1"/>
-          </a:effectRef>
-          <a:fontRef idx="minor">
-            <a:schemeClr val="lt1"/>
-          </a:fontRef>
-        </p:style>
-      </p:sp>
-      <p:sp useBgFill="1">
-        <p:nvSpPr>
-          <p:cNvPr id="20" name="Rectangle 19">
-            <a:extLst>
-              <a:ext uri="{FF2B5EF4-FFF2-40B4-BE49-F238E27FC236}">
-                <a16:creationId xmlns:a16="http://schemas.microsoft.com/office/drawing/2014/main" id="{5F85E7EB-64DD-4240-8583-6C243806705F}"/>
-              </a:ext>
-              <a:ext uri="{C183D7F6-B498-43B3-948B-1728B52AA6E4}">
-                <adec:decorative xmlns:adec="http://schemas.microsoft.com/office/drawing/2017/decorative" xmlns="" val="1"/>
-              </a:ext>
-            </a:extLst>
-          </p:cNvPr>
-          <p:cNvSpPr>
-            <a:spLocks noGrp="1" noRot="1" noChangeAspect="1" noMove="1" noResize="1" noEditPoints="1" noAdjustHandles="1" noChangeArrowheads="1" noChangeShapeType="1" noTextEdit="1"/>
-          </p:cNvSpPr>
-          <p:nvPr>
-            <p:extLst>
-              <p:ext uri="{386F3935-93C4-4BCD-93E2-E3B085C9AB24}">
-                <p16:designElem xmlns:p16="http://schemas.microsoft.com/office/powerpoint/2015/main" val="1"/>
-              </p:ext>
-            </p:extLst>
-          </p:nvPr>
-        </p:nvSpPr>
-        <p:spPr>
-          <a:xfrm>
-            <a:off x="0" y="-1"/>
-            <a:ext cx="12188824" cy="6858001"/>
-          </a:xfrm>
-          <a:prstGeom prst="rect">
-            <a:avLst/>
-          </a:prstGeom>
-        </p:spPr>
-        <p:style>
-          <a:lnRef idx="2">
-            <a:schemeClr val="accent1">
-              <a:shade val="50000"/>
-            </a:schemeClr>
-          </a:lnRef>
-          <a:fillRef idx="1">
-            <a:schemeClr val="accent1"/>
-          </a:fillRef>
-          <a:effectRef idx="0">
-            <a:schemeClr val="accent1"/>
-          </a:effectRef>
-          <a:fontRef idx="minor">
-            <a:schemeClr val="lt1"/>
-          </a:fontRef>
-        </p:style>
-        <p:txBody>
-          <a:bodyPr rtlCol="0" anchor="ctr"/>
-          <a:lstStyle/>
-          <a:p>
-            <a:pPr algn="ctr"/>
-            <a:endParaRPr lang="en-US"/>
-          </a:p>
-        </p:txBody>
-      </p:sp>
-      <p:pic>
-        <p:nvPicPr>
-          <p:cNvPr id="22" name="Picture 21">
-            <a:extLst>
-              <a:ext uri="{FF2B5EF4-FFF2-40B4-BE49-F238E27FC236}">
-                <a16:creationId xmlns:a16="http://schemas.microsoft.com/office/drawing/2014/main" id="{A5AA9413-A886-4022-A477-7ACECA36585E}"/>
-              </a:ext>
-              <a:ext uri="{C183D7F6-B498-43B3-948B-1728B52AA6E4}">
-                <adec:decorative xmlns:adec="http://schemas.microsoft.com/office/drawing/2017/decorative" xmlns="" val="1"/>
-              </a:ext>
-            </a:extLst>
-          </p:cNvPr>
-          <p:cNvPicPr>
-            <a:picLocks noGrp="1" noRot="1" noChangeAspect="1" noMove="1" noResize="1" noEditPoints="1" noAdjustHandles="1" noChangeArrowheads="1" noChangeShapeType="1" noCrop="1"/>
-          </p:cNvPicPr>
-          <p:nvPr>
-            <p:extLst>
-              <p:ext uri="{386F3935-93C4-4BCD-93E2-E3B085C9AB24}">
-                <p16:designElem xmlns:p16="http://schemas.microsoft.com/office/powerpoint/2015/main" val="1"/>
-              </p:ext>
-            </p:extLst>
-          </p:nvPr>
-        </p:nvPicPr>
-        <p:blipFill>
-          <a:blip r:embed="rId2">
-            <a:alphaModFix amt="10000"/>
-            <a:extLst>
-              <a:ext uri="{28A0092B-C50C-407E-A947-70E740481C1C}">
-                <a14:useLocalDpi xmlns:a14="http://schemas.microsoft.com/office/drawing/2010/main" val="0"/>
-              </a:ext>
-            </a:extLst>
-          </a:blip>
-          <a:stretch>
-            <a:fillRect/>
-          </a:stretch>
-        </p:blipFill>
-        <p:spPr>
-          <a:xfrm>
-            <a:off x="-3176" y="0"/>
-            <a:ext cx="12192000" cy="6858000"/>
-          </a:xfrm>
-          <a:prstGeom prst="rect">
-            <a:avLst/>
-          </a:prstGeom>
-        </p:spPr>
-      </p:pic>
-      <p:sp>
-        <p:nvSpPr>
-          <p:cNvPr id="24" name="Rectangle 23">
-            <a:extLst>
-              <a:ext uri="{FF2B5EF4-FFF2-40B4-BE49-F238E27FC236}">
-                <a16:creationId xmlns:a16="http://schemas.microsoft.com/office/drawing/2014/main" id="{891C6E63-BD83-438C-8E5A-539006F798DD}"/>
-              </a:ext>
-              <a:ext uri="{C183D7F6-B498-43B3-948B-1728B52AA6E4}">
-                <adec:decorative xmlns:adec="http://schemas.microsoft.com/office/drawing/2017/decorative" xmlns="" val="1"/>
-              </a:ext>
-            </a:extLst>
-          </p:cNvPr>
-          <p:cNvSpPr>
-            <a:spLocks noGrp="1" noRot="1" noChangeAspect="1" noMove="1" noResize="1" noEditPoints="1" noAdjustHandles="1" noChangeArrowheads="1" noChangeShapeType="1" noTextEdit="1"/>
-          </p:cNvSpPr>
-          <p:nvPr>
-            <p:extLst>
-              <p:ext uri="{386F3935-93C4-4BCD-93E2-E3B085C9AB24}">
-                <p16:designElem xmlns:p16="http://schemas.microsoft.com/office/powerpoint/2015/main" val="1"/>
-              </p:ext>
-            </p:extLst>
-          </p:nvPr>
-        </p:nvSpPr>
-        <p:spPr>
-          <a:xfrm>
-            <a:off x="4639056" y="0"/>
-            <a:ext cx="7552944" cy="6858001"/>
-          </a:xfrm>
-          <a:prstGeom prst="rect">
-            <a:avLst/>
-          </a:prstGeom>
-          <a:ln>
-            <a:noFill/>
-          </a:ln>
-        </p:spPr>
-        <p:style>
-          <a:lnRef idx="2">
-            <a:schemeClr val="accent1">
-              <a:shade val="50000"/>
-            </a:schemeClr>
-          </a:lnRef>
-          <a:fillRef idx="1">
-            <a:schemeClr val="accent1"/>
-          </a:fillRef>
-          <a:effectRef idx="0">
-            <a:schemeClr val="accent1"/>
-          </a:effectRef>
-          <a:fontRef idx="minor">
-            <a:schemeClr val="lt1"/>
-          </a:fontRef>
-        </p:style>
-        <p:txBody>
-          <a:bodyPr rtlCol="0" anchor="ctr"/>
-          <a:lstStyle/>
-          <a:p>
-            <a:pPr algn="ctr"/>
-            <a:endParaRPr lang="en-US"/>
-          </a:p>
-        </p:txBody>
-      </p:sp>
-      <p:sp>
-        <p:nvSpPr>
-          <p:cNvPr id="26" name="Rectangle 25">
-            <a:extLst>
-              <a:ext uri="{FF2B5EF4-FFF2-40B4-BE49-F238E27FC236}">
-                <a16:creationId xmlns:a16="http://schemas.microsoft.com/office/drawing/2014/main" id="{CA1E0C71-AEB6-4ADF-A06B-0842850D6E81}"/>
-              </a:ext>
-              <a:ext uri="{C183D7F6-B498-43B3-948B-1728B52AA6E4}">
-                <adec:decorative xmlns:adec="http://schemas.microsoft.com/office/drawing/2017/decorative" xmlns="" val="1"/>
-              </a:ext>
-            </a:extLst>
-          </p:cNvPr>
-          <p:cNvSpPr>
-            <a:spLocks noGrp="1" noRot="1" noChangeAspect="1" noMove="1" noResize="1" noEditPoints="1" noAdjustHandles="1" noChangeArrowheads="1" noChangeShapeType="1" noTextEdit="1"/>
-          </p:cNvSpPr>
-          <p:nvPr>
-            <p:extLst>
-              <p:ext uri="{386F3935-93C4-4BCD-93E2-E3B085C9AB24}">
-                <p16:designElem xmlns:p16="http://schemas.microsoft.com/office/powerpoint/2015/main" val="1"/>
-              </p:ext>
-            </p:extLst>
-          </p:nvPr>
-        </p:nvSpPr>
-        <p:spPr bwMode="grayWhite">
-          <a:xfrm>
-            <a:off x="2" y="609600"/>
-            <a:ext cx="4959094" cy="1368198"/>
-          </a:xfrm>
-          <a:prstGeom prst="rect">
-            <a:avLst/>
-          </a:prstGeom>
-          <a:solidFill>
-            <a:schemeClr val="bg1">
-              <a:lumMod val="85000"/>
-              <a:lumOff val="15000"/>
-            </a:schemeClr>
-          </a:solidFill>
-          <a:ln>
-            <a:noFill/>
-          </a:ln>
-        </p:spPr>
-        <p:style>
-          <a:lnRef idx="2">
-            <a:schemeClr val="accent1">
-              <a:shade val="50000"/>
-            </a:schemeClr>
-          </a:lnRef>
-          <a:fillRef idx="1">
-            <a:schemeClr val="accent1"/>
-          </a:fillRef>
-          <a:effectRef idx="0">
-            <a:schemeClr val="accent1"/>
-          </a:effectRef>
-          <a:fontRef idx="minor">
-            <a:schemeClr val="lt1"/>
-          </a:fontRef>
-        </p:style>
-      </p:sp>
-      <p:pic>
-        <p:nvPicPr>
-          <p:cNvPr id="28" name="Picture 27">
-            <a:extLst>
-              <a:ext uri="{FF2B5EF4-FFF2-40B4-BE49-F238E27FC236}">
-                <a16:creationId xmlns:a16="http://schemas.microsoft.com/office/drawing/2014/main" id="{63AC3CC6-6498-44DC-8A2A-3BCA9A761D1D}"/>
-              </a:ext>
-              <a:ext uri="{C183D7F6-B498-43B3-948B-1728B52AA6E4}">
-                <adec:decorative xmlns:adec="http://schemas.microsoft.com/office/drawing/2017/decorative" xmlns="" val="1"/>
-              </a:ext>
-            </a:extLst>
-          </p:cNvPr>
-          <p:cNvPicPr>
-            <a:picLocks noGrp="1" noRot="1" noChangeAspect="1" noMove="1" noResize="1" noEditPoints="1" noAdjustHandles="1" noChangeArrowheads="1" noChangeShapeType="1" noCrop="1"/>
-          </p:cNvPicPr>
-          <p:nvPr>
-            <p:extLst>
-              <p:ext uri="{386F3935-93C4-4BCD-93E2-E3B085C9AB24}">
-                <p16:designElem xmlns:p16="http://schemas.microsoft.com/office/powerpoint/2015/main" val="1"/>
-              </p:ext>
-            </p:extLst>
-          </p:nvPr>
-        </p:nvPicPr>
-        <p:blipFill>
-          <a:blip r:embed="rId3">
-            <a:extLst>
-              <a:ext uri="{28A0092B-C50C-407E-A947-70E740481C1C}">
-                <a14:useLocalDpi xmlns:a14="http://schemas.microsoft.com/office/drawing/2010/main" val="0"/>
-              </a:ext>
-            </a:extLst>
-          </a:blip>
-          <a:stretch>
-            <a:fillRect/>
-          </a:stretch>
-        </p:blipFill>
-        <p:spPr>
-          <a:xfrm>
-            <a:off x="2" y="1970241"/>
-            <a:ext cx="4956048" cy="199787"/>
-          </a:xfrm>
-          <a:prstGeom prst="rect">
-            <a:avLst/>
-          </a:prstGeom>
-        </p:spPr>
-      </p:pic>
-      <p:sp>
-        <p:nvSpPr>
-          <p:cNvPr id="30" name="Rectangle 29">
-            <a:extLst>
-              <a:ext uri="{FF2B5EF4-FFF2-40B4-BE49-F238E27FC236}">
-                <a16:creationId xmlns:a16="http://schemas.microsoft.com/office/drawing/2014/main" id="{FA2C39F2-3E8E-489A-8907-3C251BE71AFD}"/>
-              </a:ext>
-              <a:ext uri="{C183D7F6-B498-43B3-948B-1728B52AA6E4}">
-                <adec:decorative xmlns:adec="http://schemas.microsoft.com/office/drawing/2017/decorative" xmlns="" val="1"/>
-              </a:ext>
-            </a:extLst>
-          </p:cNvPr>
-          <p:cNvSpPr>
-            <a:spLocks noGrp="1" noRot="1" noChangeAspect="1" noMove="1" noResize="1" noEditPoints="1" noAdjustHandles="1" noChangeArrowheads="1" noChangeShapeType="1" noTextEdit="1"/>
-          </p:cNvSpPr>
-          <p:nvPr>
-            <p:extLst>
-              <p:ext uri="{386F3935-93C4-4BCD-93E2-E3B085C9AB24}">
-                <p16:designElem xmlns:p16="http://schemas.microsoft.com/office/powerpoint/2015/main" val="1"/>
-              </p:ext>
-            </p:extLst>
-          </p:nvPr>
-        </p:nvSpPr>
-        <p:spPr>
-          <a:xfrm>
-            <a:off x="5276090" y="642795"/>
-            <a:ext cx="6272654" cy="5575126"/>
-          </a:xfrm>
-          <a:prstGeom prst="rect">
-            <a:avLst/>
-          </a:prstGeom>
-          <a:solidFill>
-            <a:schemeClr val="tx1"/>
-          </a:solidFill>
-          <a:ln>
-            <a:noFill/>
-          </a:ln>
-          <a:effectLst>
-            <a:outerShdw blurRad="76200" dist="63500" dir="5040000" algn="t" rotWithShape="0">
-              <a:prstClr val="black">
-                <a:alpha val="41000"/>
-              </a:prstClr>
-            </a:outerShdw>
-          </a:effectLst>
-        </p:spPr>
-        <p:style>
-          <a:lnRef idx="2">
-            <a:schemeClr val="accent1">
-              <a:shade val="50000"/>
-            </a:schemeClr>
-          </a:lnRef>
-          <a:fillRef idx="1">
-            <a:schemeClr val="accent1"/>
-          </a:fillRef>
-          <a:effectRef idx="0">
-            <a:schemeClr val="accent1"/>
-          </a:effectRef>
-          <a:fontRef idx="minor">
-            <a:schemeClr val="lt1"/>
-          </a:fontRef>
-        </p:style>
-        <p:txBody>
-          <a:bodyPr rtlCol="0" anchor="ctr"/>
-          <a:lstStyle/>
-          <a:p>
-            <a:pPr algn="ctr"/>
-            <a:endParaRPr lang="en-US"/>
-          </a:p>
-        </p:txBody>
-      </p:sp>
-      <p:pic>
-        <p:nvPicPr>
-          <p:cNvPr id="5" name="Content Placeholder 4">
-            <a:extLst>
-              <a:ext uri="{FF2B5EF4-FFF2-40B4-BE49-F238E27FC236}">
-                <a16:creationId xmlns:a16="http://schemas.microsoft.com/office/drawing/2014/main" id="{9ABB23E1-AB82-49B1-86B5-D6B8802BBE8C}"/>
-              </a:ext>
-            </a:extLst>
-          </p:cNvPr>
-          <p:cNvPicPr>
-            <a:picLocks noGrp="1" noChangeAspect="1"/>
-          </p:cNvPicPr>
-          <p:nvPr>
-            <p:ph sz="half" idx="2"/>
-          </p:nvPr>
-        </p:nvPicPr>
-        <p:blipFill>
-          <a:blip r:embed="rId5"/>
-          <a:stretch>
-            <a:fillRect/>
-          </a:stretch>
-        </p:blipFill>
-        <p:spPr>
-          <a:xfrm>
-            <a:off x="5593085" y="1620703"/>
-            <a:ext cx="5629268" cy="3609799"/>
-          </a:xfrm>
-          <a:prstGeom prst="rect">
-            <a:avLst/>
-          </a:prstGeom>
-          <a:ln>
-            <a:noFill/>
-          </a:ln>
-          <a:effectLst/>
-        </p:spPr>
-      </p:pic>
       <p:sp>
         <p:nvSpPr>
           <p:cNvPr id="2" name="Title 1">
@@ -13218,21 +13232,18 @@
             <p:ph type="title"/>
           </p:nvPr>
         </p:nvSpPr>
-        <p:spPr>
-          <a:xfrm>
-            <a:off x="680321" y="753228"/>
-            <a:ext cx="4136123" cy="1080938"/>
-          </a:xfrm>
-        </p:spPr>
-        <p:txBody>
-          <a:bodyPr vert="horz" lIns="91440" tIns="45720" rIns="91440" bIns="45720" rtlCol="0" anchor="ctr">
-            <a:normAutofit/>
-          </a:bodyPr>
+        <p:spPr/>
+        <p:txBody>
+          <a:bodyPr/>
           <a:lstStyle/>
           <a:p>
             <a:r>
-              <a:rPr lang="en-US" sz="2400"/>
-              <a:t>Triggers, DML</a:t>
+              <a:rPr lang="es-CL" dirty="0" err="1"/>
+              <a:t>Triggers</a:t>
+            </a:r>
+            <a:r>
+              <a:rPr lang="es-CL" dirty="0"/>
+              <a:t>, DML</a:t>
             </a:r>
           </a:p>
         </p:txBody>
@@ -13250,32 +13261,52 @@
             <a:spLocks noGrp="1"/>
           </p:cNvSpPr>
           <p:nvPr>
-            <p:ph sz="half" idx="1"/>
-          </p:nvPr>
-        </p:nvSpPr>
-        <p:spPr>
-          <a:xfrm>
-            <a:off x="680321" y="2336873"/>
-            <a:ext cx="3656289" cy="3599316"/>
-          </a:xfrm>
-        </p:spPr>
-        <p:txBody>
-          <a:bodyPr vert="horz" lIns="91440" tIns="45720" rIns="91440" bIns="45720" rtlCol="0">
+            <p:ph idx="1"/>
+          </p:nvPr>
+        </p:nvSpPr>
+        <p:spPr/>
+        <p:txBody>
+          <a:bodyPr>
             <a:normAutofit/>
           </a:bodyPr>
           <a:lstStyle/>
           <a:p>
             <a:r>
-              <a:rPr lang="en-US" sz="1400"/>
-              <a:t>Son procedimientos almacenados  que se ejecutan automáticamente ante un evento DML  (Update – Delete – Insert) que afecta una tabla o vista.</a:t>
-            </a:r>
+              <a:rPr lang="es-ES" dirty="0"/>
+              <a:t>Son procedimientos almacenados  que se ejecutan automáticamente ante un evento DML  (</a:t>
+            </a:r>
+            <a:r>
+              <a:rPr lang="es-ES" dirty="0" err="1"/>
+              <a:t>Update</a:t>
+            </a:r>
+            <a:r>
+              <a:rPr lang="es-ES" dirty="0"/>
+              <a:t> – </a:t>
+            </a:r>
+            <a:r>
+              <a:rPr lang="es-ES" dirty="0" err="1"/>
+              <a:t>Delete</a:t>
+            </a:r>
+            <a:r>
+              <a:rPr lang="es-ES" dirty="0"/>
+              <a:t> – </a:t>
+            </a:r>
+            <a:r>
+              <a:rPr lang="es-ES" dirty="0" err="1"/>
+              <a:t>Insert</a:t>
+            </a:r>
+            <a:r>
+              <a:rPr lang="es-ES" dirty="0"/>
+              <a:t>) que afecta una tabla o vista.</a:t>
+            </a:r>
+            <a:endParaRPr lang="es-CL" dirty="0"/>
           </a:p>
         </p:txBody>
       </p:sp>
     </p:spTree>
     <p:extLst>
       <p:ext uri="{BB962C8B-B14F-4D97-AF65-F5344CB8AC3E}">
-        <p14:creationId xmlns:p14="http://schemas.microsoft.com/office/powerpoint/2010/main" val="559757700"/>
+        <p14:creationId xmlns:p14="http://schemas.microsoft.com/office/powerpoint/2010/main" val="1473890711"/>
       </p:ext>
     </p:extLst>
   </p:cSld>
@@ -13345,7 +13376,7 @@
                 <a16:creationId xmlns:a16="http://schemas.microsoft.com/office/drawing/2014/main" id="{14CE8021-4E74-4794-A0E4-ECC2D2D40BB4}"/>
               </a:ext>
               <a:ext uri="{C183D7F6-B498-43B3-948B-1728B52AA6E4}">
-                <adec:decorative xmlns:adec="http://schemas.microsoft.com/office/drawing/2017/decorative" xmlns="" val="1"/>
+                <adec:decorative xmlns="" xmlns:adec="http://schemas.microsoft.com/office/drawing/2017/decorative" val="1"/>
               </a:ext>
             </a:extLst>
           </p:cNvPr>
@@ -13391,7 +13422,7 @@
                 <a16:creationId xmlns:a16="http://schemas.microsoft.com/office/drawing/2014/main" id="{0B1B493A-0A00-4A78-9179-A51DFD228812}"/>
               </a:ext>
               <a:ext uri="{C183D7F6-B498-43B3-948B-1728B52AA6E4}">
-                <adec:decorative xmlns:adec="http://schemas.microsoft.com/office/drawing/2017/decorative" xmlns="" val="1"/>
+                <adec:decorative xmlns="" xmlns:adec="http://schemas.microsoft.com/office/drawing/2017/decorative" val="1"/>
               </a:ext>
             </a:extLst>
           </p:cNvPr>
@@ -13436,7 +13467,7 @@
                 <a16:creationId xmlns:a16="http://schemas.microsoft.com/office/drawing/2014/main" id="{05B327D4-1ABB-44EB-8BA9-1C136B1535ED}"/>
               </a:ext>
               <a:ext uri="{C183D7F6-B498-43B3-948B-1728B52AA6E4}">
-                <adec:decorative xmlns:adec="http://schemas.microsoft.com/office/drawing/2017/decorative" xmlns="" val="1"/>
+                <adec:decorative xmlns="" xmlns:adec="http://schemas.microsoft.com/office/drawing/2017/decorative" val="1"/>
               </a:ext>
             </a:extLst>
           </p:cNvPr>
@@ -13481,7 +13512,7 @@
                 <a16:creationId xmlns:a16="http://schemas.microsoft.com/office/drawing/2014/main" id="{68565C26-F31A-42A4-859E-1F38C81D194D}"/>
               </a:ext>
               <a:ext uri="{C183D7F6-B498-43B3-948B-1728B52AA6E4}">
-                <adec:decorative xmlns:adec="http://schemas.microsoft.com/office/drawing/2017/decorative" xmlns="" val="1"/>
+                <adec:decorative xmlns="" xmlns:adec="http://schemas.microsoft.com/office/drawing/2017/decorative" val="1"/>
               </a:ext>
             </a:extLst>
           </p:cNvPr>
@@ -13539,7 +13570,7 @@
                 <a16:creationId xmlns:a16="http://schemas.microsoft.com/office/drawing/2014/main" id="{81A3EC2D-CF74-44DB-A8BD-A1698850D162}"/>
               </a:ext>
               <a:ext uri="{C183D7F6-B498-43B3-948B-1728B52AA6E4}">
-                <adec:decorative xmlns:adec="http://schemas.microsoft.com/office/drawing/2017/decorative" xmlns="" val="1"/>
+                <adec:decorative xmlns="" xmlns:adec="http://schemas.microsoft.com/office/drawing/2017/decorative" val="1"/>
               </a:ext>
             </a:extLst>
           </p:cNvPr>
@@ -13594,7 +13625,7 @@
                 <a16:creationId xmlns:a16="http://schemas.microsoft.com/office/drawing/2014/main" id="{5F85E7EB-64DD-4240-8583-6C243806705F}"/>
               </a:ext>
               <a:ext uri="{C183D7F6-B498-43B3-948B-1728B52AA6E4}">
-                <adec:decorative xmlns:adec="http://schemas.microsoft.com/office/drawing/2017/decorative" xmlns="" val="1"/>
+                <adec:decorative xmlns="" xmlns:adec="http://schemas.microsoft.com/office/drawing/2017/decorative" val="1"/>
               </a:ext>
             </a:extLst>
           </p:cNvPr>
@@ -13651,7 +13682,7 @@
                 <a16:creationId xmlns:a16="http://schemas.microsoft.com/office/drawing/2014/main" id="{A5AA9413-A886-4022-A477-7ACECA36585E}"/>
               </a:ext>
               <a:ext uri="{C183D7F6-B498-43B3-948B-1728B52AA6E4}">
-                <adec:decorative xmlns:adec="http://schemas.microsoft.com/office/drawing/2017/decorative" xmlns="" val="1"/>
+                <adec:decorative xmlns="" xmlns:adec="http://schemas.microsoft.com/office/drawing/2017/decorative" val="1"/>
               </a:ext>
             </a:extLst>
           </p:cNvPr>
@@ -13697,7 +13728,7 @@
                 <a16:creationId xmlns:a16="http://schemas.microsoft.com/office/drawing/2014/main" id="{891C6E63-BD83-438C-8E5A-539006F798DD}"/>
               </a:ext>
               <a:ext uri="{C183D7F6-B498-43B3-948B-1728B52AA6E4}">
-                <adec:decorative xmlns:adec="http://schemas.microsoft.com/office/drawing/2017/decorative" xmlns="" val="1"/>
+                <adec:decorative xmlns="" xmlns:adec="http://schemas.microsoft.com/office/drawing/2017/decorative" val="1"/>
               </a:ext>
             </a:extLst>
           </p:cNvPr>
@@ -13757,7 +13788,7 @@
                 <a16:creationId xmlns:a16="http://schemas.microsoft.com/office/drawing/2014/main" id="{CA1E0C71-AEB6-4ADF-A06B-0842850D6E81}"/>
               </a:ext>
               <a:ext uri="{C183D7F6-B498-43B3-948B-1728B52AA6E4}">
-                <adec:decorative xmlns:adec="http://schemas.microsoft.com/office/drawing/2017/decorative" xmlns="" val="1"/>
+                <adec:decorative xmlns="" xmlns:adec="http://schemas.microsoft.com/office/drawing/2017/decorative" val="1"/>
               </a:ext>
             </a:extLst>
           </p:cNvPr>
@@ -13815,7 +13846,7 @@
                 <a16:creationId xmlns:a16="http://schemas.microsoft.com/office/drawing/2014/main" id="{63AC3CC6-6498-44DC-8A2A-3BCA9A761D1D}"/>
               </a:ext>
               <a:ext uri="{C183D7F6-B498-43B3-948B-1728B52AA6E4}">
-                <adec:decorative xmlns:adec="http://schemas.microsoft.com/office/drawing/2017/decorative" xmlns="" val="1"/>
+                <adec:decorative xmlns="" xmlns:adec="http://schemas.microsoft.com/office/drawing/2017/decorative" val="1"/>
               </a:ext>
             </a:extLst>
           </p:cNvPr>
@@ -13860,7 +13891,7 @@
                 <a16:creationId xmlns:a16="http://schemas.microsoft.com/office/drawing/2014/main" id="{FA2C39F2-3E8E-489A-8907-3C251BE71AFD}"/>
               </a:ext>
               <a:ext uri="{C183D7F6-B498-43B3-948B-1728B52AA6E4}">
-                <adec:decorative xmlns:adec="http://schemas.microsoft.com/office/drawing/2017/decorative" xmlns="" val="1"/>
+                <adec:decorative xmlns="" xmlns:adec="http://schemas.microsoft.com/office/drawing/2017/decorative" val="1"/>
               </a:ext>
             </a:extLst>
           </p:cNvPr>
@@ -13927,7 +13958,7 @@
           <p:cNvPr id="5" name="Content Placeholder 4">
             <a:extLst>
               <a:ext uri="{FF2B5EF4-FFF2-40B4-BE49-F238E27FC236}">
-                <a16:creationId xmlns:a16="http://schemas.microsoft.com/office/drawing/2014/main" id="{2688A749-2AC3-4578-AEDF-8490FA71250C}"/>
+                <a16:creationId xmlns:a16="http://schemas.microsoft.com/office/drawing/2014/main" id="{9ABB23E1-AB82-49B1-86B5-D6B8802BBE8C}"/>
               </a:ext>
             </a:extLst>
           </p:cNvPr>
@@ -13946,8 +13977,8 @@
         </p:blipFill>
         <p:spPr>
           <a:xfrm>
-            <a:off x="5593085" y="2543720"/>
-            <a:ext cx="5629268" cy="1763766"/>
+            <a:off x="5593085" y="1620703"/>
+            <a:ext cx="5629268" cy="3609799"/>
           </a:xfrm>
           <a:prstGeom prst="rect">
             <a:avLst/>
@@ -13963,7 +13994,7 @@
           <p:cNvPr id="2" name="Title 1">
             <a:extLst>
               <a:ext uri="{FF2B5EF4-FFF2-40B4-BE49-F238E27FC236}">
-                <a16:creationId xmlns:a16="http://schemas.microsoft.com/office/drawing/2014/main" id="{2EA7E484-B855-46F6-BA0F-8B1CCB1D9E9A}"/>
+                <a16:creationId xmlns:a16="http://schemas.microsoft.com/office/drawing/2014/main" id="{CDC519B3-9424-455C-B9B3-1D41A19848AD}"/>
               </a:ext>
             </a:extLst>
           </p:cNvPr>
@@ -13988,7 +14019,7 @@
           <a:p>
             <a:r>
               <a:rPr lang="en-US" sz="2400"/>
-              <a:t>Triggers, DDL</a:t>
+              <a:t>Triggers, DML</a:t>
             </a:r>
           </a:p>
         </p:txBody>
@@ -13998,7 +14029,7 @@
           <p:cNvPr id="3" name="Content Placeholder 2">
             <a:extLst>
               <a:ext uri="{FF2B5EF4-FFF2-40B4-BE49-F238E27FC236}">
-                <a16:creationId xmlns:a16="http://schemas.microsoft.com/office/drawing/2014/main" id="{84F1E9BF-D8E5-4D7D-B673-B427BCC3A6CB}"/>
+                <a16:creationId xmlns:a16="http://schemas.microsoft.com/office/drawing/2014/main" id="{82E5D7D2-4598-4322-BE42-8BEE6527025F}"/>
               </a:ext>
             </a:extLst>
           </p:cNvPr>
@@ -14023,13 +14054,7 @@
           <a:p>
             <a:r>
               <a:rPr lang="en-US" sz="1400"/>
-              <a:t>Son triggers especiales que se crean a nivel de base de datos y que disparan en respuesta a eventos DML  (Update – Delete – Insert)</a:t>
-            </a:r>
-          </a:p>
-          <a:p>
-            <a:r>
-              <a:rPr lang="en-US" sz="1400"/>
-              <a:t>Suelen ser utilizados para ejecutar tareas administrativas en una base de datos auditando y regulando cierta clase de eventos.</a:t>
+              <a:t>Son procedimientos almacenados  que se ejecutan automáticamente ante un evento DML  (Update – Delete – Insert) que afecta una tabla o vista.</a:t>
             </a:r>
           </a:p>
         </p:txBody>
@@ -14037,7 +14062,7 @@
     </p:spTree>
     <p:extLst>
       <p:ext uri="{BB962C8B-B14F-4D97-AF65-F5344CB8AC3E}">
-        <p14:creationId xmlns:p14="http://schemas.microsoft.com/office/powerpoint/2010/main" val="321617678"/>
+        <p14:creationId xmlns:p14="http://schemas.microsoft.com/office/powerpoint/2010/main" val="559757700"/>
       </p:ext>
     </p:extLst>
   </p:cSld>
@@ -14107,7 +14132,7 @@
                 <a16:creationId xmlns:a16="http://schemas.microsoft.com/office/drawing/2014/main" id="{14CE8021-4E74-4794-A0E4-ECC2D2D40BB4}"/>
               </a:ext>
               <a:ext uri="{C183D7F6-B498-43B3-948B-1728B52AA6E4}">
-                <adec:decorative xmlns:adec="http://schemas.microsoft.com/office/drawing/2017/decorative" xmlns="" val="1"/>
+                <adec:decorative xmlns="" xmlns:adec="http://schemas.microsoft.com/office/drawing/2017/decorative" val="1"/>
               </a:ext>
             </a:extLst>
           </p:cNvPr>
@@ -14153,7 +14178,7 @@
                 <a16:creationId xmlns:a16="http://schemas.microsoft.com/office/drawing/2014/main" id="{0B1B493A-0A00-4A78-9179-A51DFD228812}"/>
               </a:ext>
               <a:ext uri="{C183D7F6-B498-43B3-948B-1728B52AA6E4}">
-                <adec:decorative xmlns:adec="http://schemas.microsoft.com/office/drawing/2017/decorative" xmlns="" val="1"/>
+                <adec:decorative xmlns="" xmlns:adec="http://schemas.microsoft.com/office/drawing/2017/decorative" val="1"/>
               </a:ext>
             </a:extLst>
           </p:cNvPr>
@@ -14198,7 +14223,7 @@
                 <a16:creationId xmlns:a16="http://schemas.microsoft.com/office/drawing/2014/main" id="{05B327D4-1ABB-44EB-8BA9-1C136B1535ED}"/>
               </a:ext>
               <a:ext uri="{C183D7F6-B498-43B3-948B-1728B52AA6E4}">
-                <adec:decorative xmlns:adec="http://schemas.microsoft.com/office/drawing/2017/decorative" xmlns="" val="1"/>
+                <adec:decorative xmlns="" xmlns:adec="http://schemas.microsoft.com/office/drawing/2017/decorative" val="1"/>
               </a:ext>
             </a:extLst>
           </p:cNvPr>
@@ -14243,7 +14268,7 @@
                 <a16:creationId xmlns:a16="http://schemas.microsoft.com/office/drawing/2014/main" id="{68565C26-F31A-42A4-859E-1F38C81D194D}"/>
               </a:ext>
               <a:ext uri="{C183D7F6-B498-43B3-948B-1728B52AA6E4}">
-                <adec:decorative xmlns:adec="http://schemas.microsoft.com/office/drawing/2017/decorative" xmlns="" val="1"/>
+                <adec:decorative xmlns="" xmlns:adec="http://schemas.microsoft.com/office/drawing/2017/decorative" val="1"/>
               </a:ext>
             </a:extLst>
           </p:cNvPr>
@@ -14301,7 +14326,7 @@
                 <a16:creationId xmlns:a16="http://schemas.microsoft.com/office/drawing/2014/main" id="{81A3EC2D-CF74-44DB-A8BD-A1698850D162}"/>
               </a:ext>
               <a:ext uri="{C183D7F6-B498-43B3-948B-1728B52AA6E4}">
-                <adec:decorative xmlns:adec="http://schemas.microsoft.com/office/drawing/2017/decorative" xmlns="" val="1"/>
+                <adec:decorative xmlns="" xmlns:adec="http://schemas.microsoft.com/office/drawing/2017/decorative" val="1"/>
               </a:ext>
             </a:extLst>
           </p:cNvPr>
@@ -14353,10 +14378,10 @@
           <p:cNvPr id="20" name="Rectangle 19">
             <a:extLst>
               <a:ext uri="{FF2B5EF4-FFF2-40B4-BE49-F238E27FC236}">
-                <a16:creationId xmlns:a16="http://schemas.microsoft.com/office/drawing/2014/main" id="{7539E3D4-6962-40AB-8B73-E9DD5692F0E7}"/>
+                <a16:creationId xmlns:a16="http://schemas.microsoft.com/office/drawing/2014/main" id="{5F85E7EB-64DD-4240-8583-6C243806705F}"/>
               </a:ext>
               <a:ext uri="{C183D7F6-B498-43B3-948B-1728B52AA6E4}">
-                <adec:decorative xmlns:adec="http://schemas.microsoft.com/office/drawing/2017/decorative" xmlns="" val="1"/>
+                <adec:decorative xmlns="" xmlns:adec="http://schemas.microsoft.com/office/drawing/2017/decorative" val="1"/>
               </a:ext>
             </a:extLst>
           </p:cNvPr>
@@ -14410,10 +14435,10 @@
           <p:cNvPr id="22" name="Picture 21">
             <a:extLst>
               <a:ext uri="{FF2B5EF4-FFF2-40B4-BE49-F238E27FC236}">
-                <a16:creationId xmlns:a16="http://schemas.microsoft.com/office/drawing/2014/main" id="{9490E84B-32AB-4B93-B2A7-C660A2894F2C}"/>
+                <a16:creationId xmlns:a16="http://schemas.microsoft.com/office/drawing/2014/main" id="{A5AA9413-A886-4022-A477-7ACECA36585E}"/>
               </a:ext>
               <a:ext uri="{C183D7F6-B498-43B3-948B-1728B52AA6E4}">
-                <adec:decorative xmlns:adec="http://schemas.microsoft.com/office/drawing/2017/decorative" xmlns="" val="1"/>
+                <adec:decorative xmlns="" xmlns:adec="http://schemas.microsoft.com/office/drawing/2017/decorative" val="1"/>
               </a:ext>
             </a:extLst>
           </p:cNvPr>
@@ -14456,10 +14481,10 @@
           <p:cNvPr id="24" name="Rectangle 23">
             <a:extLst>
               <a:ext uri="{FF2B5EF4-FFF2-40B4-BE49-F238E27FC236}">
-                <a16:creationId xmlns:a16="http://schemas.microsoft.com/office/drawing/2014/main" id="{AE7C53B3-E639-4BE7-9C53-AAF6DF686F9A}"/>
+                <a16:creationId xmlns:a16="http://schemas.microsoft.com/office/drawing/2014/main" id="{891C6E63-BD83-438C-8E5A-539006F798DD}"/>
               </a:ext>
               <a:ext uri="{C183D7F6-B498-43B3-948B-1728B52AA6E4}">
-                <adec:decorative xmlns:adec="http://schemas.microsoft.com/office/drawing/2017/decorative" xmlns="" val="1"/>
+                <adec:decorative xmlns="" xmlns:adec="http://schemas.microsoft.com/office/drawing/2017/decorative" val="1"/>
               </a:ext>
             </a:extLst>
           </p:cNvPr>
@@ -14516,10 +14541,10 @@
           <p:cNvPr id="26" name="Rectangle 25">
             <a:extLst>
               <a:ext uri="{FF2B5EF4-FFF2-40B4-BE49-F238E27FC236}">
-                <a16:creationId xmlns:a16="http://schemas.microsoft.com/office/drawing/2014/main" id="{2CD7F1D5-2F5D-4F06-91C2-5616C9AD5597}"/>
+                <a16:creationId xmlns:a16="http://schemas.microsoft.com/office/drawing/2014/main" id="{CA1E0C71-AEB6-4ADF-A06B-0842850D6E81}"/>
               </a:ext>
               <a:ext uri="{C183D7F6-B498-43B3-948B-1728B52AA6E4}">
-                <adec:decorative xmlns:adec="http://schemas.microsoft.com/office/drawing/2017/decorative" xmlns="" val="1"/>
+                <adec:decorative xmlns="" xmlns:adec="http://schemas.microsoft.com/office/drawing/2017/decorative" val="1"/>
               </a:ext>
             </a:extLst>
           </p:cNvPr>
@@ -14574,10 +14599,10 @@
           <p:cNvPr id="28" name="Picture 27">
             <a:extLst>
               <a:ext uri="{FF2B5EF4-FFF2-40B4-BE49-F238E27FC236}">
-                <a16:creationId xmlns:a16="http://schemas.microsoft.com/office/drawing/2014/main" id="{CA0F9C00-759D-439B-962A-EA32D6076602}"/>
+                <a16:creationId xmlns:a16="http://schemas.microsoft.com/office/drawing/2014/main" id="{63AC3CC6-6498-44DC-8A2A-3BCA9A761D1D}"/>
               </a:ext>
               <a:ext uri="{C183D7F6-B498-43B3-948B-1728B52AA6E4}">
-                <adec:decorative xmlns:adec="http://schemas.microsoft.com/office/drawing/2017/decorative" xmlns="" val="1"/>
+                <adec:decorative xmlns="" xmlns:adec="http://schemas.microsoft.com/office/drawing/2017/decorative" val="1"/>
               </a:ext>
             </a:extLst>
           </p:cNvPr>
@@ -14614,12 +14639,82 @@
           </a:prstGeom>
         </p:spPr>
       </p:pic>
+      <p:sp>
+        <p:nvSpPr>
+          <p:cNvPr id="30" name="Rectangle 29">
+            <a:extLst>
+              <a:ext uri="{FF2B5EF4-FFF2-40B4-BE49-F238E27FC236}">
+                <a16:creationId xmlns:a16="http://schemas.microsoft.com/office/drawing/2014/main" id="{FA2C39F2-3E8E-489A-8907-3C251BE71AFD}"/>
+              </a:ext>
+              <a:ext uri="{C183D7F6-B498-43B3-948B-1728B52AA6E4}">
+                <adec:decorative xmlns="" xmlns:adec="http://schemas.microsoft.com/office/drawing/2017/decorative" val="1"/>
+              </a:ext>
+            </a:extLst>
+          </p:cNvPr>
+          <p:cNvSpPr>
+            <a:spLocks noGrp="1" noRot="1" noChangeAspect="1" noMove="1" noResize="1" noEditPoints="1" noAdjustHandles="1" noChangeArrowheads="1" noChangeShapeType="1" noTextEdit="1"/>
+          </p:cNvSpPr>
+          <p:nvPr>
+            <p:extLst>
+              <p:ext uri="{386F3935-93C4-4BCD-93E2-E3B085C9AB24}">
+                <p16:designElem xmlns:p16="http://schemas.microsoft.com/office/powerpoint/2015/main" val="1"/>
+              </p:ext>
+            </p:extLst>
+          </p:nvPr>
+        </p:nvSpPr>
+        <p:spPr>
+          <a:xfrm>
+            <a:off x="5276090" y="642795"/>
+            <a:ext cx="6272654" cy="5575126"/>
+          </a:xfrm>
+          <a:prstGeom prst="rect">
+            <a:avLst/>
+          </a:prstGeom>
+          <a:solidFill>
+            <a:schemeClr val="tx1"/>
+          </a:solidFill>
+          <a:ln>
+            <a:noFill/>
+          </a:ln>
+          <a:effectLst>
+            <a:outerShdw blurRad="76200" dist="63500" dir="5040000" algn="t" rotWithShape="0">
+              <a:prstClr val="black">
+                <a:alpha val="41000"/>
+              </a:prstClr>
+            </a:outerShdw>
+          </a:effectLst>
+        </p:spPr>
+        <p:style>
+          <a:lnRef idx="2">
+            <a:schemeClr val="accent1">
+              <a:shade val="50000"/>
+            </a:schemeClr>
+          </a:lnRef>
+          <a:fillRef idx="1">
+            <a:schemeClr val="accent1"/>
+          </a:fillRef>
+          <a:effectRef idx="0">
+            <a:schemeClr val="accent1"/>
+          </a:effectRef>
+          <a:fontRef idx="minor">
+            <a:schemeClr val="lt1"/>
+          </a:fontRef>
+        </p:style>
+        <p:txBody>
+          <a:bodyPr rtlCol="0" anchor="ctr"/>
+          <a:lstStyle/>
+          <a:p>
+            <a:pPr algn="ctr"/>
+            <a:endParaRPr lang="en-US"/>
+          </a:p>
+        </p:txBody>
+      </p:sp>
       <p:pic>
         <p:nvPicPr>
           <p:cNvPr id="5" name="Content Placeholder 4">
             <a:extLst>
               <a:ext uri="{FF2B5EF4-FFF2-40B4-BE49-F238E27FC236}">
-                <a16:creationId xmlns:a16="http://schemas.microsoft.com/office/drawing/2014/main" id="{EFA93D54-1E30-4D59-8CC4-2343B45CA883}"/>
+                <a16:creationId xmlns:a16="http://schemas.microsoft.com/office/drawing/2014/main" id="{2688A749-2AC3-4578-AEDF-8490FA71250C}"/>
               </a:ext>
             </a:extLst>
           </p:cNvPr>
@@ -14638,8 +14733,8 @@
         </p:blipFill>
         <p:spPr>
           <a:xfrm>
-            <a:off x="5276090" y="915130"/>
-            <a:ext cx="6269479" cy="5027740"/>
+            <a:off x="5593085" y="2543720"/>
+            <a:ext cx="5629268" cy="1763766"/>
           </a:xfrm>
           <a:prstGeom prst="rect">
             <a:avLst/>
@@ -14647,13 +14742,7 @@
           <a:ln>
             <a:noFill/>
           </a:ln>
-          <a:effectLst>
-            <a:outerShdw blurRad="76200" dist="63500" dir="5040000" algn="tl" rotWithShape="0">
-              <a:srgbClr val="000000">
-                <a:alpha val="41000"/>
-              </a:srgbClr>
-            </a:outerShdw>
-          </a:effectLst>
+          <a:effectLst/>
         </p:spPr>
       </p:pic>
       <p:sp>
@@ -14661,7 +14750,7 @@
           <p:cNvPr id="2" name="Title 1">
             <a:extLst>
               <a:ext uri="{FF2B5EF4-FFF2-40B4-BE49-F238E27FC236}">
-                <a16:creationId xmlns:a16="http://schemas.microsoft.com/office/drawing/2014/main" id="{BFEC9FE5-1902-4A19-B91B-04ACAEE52FF8}"/>
+                <a16:creationId xmlns:a16="http://schemas.microsoft.com/office/drawing/2014/main" id="{2EA7E484-B855-46F6-BA0F-8B1CCB1D9E9A}"/>
               </a:ext>
             </a:extLst>
           </p:cNvPr>
@@ -14686,7 +14775,7 @@
           <a:p>
             <a:r>
               <a:rPr lang="en-US" sz="2400"/>
-              <a:t>Trigger Logon Event</a:t>
+              <a:t>Triggers, DDL</a:t>
             </a:r>
           </a:p>
         </p:txBody>
@@ -14696,7 +14785,7 @@
           <p:cNvPr id="3" name="Content Placeholder 2">
             <a:extLst>
               <a:ext uri="{FF2B5EF4-FFF2-40B4-BE49-F238E27FC236}">
-                <a16:creationId xmlns:a16="http://schemas.microsoft.com/office/drawing/2014/main" id="{20BC9161-5F89-46C1-ADD8-855DC271A917}"/>
+                <a16:creationId xmlns:a16="http://schemas.microsoft.com/office/drawing/2014/main" id="{84F1E9BF-D8E5-4D7D-B673-B427BCC3A6CB}"/>
               </a:ext>
             </a:extLst>
           </p:cNvPr>
@@ -14721,13 +14810,13 @@
           <a:p>
             <a:r>
               <a:rPr lang="en-US" sz="1400"/>
-              <a:t>Este evento se produce cuando se establece una sesión de usuario con una instancia de SQL Server.</a:t>
+              <a:t>Son triggers especiales que se crean a nivel de base de datos y que disparan en respuesta a eventos DML  (Update – Delete – Insert)</a:t>
             </a:r>
           </a:p>
           <a:p>
             <a:r>
               <a:rPr lang="en-US" sz="1400"/>
-              <a:t>Logon event dispara el trigger después de la fase de autenticación de inicio de sesión, pero antes de que la sesión del usuario esté realmente establecida.</a:t>
+              <a:t>Suelen ser utilizados para ejecutar tareas administrativas en una base de datos auditando y regulando cierta clase de eventos.</a:t>
             </a:r>
           </a:p>
         </p:txBody>
@@ -14735,7 +14824,7 @@
     </p:spTree>
     <p:extLst>
       <p:ext uri="{BB962C8B-B14F-4D97-AF65-F5344CB8AC3E}">
-        <p14:creationId xmlns:p14="http://schemas.microsoft.com/office/powerpoint/2010/main" val="4195129843"/>
+        <p14:creationId xmlns:p14="http://schemas.microsoft.com/office/powerpoint/2010/main" val="321617678"/>
       </p:ext>
     </p:extLst>
   </p:cSld>
